--- a/Task 3/Muhammad Cikal Merdeka_Task_3 _Investigate Hotel Business Using Data Visualization.pptx
+++ b/Task 3/Muhammad Cikal Merdeka_Task_3 _Investigate Hotel Business Using Data Visualization.pptx
@@ -1,28 +1,36 @@
 
 <file path=ppt/presentation.xml><?xml version="1.0" encoding="utf-8"?>
-<p:presentation xmlns:a="http://schemas.openxmlformats.org/drawingml/2006/main" xmlns:r="http://schemas.openxmlformats.org/officeDocument/2006/relationships" xmlns:mc="http://schemas.openxmlformats.org/markup-compatibility/2006" xmlns:mv="urn:schemas-microsoft-com:mac:vml" xmlns:p="http://schemas.openxmlformats.org/presentationml/2006/main" xmlns:c="http://schemas.openxmlformats.org/drawingml/2006/chart" xmlns:dgm="http://schemas.openxmlformats.org/drawingml/2006/diagram" xmlns:o="urn:schemas-microsoft-com:office:office" xmlns:v="urn:schemas-microsoft-com:vml" xmlns:pvml="urn:schemas-microsoft-com:office:powerpoint" xmlns:com="http://schemas.openxmlformats.org/drawingml/2006/compatibility" xmlns:p14="http://schemas.microsoft.com/office/powerpoint/2010/main" xmlns:p15="http://schemas.microsoft.com/office/powerpoint/2012/main" xmlns:ahyp="http://schemas.microsoft.com/office/drawing/2018/hyperlinkcolor" autoCompressPictures="0" embedTrueTypeFonts="1" strictFirstAndLastChars="0" saveSubsetFonts="1">
+<p:presentation xmlns:a="http://schemas.openxmlformats.org/drawingml/2006/main" xmlns:r="http://schemas.openxmlformats.org/officeDocument/2006/relationships" xmlns:p="http://schemas.openxmlformats.org/presentationml/2006/main" strictFirstAndLastChars="0" embedTrueTypeFonts="1" saveSubsetFonts="1" autoCompressPictures="0">
   <p:sldMasterIdLst>
-    <p:sldMasterId id="2147483659" r:id="rId4"/>
+    <p:sldMasterId id="2147483659" r:id="rId1"/>
   </p:sldMasterIdLst>
   <p:notesMasterIdLst>
-    <p:notesMasterId r:id="rId5"/>
+    <p:notesMasterId r:id="rId6"/>
   </p:notesMasterIdLst>
   <p:sldIdLst>
-    <p:sldId id="256" r:id="rId6"/>
+    <p:sldId id="257" r:id="rId2"/>
+    <p:sldId id="256" r:id="rId3"/>
+    <p:sldId id="258" r:id="rId4"/>
+    <p:sldId id="259" r:id="rId5"/>
   </p:sldIdLst>
-  <p:sldSz cy="5143500" cx="9144000"/>
+  <p:sldSz cx="9144000" cy="5143500" type="screen16x9"/>
   <p:notesSz cx="6858000" cy="9144000"/>
   <p:embeddedFontLst>
     <p:embeddedFont>
-      <p:font typeface="Roboto"/>
+      <p:font typeface="Dosis" pitchFamily="2" charset="0"/>
       <p:regular r:id="rId7"/>
       <p:bold r:id="rId8"/>
-      <p:italic r:id="rId9"/>
-      <p:boldItalic r:id="rId10"/>
+    </p:embeddedFont>
+    <p:embeddedFont>
+      <p:font typeface="Roboto" panose="02000000000000000000" pitchFamily="2" charset="0"/>
+      <p:regular r:id="rId9"/>
+      <p:bold r:id="rId10"/>
+      <p:italic r:id="rId11"/>
+      <p:boldItalic r:id="rId12"/>
     </p:embeddedFont>
   </p:embeddedFontLst>
   <p:defaultTextStyle>
-    <a:defPPr lvl="0" marR="0" rtl="0" algn="l">
+    <a:defPPr marR="0" lvl="0" algn="l" rtl="0">
       <a:lnSpc>
         <a:spcPct val="100000"/>
       </a:lnSpc>
@@ -33,7 +41,7 @@
         <a:spcPts val="0"/>
       </a:spcAft>
     </a:defPPr>
-    <a:lvl1pPr lvl="0" marR="0" rtl="0" algn="l">
+    <a:lvl1pPr marR="0" lvl="0" algn="l" rtl="0">
       <a:lnSpc>
         <a:spcPct val="100000"/>
       </a:lnSpc>
@@ -47,7 +55,7 @@
         <a:srgbClr val="000000"/>
       </a:buClr>
       <a:buFont typeface="Arial"/>
-      <a:defRPr b="0" i="0" sz="1400" u="none" cap="none" strike="noStrike">
+      <a:defRPr sz="1400" b="0" i="0" u="none" strike="noStrike" cap="none">
         <a:solidFill>
           <a:srgbClr val="000000"/>
         </a:solidFill>
@@ -57,7 +65,7 @@
         <a:sym typeface="Arial"/>
       </a:defRPr>
     </a:lvl1pPr>
-    <a:lvl2pPr lvl="1" marR="0" rtl="0" algn="l">
+    <a:lvl2pPr marR="0" lvl="1" algn="l" rtl="0">
       <a:lnSpc>
         <a:spcPct val="100000"/>
       </a:lnSpc>
@@ -71,7 +79,7 @@
         <a:srgbClr val="000000"/>
       </a:buClr>
       <a:buFont typeface="Arial"/>
-      <a:defRPr b="0" i="0" sz="1400" u="none" cap="none" strike="noStrike">
+      <a:defRPr sz="1400" b="0" i="0" u="none" strike="noStrike" cap="none">
         <a:solidFill>
           <a:srgbClr val="000000"/>
         </a:solidFill>
@@ -81,7 +89,7 @@
         <a:sym typeface="Arial"/>
       </a:defRPr>
     </a:lvl2pPr>
-    <a:lvl3pPr lvl="2" marR="0" rtl="0" algn="l">
+    <a:lvl3pPr marR="0" lvl="2" algn="l" rtl="0">
       <a:lnSpc>
         <a:spcPct val="100000"/>
       </a:lnSpc>
@@ -95,7 +103,7 @@
         <a:srgbClr val="000000"/>
       </a:buClr>
       <a:buFont typeface="Arial"/>
-      <a:defRPr b="0" i="0" sz="1400" u="none" cap="none" strike="noStrike">
+      <a:defRPr sz="1400" b="0" i="0" u="none" strike="noStrike" cap="none">
         <a:solidFill>
           <a:srgbClr val="000000"/>
         </a:solidFill>
@@ -105,7 +113,7 @@
         <a:sym typeface="Arial"/>
       </a:defRPr>
     </a:lvl3pPr>
-    <a:lvl4pPr lvl="3" marR="0" rtl="0" algn="l">
+    <a:lvl4pPr marR="0" lvl="3" algn="l" rtl="0">
       <a:lnSpc>
         <a:spcPct val="100000"/>
       </a:lnSpc>
@@ -119,7 +127,7 @@
         <a:srgbClr val="000000"/>
       </a:buClr>
       <a:buFont typeface="Arial"/>
-      <a:defRPr b="0" i="0" sz="1400" u="none" cap="none" strike="noStrike">
+      <a:defRPr sz="1400" b="0" i="0" u="none" strike="noStrike" cap="none">
         <a:solidFill>
           <a:srgbClr val="000000"/>
         </a:solidFill>
@@ -129,7 +137,7 @@
         <a:sym typeface="Arial"/>
       </a:defRPr>
     </a:lvl4pPr>
-    <a:lvl5pPr lvl="4" marR="0" rtl="0" algn="l">
+    <a:lvl5pPr marR="0" lvl="4" algn="l" rtl="0">
       <a:lnSpc>
         <a:spcPct val="100000"/>
       </a:lnSpc>
@@ -143,7 +151,7 @@
         <a:srgbClr val="000000"/>
       </a:buClr>
       <a:buFont typeface="Arial"/>
-      <a:defRPr b="0" i="0" sz="1400" u="none" cap="none" strike="noStrike">
+      <a:defRPr sz="1400" b="0" i="0" u="none" strike="noStrike" cap="none">
         <a:solidFill>
           <a:srgbClr val="000000"/>
         </a:solidFill>
@@ -153,7 +161,7 @@
         <a:sym typeface="Arial"/>
       </a:defRPr>
     </a:lvl5pPr>
-    <a:lvl6pPr lvl="5" marR="0" rtl="0" algn="l">
+    <a:lvl6pPr marR="0" lvl="5" algn="l" rtl="0">
       <a:lnSpc>
         <a:spcPct val="100000"/>
       </a:lnSpc>
@@ -167,7 +175,7 @@
         <a:srgbClr val="000000"/>
       </a:buClr>
       <a:buFont typeface="Arial"/>
-      <a:defRPr b="0" i="0" sz="1400" u="none" cap="none" strike="noStrike">
+      <a:defRPr sz="1400" b="0" i="0" u="none" strike="noStrike" cap="none">
         <a:solidFill>
           <a:srgbClr val="000000"/>
         </a:solidFill>
@@ -177,7 +185,7 @@
         <a:sym typeface="Arial"/>
       </a:defRPr>
     </a:lvl6pPr>
-    <a:lvl7pPr lvl="6" marR="0" rtl="0" algn="l">
+    <a:lvl7pPr marR="0" lvl="6" algn="l" rtl="0">
       <a:lnSpc>
         <a:spcPct val="100000"/>
       </a:lnSpc>
@@ -191,7 +199,7 @@
         <a:srgbClr val="000000"/>
       </a:buClr>
       <a:buFont typeface="Arial"/>
-      <a:defRPr b="0" i="0" sz="1400" u="none" cap="none" strike="noStrike">
+      <a:defRPr sz="1400" b="0" i="0" u="none" strike="noStrike" cap="none">
         <a:solidFill>
           <a:srgbClr val="000000"/>
         </a:solidFill>
@@ -201,7 +209,7 @@
         <a:sym typeface="Arial"/>
       </a:defRPr>
     </a:lvl7pPr>
-    <a:lvl8pPr lvl="7" marR="0" rtl="0" algn="l">
+    <a:lvl8pPr marR="0" lvl="7" algn="l" rtl="0">
       <a:lnSpc>
         <a:spcPct val="100000"/>
       </a:lnSpc>
@@ -215,7 +223,7 @@
         <a:srgbClr val="000000"/>
       </a:buClr>
       <a:buFont typeface="Arial"/>
-      <a:defRPr b="0" i="0" sz="1400" u="none" cap="none" strike="noStrike">
+      <a:defRPr sz="1400" b="0" i="0" u="none" strike="noStrike" cap="none">
         <a:solidFill>
           <a:srgbClr val="000000"/>
         </a:solidFill>
@@ -225,7 +233,7 @@
         <a:sym typeface="Arial"/>
       </a:defRPr>
     </a:lvl8pPr>
-    <a:lvl9pPr lvl="8" marR="0" rtl="0" algn="l">
+    <a:lvl9pPr marR="0" lvl="8" algn="l" rtl="0">
       <a:lnSpc>
         <a:spcPct val="100000"/>
       </a:lnSpc>
@@ -239,7 +247,7 @@
         <a:srgbClr val="000000"/>
       </a:buClr>
       <a:buFont typeface="Arial"/>
-      <a:defRPr b="0" i="0" sz="1400" u="none" cap="none" strike="noStrike">
+      <a:defRPr sz="1400" b="0" i="0" u="none" strike="noStrike" cap="none">
         <a:solidFill>
           <a:srgbClr val="000000"/>
         </a:solidFill>
@@ -252,7 +260,7 @@
   </p:defaultTextStyle>
   <p:extLst>
     <p:ext uri="{EFAFB233-063F-42B5-8137-9DF3F51BA10A}">
-      <p15:sldGuideLst>
+      <p15:sldGuideLst xmlns:p15="http://schemas.microsoft.com/office/powerpoint/2012/main">
         <p15:guide id="1" orient="horz" pos="1620">
           <p15:clr>
             <a:srgbClr val="A4A3A4"/>
@@ -270,11 +278,16 @@
 </file>
 
 <file path=ppt/notesMasters/notesMaster1.xml><?xml version="1.0" encoding="utf-8"?>
-<p:notesMaster xmlns:a="http://schemas.openxmlformats.org/drawingml/2006/main" xmlns:r="http://schemas.openxmlformats.org/officeDocument/2006/relationships" xmlns:mc="http://schemas.openxmlformats.org/markup-compatibility/2006" xmlns:mv="urn:schemas-microsoft-com:mac:vml" xmlns:p="http://schemas.openxmlformats.org/presentationml/2006/main" xmlns:c="http://schemas.openxmlformats.org/drawingml/2006/chart" xmlns:dgm="http://schemas.openxmlformats.org/drawingml/2006/diagram" xmlns:o="urn:schemas-microsoft-com:office:office" xmlns:v="urn:schemas-microsoft-com:vml" xmlns:pvml="urn:schemas-microsoft-com:office:powerpoint" xmlns:com="http://schemas.openxmlformats.org/drawingml/2006/compatibility" xmlns:p14="http://schemas.microsoft.com/office/powerpoint/2010/main" xmlns:p15="http://schemas.microsoft.com/office/powerpoint/2012/main" xmlns:ahyp="http://schemas.microsoft.com/office/drawing/2018/hyperlinkcolor">
+<p:notesMaster xmlns:a="http://schemas.openxmlformats.org/drawingml/2006/main" xmlns:r="http://schemas.openxmlformats.org/officeDocument/2006/relationships" xmlns:p="http://schemas.openxmlformats.org/presentationml/2006/main">
   <p:cSld>
+    <p:bg>
+      <p:bgRef idx="1001">
+        <a:schemeClr val="bg1"/>
+      </p:bgRef>
+    </p:bg>
     <p:spTree>
       <p:nvGrpSpPr>
-        <p:cNvPr id="2" name="Shape 2"/>
+        <p:cNvPr id="1" name="Shape 2"/>
         <p:cNvGrpSpPr/>
         <p:nvPr/>
       </p:nvGrpSpPr>
@@ -289,9 +302,11 @@
       <p:sp>
         <p:nvSpPr>
           <p:cNvPr id="3" name="Google Shape;3;n"/>
-          <p:cNvSpPr/>
+          <p:cNvSpPr>
+            <a:spLocks noGrp="1" noRot="1" noChangeAspect="1"/>
+          </p:cNvSpPr>
           <p:nvPr>
-            <p:ph idx="2" type="sldImg"/>
+            <p:ph type="sldImg" idx="2"/>
           </p:nvPr>
         </p:nvSpPr>
         <p:spPr>
@@ -300,9 +315,13 @@
             <a:ext cx="6096075" cy="3429000"/>
           </a:xfrm>
           <a:custGeom>
-            <a:rect b="b" l="l" r="r" t="t"/>
+            <a:avLst/>
+            <a:gdLst/>
+            <a:ahLst/>
+            <a:cxnLst/>
+            <a:rect l="l" t="t" r="r" b="b"/>
             <a:pathLst>
-              <a:path extrusionOk="0" h="120000" w="120000">
+              <a:path w="120000" h="120000" extrusionOk="0">
                 <a:moveTo>
                   <a:pt x="0" y="0"/>
                 </a:moveTo>
@@ -320,23 +339,25 @@
             </a:pathLst>
           </a:custGeom>
           <a:noFill/>
-          <a:ln cap="flat" cmpd="sng" w="9525">
+          <a:ln w="9525" cap="flat" cmpd="sng">
             <a:solidFill>
               <a:srgbClr val="000000"/>
             </a:solidFill>
             <a:prstDash val="solid"/>
             <a:round/>
-            <a:headEnd len="sm" w="sm" type="none"/>
-            <a:tailEnd len="sm" w="sm" type="none"/>
+            <a:headEnd type="none" w="sm" len="sm"/>
+            <a:tailEnd type="none" w="sm" len="sm"/>
           </a:ln>
         </p:spPr>
       </p:sp>
       <p:sp>
         <p:nvSpPr>
           <p:cNvPr id="4" name="Google Shape;4;n"/>
-          <p:cNvSpPr txBox="1"/>
+          <p:cNvSpPr txBox="1">
+            <a:spLocks noGrp="1"/>
+          </p:cNvSpPr>
           <p:nvPr>
-            <p:ph idx="1" type="body"/>
+            <p:ph type="body" idx="1"/>
           </p:nvPr>
         </p:nvSpPr>
         <p:spPr>
@@ -353,11 +374,11 @@
           </a:ln>
         </p:spPr>
         <p:txBody>
-          <a:bodyPr anchorCtr="0" anchor="t" bIns="91425" lIns="91425" spcFirstLastPara="1" rIns="91425" wrap="square" tIns="91425">
+          <a:bodyPr spcFirstLastPara="1" wrap="square" lIns="91425" tIns="91425" rIns="91425" bIns="91425" anchor="t" anchorCtr="0">
             <a:noAutofit/>
           </a:bodyPr>
           <a:lstStyle>
-            <a:lvl1pPr indent="-298450" lvl="0" marL="457200">
+            <a:lvl1pPr marL="457200" lvl="0" indent="-298450">
               <a:spcBef>
                 <a:spcPts val="0"/>
               </a:spcBef>
@@ -368,7 +389,7 @@
               <a:buChar char="●"/>
               <a:defRPr sz="1100"/>
             </a:lvl1pPr>
-            <a:lvl2pPr indent="-298450" lvl="1" marL="914400">
+            <a:lvl2pPr marL="914400" lvl="1" indent="-298450">
               <a:spcBef>
                 <a:spcPts val="0"/>
               </a:spcBef>
@@ -379,7 +400,7 @@
               <a:buChar char="○"/>
               <a:defRPr sz="1100"/>
             </a:lvl2pPr>
-            <a:lvl3pPr indent="-298450" lvl="2" marL="1371600">
+            <a:lvl3pPr marL="1371600" lvl="2" indent="-298450">
               <a:spcBef>
                 <a:spcPts val="0"/>
               </a:spcBef>
@@ -390,7 +411,7 @@
               <a:buChar char="■"/>
               <a:defRPr sz="1100"/>
             </a:lvl3pPr>
-            <a:lvl4pPr indent="-298450" lvl="3" marL="1828800">
+            <a:lvl4pPr marL="1828800" lvl="3" indent="-298450">
               <a:spcBef>
                 <a:spcPts val="0"/>
               </a:spcBef>
@@ -401,7 +422,7 @@
               <a:buChar char="●"/>
               <a:defRPr sz="1100"/>
             </a:lvl4pPr>
-            <a:lvl5pPr indent="-298450" lvl="4" marL="2286000">
+            <a:lvl5pPr marL="2286000" lvl="4" indent="-298450">
               <a:spcBef>
                 <a:spcPts val="0"/>
               </a:spcBef>
@@ -412,7 +433,7 @@
               <a:buChar char="○"/>
               <a:defRPr sz="1100"/>
             </a:lvl5pPr>
-            <a:lvl6pPr indent="-298450" lvl="5" marL="2743200">
+            <a:lvl6pPr marL="2743200" lvl="5" indent="-298450">
               <a:spcBef>
                 <a:spcPts val="0"/>
               </a:spcBef>
@@ -423,7 +444,7 @@
               <a:buChar char="■"/>
               <a:defRPr sz="1100"/>
             </a:lvl6pPr>
-            <a:lvl7pPr indent="-298450" lvl="6" marL="3200400">
+            <a:lvl7pPr marL="3200400" lvl="6" indent="-298450">
               <a:spcBef>
                 <a:spcPts val="0"/>
               </a:spcBef>
@@ -434,7 +455,7 @@
               <a:buChar char="●"/>
               <a:defRPr sz="1100"/>
             </a:lvl7pPr>
-            <a:lvl8pPr indent="-298450" lvl="7" marL="3657600">
+            <a:lvl8pPr marL="3657600" lvl="7" indent="-298450">
               <a:spcBef>
                 <a:spcPts val="0"/>
               </a:spcBef>
@@ -445,7 +466,7 @@
               <a:buChar char="○"/>
               <a:defRPr sz="1100"/>
             </a:lvl8pPr>
-            <a:lvl9pPr indent="-298450" lvl="8" marL="4114800">
+            <a:lvl9pPr marL="4114800" lvl="8" indent="-298450">
               <a:spcBef>
                 <a:spcPts val="0"/>
               </a:spcBef>
@@ -457,14 +478,16 @@
               <a:defRPr sz="1100"/>
             </a:lvl9pPr>
           </a:lstStyle>
-          <a:p/>
+          <a:p>
+            <a:endParaRPr/>
+          </a:p>
         </p:txBody>
       </p:sp>
     </p:spTree>
   </p:cSld>
-  <p:clrMap accent1="accent1" accent2="accent2" accent3="accent3" accent4="accent4" accent5="accent5" accent6="accent6" bg1="lt1" bg2="dk2" tx1="dk1" tx2="lt2" folHlink="folHlink" hlink="hlink"/>
+  <p:clrMap bg1="lt1" tx1="dk1" bg2="dk2" tx2="lt2" accent1="accent1" accent2="accent2" accent3="accent3" accent4="accent4" accent5="accent5" accent6="accent6" hlink="hlink" folHlink="folHlink"/>
   <p:notesStyle>
-    <a:defPPr lvl="0" marR="0" rtl="0" algn="l">
+    <a:defPPr marR="0" lvl="0" algn="l" rtl="0">
       <a:lnSpc>
         <a:spcPct val="100000"/>
       </a:lnSpc>
@@ -475,7 +498,7 @@
         <a:spcPts val="0"/>
       </a:spcAft>
     </a:defPPr>
-    <a:lvl1pPr lvl="0" marR="0" rtl="0" algn="l">
+    <a:lvl1pPr marR="0" lvl="0" algn="l" rtl="0">
       <a:lnSpc>
         <a:spcPct val="100000"/>
       </a:lnSpc>
@@ -489,7 +512,7 @@
         <a:srgbClr val="000000"/>
       </a:buClr>
       <a:buFont typeface="Arial"/>
-      <a:defRPr b="0" i="0" sz="1400" u="none" cap="none" strike="noStrike">
+      <a:defRPr sz="1400" b="0" i="0" u="none" strike="noStrike" cap="none">
         <a:solidFill>
           <a:srgbClr val="000000"/>
         </a:solidFill>
@@ -499,7 +522,7 @@
         <a:sym typeface="Arial"/>
       </a:defRPr>
     </a:lvl1pPr>
-    <a:lvl2pPr lvl="1" marR="0" rtl="0" algn="l">
+    <a:lvl2pPr marR="0" lvl="1" algn="l" rtl="0">
       <a:lnSpc>
         <a:spcPct val="100000"/>
       </a:lnSpc>
@@ -513,7 +536,7 @@
         <a:srgbClr val="000000"/>
       </a:buClr>
       <a:buFont typeface="Arial"/>
-      <a:defRPr b="0" i="0" sz="1400" u="none" cap="none" strike="noStrike">
+      <a:defRPr sz="1400" b="0" i="0" u="none" strike="noStrike" cap="none">
         <a:solidFill>
           <a:srgbClr val="000000"/>
         </a:solidFill>
@@ -523,7 +546,7 @@
         <a:sym typeface="Arial"/>
       </a:defRPr>
     </a:lvl2pPr>
-    <a:lvl3pPr lvl="2" marR="0" rtl="0" algn="l">
+    <a:lvl3pPr marR="0" lvl="2" algn="l" rtl="0">
       <a:lnSpc>
         <a:spcPct val="100000"/>
       </a:lnSpc>
@@ -537,7 +560,7 @@
         <a:srgbClr val="000000"/>
       </a:buClr>
       <a:buFont typeface="Arial"/>
-      <a:defRPr b="0" i="0" sz="1400" u="none" cap="none" strike="noStrike">
+      <a:defRPr sz="1400" b="0" i="0" u="none" strike="noStrike" cap="none">
         <a:solidFill>
           <a:srgbClr val="000000"/>
         </a:solidFill>
@@ -547,7 +570,7 @@
         <a:sym typeface="Arial"/>
       </a:defRPr>
     </a:lvl3pPr>
-    <a:lvl4pPr lvl="3" marR="0" rtl="0" algn="l">
+    <a:lvl4pPr marR="0" lvl="3" algn="l" rtl="0">
       <a:lnSpc>
         <a:spcPct val="100000"/>
       </a:lnSpc>
@@ -561,7 +584,7 @@
         <a:srgbClr val="000000"/>
       </a:buClr>
       <a:buFont typeface="Arial"/>
-      <a:defRPr b="0" i="0" sz="1400" u="none" cap="none" strike="noStrike">
+      <a:defRPr sz="1400" b="0" i="0" u="none" strike="noStrike" cap="none">
         <a:solidFill>
           <a:srgbClr val="000000"/>
         </a:solidFill>
@@ -571,7 +594,7 @@
         <a:sym typeface="Arial"/>
       </a:defRPr>
     </a:lvl4pPr>
-    <a:lvl5pPr lvl="4" marR="0" rtl="0" algn="l">
+    <a:lvl5pPr marR="0" lvl="4" algn="l" rtl="0">
       <a:lnSpc>
         <a:spcPct val="100000"/>
       </a:lnSpc>
@@ -585,7 +608,7 @@
         <a:srgbClr val="000000"/>
       </a:buClr>
       <a:buFont typeface="Arial"/>
-      <a:defRPr b="0" i="0" sz="1400" u="none" cap="none" strike="noStrike">
+      <a:defRPr sz="1400" b="0" i="0" u="none" strike="noStrike" cap="none">
         <a:solidFill>
           <a:srgbClr val="000000"/>
         </a:solidFill>
@@ -595,7 +618,7 @@
         <a:sym typeface="Arial"/>
       </a:defRPr>
     </a:lvl5pPr>
-    <a:lvl6pPr lvl="5" marR="0" rtl="0" algn="l">
+    <a:lvl6pPr marR="0" lvl="5" algn="l" rtl="0">
       <a:lnSpc>
         <a:spcPct val="100000"/>
       </a:lnSpc>
@@ -609,7 +632,7 @@
         <a:srgbClr val="000000"/>
       </a:buClr>
       <a:buFont typeface="Arial"/>
-      <a:defRPr b="0" i="0" sz="1400" u="none" cap="none" strike="noStrike">
+      <a:defRPr sz="1400" b="0" i="0" u="none" strike="noStrike" cap="none">
         <a:solidFill>
           <a:srgbClr val="000000"/>
         </a:solidFill>
@@ -619,7 +642,7 @@
         <a:sym typeface="Arial"/>
       </a:defRPr>
     </a:lvl6pPr>
-    <a:lvl7pPr lvl="6" marR="0" rtl="0" algn="l">
+    <a:lvl7pPr marR="0" lvl="6" algn="l" rtl="0">
       <a:lnSpc>
         <a:spcPct val="100000"/>
       </a:lnSpc>
@@ -633,7 +656,7 @@
         <a:srgbClr val="000000"/>
       </a:buClr>
       <a:buFont typeface="Arial"/>
-      <a:defRPr b="0" i="0" sz="1400" u="none" cap="none" strike="noStrike">
+      <a:defRPr sz="1400" b="0" i="0" u="none" strike="noStrike" cap="none">
         <a:solidFill>
           <a:srgbClr val="000000"/>
         </a:solidFill>
@@ -643,7 +666,7 @@
         <a:sym typeface="Arial"/>
       </a:defRPr>
     </a:lvl7pPr>
-    <a:lvl8pPr lvl="7" marR="0" rtl="0" algn="l">
+    <a:lvl8pPr marR="0" lvl="7" algn="l" rtl="0">
       <a:lnSpc>
         <a:spcPct val="100000"/>
       </a:lnSpc>
@@ -657,7 +680,7 @@
         <a:srgbClr val="000000"/>
       </a:buClr>
       <a:buFont typeface="Arial"/>
-      <a:defRPr b="0" i="0" sz="1400" u="none" cap="none" strike="noStrike">
+      <a:defRPr sz="1400" b="0" i="0" u="none" strike="noStrike" cap="none">
         <a:solidFill>
           <a:srgbClr val="000000"/>
         </a:solidFill>
@@ -667,7 +690,7 @@
         <a:sym typeface="Arial"/>
       </a:defRPr>
     </a:lvl8pPr>
-    <a:lvl9pPr lvl="8" marR="0" rtl="0" algn="l">
+    <a:lvl9pPr marR="0" lvl="8" algn="l" rtl="0">
       <a:lnSpc>
         <a:spcPct val="100000"/>
       </a:lnSpc>
@@ -681,7 +704,7 @@
         <a:srgbClr val="000000"/>
       </a:buClr>
       <a:buFont typeface="Arial"/>
-      <a:defRPr b="0" i="0" sz="1400" u="none" cap="none" strike="noStrike">
+      <a:defRPr sz="1400" b="0" i="0" u="none" strike="noStrike" cap="none">
         <a:solidFill>
           <a:srgbClr val="000000"/>
         </a:solidFill>
@@ -696,11 +719,115 @@
 </file>
 
 <file path=ppt/notesSlides/notesSlide1.xml><?xml version="1.0" encoding="utf-8"?>
-<p:notes xmlns:a="http://schemas.openxmlformats.org/drawingml/2006/main" xmlns:r="http://schemas.openxmlformats.org/officeDocument/2006/relationships" xmlns:mc="http://schemas.openxmlformats.org/markup-compatibility/2006" xmlns:mv="urn:schemas-microsoft-com:mac:vml" xmlns:p="http://schemas.openxmlformats.org/presentationml/2006/main" xmlns:c="http://schemas.openxmlformats.org/drawingml/2006/chart" xmlns:dgm="http://schemas.openxmlformats.org/drawingml/2006/diagram" xmlns:o="urn:schemas-microsoft-com:office:office" xmlns:v="urn:schemas-microsoft-com:vml" xmlns:pvml="urn:schemas-microsoft-com:office:powerpoint" xmlns:com="http://schemas.openxmlformats.org/drawingml/2006/compatibility" xmlns:p14="http://schemas.microsoft.com/office/powerpoint/2010/main" xmlns:p15="http://schemas.microsoft.com/office/powerpoint/2012/main" xmlns:ahyp="http://schemas.microsoft.com/office/drawing/2018/hyperlinkcolor" showMasterPhAnim="0" showMasterSp="0">
+<p:notes xmlns:a="http://schemas.openxmlformats.org/drawingml/2006/main" xmlns:r="http://schemas.openxmlformats.org/officeDocument/2006/relationships" xmlns:p="http://schemas.openxmlformats.org/presentationml/2006/main" showMasterSp="0" showMasterPhAnim="0">
   <p:cSld>
     <p:spTree>
       <p:nvGrpSpPr>
-        <p:cNvPr id="50" name="Shape 50"/>
+        <p:cNvPr id="1" name="Shape 95"/>
+        <p:cNvGrpSpPr/>
+        <p:nvPr/>
+      </p:nvGrpSpPr>
+      <p:grpSpPr>
+        <a:xfrm>
+          <a:off x="0" y="0"/>
+          <a:ext cx="0" cy="0"/>
+          <a:chOff x="0" y="0"/>
+          <a:chExt cx="0" cy="0"/>
+        </a:xfrm>
+      </p:grpSpPr>
+      <p:sp>
+        <p:nvSpPr>
+          <p:cNvPr id="96" name="Google Shape;96;gf84eb88aa7_0_0:notes"/>
+          <p:cNvSpPr>
+            <a:spLocks noGrp="1" noRot="1" noChangeAspect="1"/>
+          </p:cNvSpPr>
+          <p:nvPr>
+            <p:ph type="sldImg" idx="2"/>
+          </p:nvPr>
+        </p:nvSpPr>
+        <p:spPr>
+          <a:xfrm>
+            <a:off x="381000" y="685800"/>
+            <a:ext cx="6096000" cy="3429000"/>
+          </a:xfrm>
+          <a:custGeom>
+            <a:avLst/>
+            <a:gdLst/>
+            <a:ahLst/>
+            <a:cxnLst/>
+            <a:rect l="l" t="t" r="r" b="b"/>
+            <a:pathLst>
+              <a:path w="120000" h="120000" extrusionOk="0">
+                <a:moveTo>
+                  <a:pt x="0" y="0"/>
+                </a:moveTo>
+                <a:lnTo>
+                  <a:pt x="120000" y="0"/>
+                </a:lnTo>
+                <a:lnTo>
+                  <a:pt x="120000" y="120000"/>
+                </a:lnTo>
+                <a:lnTo>
+                  <a:pt x="0" y="120000"/>
+                </a:lnTo>
+                <a:close/>
+              </a:path>
+            </a:pathLst>
+          </a:custGeom>
+        </p:spPr>
+      </p:sp>
+      <p:sp>
+        <p:nvSpPr>
+          <p:cNvPr id="97" name="Google Shape;97;gf84eb88aa7_0_0:notes"/>
+          <p:cNvSpPr txBox="1">
+            <a:spLocks noGrp="1"/>
+          </p:cNvSpPr>
+          <p:nvPr>
+            <p:ph type="body" idx="1"/>
+          </p:nvPr>
+        </p:nvSpPr>
+        <p:spPr>
+          <a:xfrm>
+            <a:off x="685800" y="4343400"/>
+            <a:ext cx="5486400" cy="4114800"/>
+          </a:xfrm>
+          <a:prstGeom prst="rect">
+            <a:avLst/>
+          </a:prstGeom>
+        </p:spPr>
+        <p:txBody>
+          <a:bodyPr spcFirstLastPara="1" wrap="square" lIns="91425" tIns="91425" rIns="91425" bIns="91425" anchor="t" anchorCtr="0">
+            <a:noAutofit/>
+          </a:bodyPr>
+          <a:lstStyle/>
+          <a:p>
+            <a:pPr marL="0" lvl="0" indent="0" algn="l" rtl="0">
+              <a:spcBef>
+                <a:spcPts val="0"/>
+              </a:spcBef>
+              <a:spcAft>
+                <a:spcPts val="0"/>
+              </a:spcAft>
+              <a:buNone/>
+            </a:pPr>
+            <a:endParaRPr/>
+          </a:p>
+        </p:txBody>
+      </p:sp>
+    </p:spTree>
+  </p:cSld>
+  <p:clrMapOvr>
+    <a:masterClrMapping/>
+  </p:clrMapOvr>
+</p:notes>
+</file>
+
+<file path=ppt/notesSlides/notesSlide2.xml><?xml version="1.0" encoding="utf-8"?>
+<p:notes xmlns:a="http://schemas.openxmlformats.org/drawingml/2006/main" xmlns:r="http://schemas.openxmlformats.org/officeDocument/2006/relationships" xmlns:p="http://schemas.openxmlformats.org/presentationml/2006/main" showMasterSp="0" showMasterPhAnim="0">
+  <p:cSld>
+    <p:spTree>
+      <p:nvGrpSpPr>
+        <p:cNvPr id="1" name="Shape 50"/>
         <p:cNvGrpSpPr/>
         <p:nvPr/>
       </p:nvGrpSpPr>
@@ -715,20 +842,26 @@
       <p:sp>
         <p:nvSpPr>
           <p:cNvPr id="51" name="Google Shape;51;g109baabb656_0_0:notes"/>
-          <p:cNvSpPr/>
+          <p:cNvSpPr>
+            <a:spLocks noGrp="1" noRot="1" noChangeAspect="1"/>
+          </p:cNvSpPr>
           <p:nvPr>
-            <p:ph idx="2" type="sldImg"/>
+            <p:ph type="sldImg" idx="2"/>
           </p:nvPr>
         </p:nvSpPr>
         <p:spPr>
           <a:xfrm>
-            <a:off x="381300" y="685800"/>
+            <a:off x="381000" y="685800"/>
             <a:ext cx="6096000" cy="3429000"/>
           </a:xfrm>
           <a:custGeom>
-            <a:rect b="b" l="l" r="r" t="t"/>
+            <a:avLst/>
+            <a:gdLst/>
+            <a:ahLst/>
+            <a:cxnLst/>
+            <a:rect l="l" t="t" r="r" b="b"/>
             <a:pathLst>
-              <a:path extrusionOk="0" h="120000" w="120000">
+              <a:path w="120000" h="120000" extrusionOk="0">
                 <a:moveTo>
                   <a:pt x="0" y="0"/>
                 </a:moveTo>
@@ -750,9 +883,11 @@
       <p:sp>
         <p:nvSpPr>
           <p:cNvPr id="52" name="Google Shape;52;g109baabb656_0_0:notes"/>
-          <p:cNvSpPr txBox="1"/>
+          <p:cNvSpPr txBox="1">
+            <a:spLocks noGrp="1"/>
+          </p:cNvSpPr>
           <p:nvPr>
-            <p:ph idx="1" type="body"/>
+            <p:ph type="body" idx="1"/>
           </p:nvPr>
         </p:nvSpPr>
         <p:spPr>
@@ -765,12 +900,12 @@
           </a:prstGeom>
         </p:spPr>
         <p:txBody>
-          <a:bodyPr anchorCtr="0" anchor="t" bIns="91425" lIns="91425" spcFirstLastPara="1" rIns="91425" wrap="square" tIns="91425">
+          <a:bodyPr spcFirstLastPara="1" wrap="square" lIns="91425" tIns="91425" rIns="91425" bIns="91425" anchor="t" anchorCtr="0">
             <a:noAutofit/>
           </a:bodyPr>
           <a:lstStyle/>
           <a:p>
-            <a:pPr indent="0" lvl="0" marL="0" rtl="0" algn="l">
+            <a:pPr marL="0" lvl="0" indent="0" algn="l" rtl="0">
               <a:spcBef>
                 <a:spcPts val="0"/>
               </a:spcBef>
@@ -779,9 +914,6 @@
               </a:spcAft>
               <a:buNone/>
             </a:pPr>
-            <a:r>
-              <a:t/>
-            </a:r>
             <a:endParaRPr/>
           </a:p>
         </p:txBody>
@@ -794,8 +926,226 @@
 </p:notes>
 </file>
 
+<file path=ppt/notesSlides/notesSlide3.xml><?xml version="1.0" encoding="utf-8"?>
+<p:notes xmlns:a="http://schemas.openxmlformats.org/drawingml/2006/main" xmlns:r="http://schemas.openxmlformats.org/officeDocument/2006/relationships" xmlns:p="http://schemas.openxmlformats.org/presentationml/2006/main" showMasterSp="0" showMasterPhAnim="0">
+  <p:cSld>
+    <p:spTree>
+      <p:nvGrpSpPr>
+        <p:cNvPr id="1" name="Shape 50"/>
+        <p:cNvGrpSpPr/>
+        <p:nvPr/>
+      </p:nvGrpSpPr>
+      <p:grpSpPr>
+        <a:xfrm>
+          <a:off x="0" y="0"/>
+          <a:ext cx="0" cy="0"/>
+          <a:chOff x="0" y="0"/>
+          <a:chExt cx="0" cy="0"/>
+        </a:xfrm>
+      </p:grpSpPr>
+      <p:sp>
+        <p:nvSpPr>
+          <p:cNvPr id="51" name="Google Shape;51;g109baabb656_0_0:notes"/>
+          <p:cNvSpPr>
+            <a:spLocks noGrp="1" noRot="1" noChangeAspect="1"/>
+          </p:cNvSpPr>
+          <p:nvPr>
+            <p:ph type="sldImg" idx="2"/>
+          </p:nvPr>
+        </p:nvSpPr>
+        <p:spPr>
+          <a:xfrm>
+            <a:off x="381000" y="685800"/>
+            <a:ext cx="6096000" cy="3429000"/>
+          </a:xfrm>
+          <a:custGeom>
+            <a:avLst/>
+            <a:gdLst/>
+            <a:ahLst/>
+            <a:cxnLst/>
+            <a:rect l="l" t="t" r="r" b="b"/>
+            <a:pathLst>
+              <a:path w="120000" h="120000" extrusionOk="0">
+                <a:moveTo>
+                  <a:pt x="0" y="0"/>
+                </a:moveTo>
+                <a:lnTo>
+                  <a:pt x="120000" y="0"/>
+                </a:lnTo>
+                <a:lnTo>
+                  <a:pt x="120000" y="120000"/>
+                </a:lnTo>
+                <a:lnTo>
+                  <a:pt x="0" y="120000"/>
+                </a:lnTo>
+                <a:close/>
+              </a:path>
+            </a:pathLst>
+          </a:custGeom>
+        </p:spPr>
+      </p:sp>
+      <p:sp>
+        <p:nvSpPr>
+          <p:cNvPr id="52" name="Google Shape;52;g109baabb656_0_0:notes"/>
+          <p:cNvSpPr txBox="1">
+            <a:spLocks noGrp="1"/>
+          </p:cNvSpPr>
+          <p:nvPr>
+            <p:ph type="body" idx="1"/>
+          </p:nvPr>
+        </p:nvSpPr>
+        <p:spPr>
+          <a:xfrm>
+            <a:off x="685800" y="4343400"/>
+            <a:ext cx="5486400" cy="4114800"/>
+          </a:xfrm>
+          <a:prstGeom prst="rect">
+            <a:avLst/>
+          </a:prstGeom>
+        </p:spPr>
+        <p:txBody>
+          <a:bodyPr spcFirstLastPara="1" wrap="square" lIns="91425" tIns="91425" rIns="91425" bIns="91425" anchor="t" anchorCtr="0">
+            <a:noAutofit/>
+          </a:bodyPr>
+          <a:lstStyle/>
+          <a:p>
+            <a:pPr marL="0" lvl="0" indent="0" algn="l" rtl="0">
+              <a:spcBef>
+                <a:spcPts val="0"/>
+              </a:spcBef>
+              <a:spcAft>
+                <a:spcPts val="0"/>
+              </a:spcAft>
+              <a:buNone/>
+            </a:pPr>
+            <a:endParaRPr/>
+          </a:p>
+        </p:txBody>
+      </p:sp>
+    </p:spTree>
+    <p:extLst>
+      <p:ext uri="{BB962C8B-B14F-4D97-AF65-F5344CB8AC3E}">
+        <p14:creationId xmlns:p14="http://schemas.microsoft.com/office/powerpoint/2010/main" val="2741487279"/>
+      </p:ext>
+    </p:extLst>
+  </p:cSld>
+  <p:clrMapOvr>
+    <a:masterClrMapping/>
+  </p:clrMapOvr>
+</p:notes>
+</file>
+
+<file path=ppt/notesSlides/notesSlide4.xml><?xml version="1.0" encoding="utf-8"?>
+<p:notes xmlns:a="http://schemas.openxmlformats.org/drawingml/2006/main" xmlns:r="http://schemas.openxmlformats.org/officeDocument/2006/relationships" xmlns:p="http://schemas.openxmlformats.org/presentationml/2006/main" showMasterSp="0" showMasterPhAnim="0">
+  <p:cSld>
+    <p:spTree>
+      <p:nvGrpSpPr>
+        <p:cNvPr id="1" name="Shape 50"/>
+        <p:cNvGrpSpPr/>
+        <p:nvPr/>
+      </p:nvGrpSpPr>
+      <p:grpSpPr>
+        <a:xfrm>
+          <a:off x="0" y="0"/>
+          <a:ext cx="0" cy="0"/>
+          <a:chOff x="0" y="0"/>
+          <a:chExt cx="0" cy="0"/>
+        </a:xfrm>
+      </p:grpSpPr>
+      <p:sp>
+        <p:nvSpPr>
+          <p:cNvPr id="51" name="Google Shape;51;g109baabb656_0_0:notes"/>
+          <p:cNvSpPr>
+            <a:spLocks noGrp="1" noRot="1" noChangeAspect="1"/>
+          </p:cNvSpPr>
+          <p:nvPr>
+            <p:ph type="sldImg" idx="2"/>
+          </p:nvPr>
+        </p:nvSpPr>
+        <p:spPr>
+          <a:xfrm>
+            <a:off x="381000" y="685800"/>
+            <a:ext cx="6096000" cy="3429000"/>
+          </a:xfrm>
+          <a:custGeom>
+            <a:avLst/>
+            <a:gdLst/>
+            <a:ahLst/>
+            <a:cxnLst/>
+            <a:rect l="l" t="t" r="r" b="b"/>
+            <a:pathLst>
+              <a:path w="120000" h="120000" extrusionOk="0">
+                <a:moveTo>
+                  <a:pt x="0" y="0"/>
+                </a:moveTo>
+                <a:lnTo>
+                  <a:pt x="120000" y="0"/>
+                </a:lnTo>
+                <a:lnTo>
+                  <a:pt x="120000" y="120000"/>
+                </a:lnTo>
+                <a:lnTo>
+                  <a:pt x="0" y="120000"/>
+                </a:lnTo>
+                <a:close/>
+              </a:path>
+            </a:pathLst>
+          </a:custGeom>
+        </p:spPr>
+      </p:sp>
+      <p:sp>
+        <p:nvSpPr>
+          <p:cNvPr id="52" name="Google Shape;52;g109baabb656_0_0:notes"/>
+          <p:cNvSpPr txBox="1">
+            <a:spLocks noGrp="1"/>
+          </p:cNvSpPr>
+          <p:nvPr>
+            <p:ph type="body" idx="1"/>
+          </p:nvPr>
+        </p:nvSpPr>
+        <p:spPr>
+          <a:xfrm>
+            <a:off x="685800" y="4343400"/>
+            <a:ext cx="5486400" cy="4114800"/>
+          </a:xfrm>
+          <a:prstGeom prst="rect">
+            <a:avLst/>
+          </a:prstGeom>
+        </p:spPr>
+        <p:txBody>
+          <a:bodyPr spcFirstLastPara="1" wrap="square" lIns="91425" tIns="91425" rIns="91425" bIns="91425" anchor="t" anchorCtr="0">
+            <a:noAutofit/>
+          </a:bodyPr>
+          <a:lstStyle/>
+          <a:p>
+            <a:pPr marL="0" lvl="0" indent="0" algn="l" rtl="0">
+              <a:spcBef>
+                <a:spcPts val="0"/>
+              </a:spcBef>
+              <a:spcAft>
+                <a:spcPts val="0"/>
+              </a:spcAft>
+              <a:buNone/>
+            </a:pPr>
+            <a:endParaRPr/>
+          </a:p>
+        </p:txBody>
+      </p:sp>
+    </p:spTree>
+    <p:extLst>
+      <p:ext uri="{BB962C8B-B14F-4D97-AF65-F5344CB8AC3E}">
+        <p14:creationId xmlns:p14="http://schemas.microsoft.com/office/powerpoint/2010/main" val="665548780"/>
+      </p:ext>
+    </p:extLst>
+  </p:cSld>
+  <p:clrMapOvr>
+    <a:masterClrMapping/>
+  </p:clrMapOvr>
+</p:notes>
+</file>
+
 <file path=ppt/slideLayouts/slideLayout1.xml><?xml version="1.0" encoding="utf-8"?>
-<p:sldLayout xmlns:a="http://schemas.openxmlformats.org/drawingml/2006/main" xmlns:r="http://schemas.openxmlformats.org/officeDocument/2006/relationships" xmlns:mc="http://schemas.openxmlformats.org/markup-compatibility/2006" xmlns:mv="urn:schemas-microsoft-com:mac:vml" xmlns:p="http://schemas.openxmlformats.org/presentationml/2006/main" xmlns:c="http://schemas.openxmlformats.org/drawingml/2006/chart" xmlns:dgm="http://schemas.openxmlformats.org/drawingml/2006/diagram" xmlns:o="urn:schemas-microsoft-com:office:office" xmlns:v="urn:schemas-microsoft-com:vml" xmlns:pvml="urn:schemas-microsoft-com:office:powerpoint" xmlns:com="http://schemas.openxmlformats.org/drawingml/2006/compatibility" xmlns:p14="http://schemas.microsoft.com/office/powerpoint/2010/main" xmlns:p15="http://schemas.microsoft.com/office/powerpoint/2012/main" xmlns:ahyp="http://schemas.microsoft.com/office/drawing/2018/hyperlinkcolor" matchingName="Title slide" type="title">
+<p:sldLayout xmlns:a="http://schemas.openxmlformats.org/drawingml/2006/main" xmlns:r="http://schemas.openxmlformats.org/officeDocument/2006/relationships" xmlns:p="http://schemas.openxmlformats.org/presentationml/2006/main" matchingName="Title slide" type="title">
   <p:cSld name="TITLE">
     <p:bg>
       <p:bgPr>
@@ -807,11 +1157,12 @@
             <a:fillRect/>
           </a:stretch>
         </a:blipFill>
+        <a:effectLst/>
       </p:bgPr>
     </p:bg>
     <p:spTree>
       <p:nvGrpSpPr>
-        <p:cNvPr id="9" name="Shape 9"/>
+        <p:cNvPr id="1" name="Shape 9"/>
         <p:cNvGrpSpPr/>
         <p:nvPr/>
       </p:nvGrpSpPr>
@@ -826,7 +1177,9 @@
       <p:sp>
         <p:nvSpPr>
           <p:cNvPr id="10" name="Google Shape;10;p2"/>
-          <p:cNvSpPr txBox="1"/>
+          <p:cNvSpPr txBox="1">
+            <a:spLocks noGrp="1"/>
+          </p:cNvSpPr>
           <p:nvPr>
             <p:ph type="ctrTitle"/>
           </p:nvPr>
@@ -841,7 +1194,7 @@
           </a:prstGeom>
         </p:spPr>
         <p:txBody>
-          <a:bodyPr anchorCtr="0" anchor="b" bIns="91425" lIns="91425" spcFirstLastPara="1" rIns="91425" wrap="square" tIns="91425">
+          <a:bodyPr spcFirstLastPara="1" wrap="square" lIns="91425" tIns="91425" rIns="91425" bIns="91425" anchor="b" anchorCtr="0">
             <a:normAutofit/>
           </a:bodyPr>
           <a:lstStyle>
@@ -857,7 +1210,7 @@
               </a:buClr>
               <a:buSzPts val="3300"/>
               <a:buNone/>
-              <a:defRPr b="1" sz="3300">
+              <a:defRPr sz="3300" b="1">
                 <a:solidFill>
                   <a:schemeClr val="lt1"/>
                 </a:solidFill>
@@ -875,7 +1228,7 @@
               </a:buClr>
               <a:buSzPts val="3300"/>
               <a:buNone/>
-              <a:defRPr b="1" sz="3300">
+              <a:defRPr sz="3300" b="1">
                 <a:solidFill>
                   <a:schemeClr val="lt1"/>
                 </a:solidFill>
@@ -893,7 +1246,7 @@
               </a:buClr>
               <a:buSzPts val="3300"/>
               <a:buNone/>
-              <a:defRPr b="1" sz="3300">
+              <a:defRPr sz="3300" b="1">
                 <a:solidFill>
                   <a:schemeClr val="lt1"/>
                 </a:solidFill>
@@ -911,7 +1264,7 @@
               </a:buClr>
               <a:buSzPts val="3300"/>
               <a:buNone/>
-              <a:defRPr b="1" sz="3300">
+              <a:defRPr sz="3300" b="1">
                 <a:solidFill>
                   <a:schemeClr val="lt1"/>
                 </a:solidFill>
@@ -929,7 +1282,7 @@
               </a:buClr>
               <a:buSzPts val="3300"/>
               <a:buNone/>
-              <a:defRPr b="1" sz="3300">
+              <a:defRPr sz="3300" b="1">
                 <a:solidFill>
                   <a:schemeClr val="lt1"/>
                 </a:solidFill>
@@ -947,7 +1300,7 @@
               </a:buClr>
               <a:buSzPts val="3300"/>
               <a:buNone/>
-              <a:defRPr b="1" sz="3300">
+              <a:defRPr sz="3300" b="1">
                 <a:solidFill>
                   <a:schemeClr val="lt1"/>
                 </a:solidFill>
@@ -965,7 +1318,7 @@
               </a:buClr>
               <a:buSzPts val="3300"/>
               <a:buNone/>
-              <a:defRPr b="1" sz="3300">
+              <a:defRPr sz="3300" b="1">
                 <a:solidFill>
                   <a:schemeClr val="lt1"/>
                 </a:solidFill>
@@ -983,7 +1336,7 @@
               </a:buClr>
               <a:buSzPts val="3300"/>
               <a:buNone/>
-              <a:defRPr b="1" sz="3300">
+              <a:defRPr sz="3300" b="1">
                 <a:solidFill>
                   <a:schemeClr val="lt1"/>
                 </a:solidFill>
@@ -1001,22 +1354,26 @@
               </a:buClr>
               <a:buSzPts val="3300"/>
               <a:buNone/>
-              <a:defRPr b="1" sz="3300">
+              <a:defRPr sz="3300" b="1">
                 <a:solidFill>
                   <a:schemeClr val="lt1"/>
                 </a:solidFill>
               </a:defRPr>
             </a:lvl9pPr>
           </a:lstStyle>
-          <a:p/>
+          <a:p>
+            <a:endParaRPr/>
+          </a:p>
         </p:txBody>
       </p:sp>
       <p:sp>
         <p:nvSpPr>
           <p:cNvPr id="11" name="Google Shape;11;p2"/>
-          <p:cNvSpPr txBox="1"/>
+          <p:cNvSpPr txBox="1">
+            <a:spLocks noGrp="1"/>
+          </p:cNvSpPr>
           <p:nvPr>
-            <p:ph idx="1" type="subTitle"/>
+            <p:ph type="subTitle" idx="1"/>
           </p:nvPr>
         </p:nvSpPr>
         <p:spPr>
@@ -1029,7 +1386,7 @@
           </a:prstGeom>
         </p:spPr>
         <p:txBody>
-          <a:bodyPr anchorCtr="0" anchor="t" bIns="91425" lIns="91425" spcFirstLastPara="1" rIns="91425" wrap="square" tIns="91425">
+          <a:bodyPr spcFirstLastPara="1" wrap="square" lIns="91425" tIns="91425" rIns="91425" bIns="91425" anchor="t" anchorCtr="0">
             <a:normAutofit/>
           </a:bodyPr>
           <a:lstStyle>
@@ -1223,15 +1580,19 @@
               </a:defRPr>
             </a:lvl9pPr>
           </a:lstStyle>
-          <a:p/>
+          <a:p>
+            <a:endParaRPr/>
+          </a:p>
         </p:txBody>
       </p:sp>
       <p:sp>
         <p:nvSpPr>
           <p:cNvPr id="12" name="Google Shape;12;p2"/>
-          <p:cNvSpPr txBox="1"/>
+          <p:cNvSpPr txBox="1">
+            <a:spLocks noGrp="1"/>
+          </p:cNvSpPr>
           <p:nvPr>
-            <p:ph idx="12" type="sldNum"/>
+            <p:ph type="sldNum" idx="12"/>
           </p:nvPr>
         </p:nvSpPr>
         <p:spPr>
@@ -1244,7 +1605,7 @@
           </a:prstGeom>
         </p:spPr>
         <p:txBody>
-          <a:bodyPr anchorCtr="0" anchor="ctr" bIns="91425" lIns="91425" spcFirstLastPara="1" rIns="91425" wrap="square" tIns="91425">
+          <a:bodyPr spcFirstLastPara="1" wrap="square" lIns="91425" tIns="91425" rIns="91425" bIns="91425" anchor="ctr" anchorCtr="0">
             <a:normAutofit/>
           </a:bodyPr>
           <a:lstStyle>
@@ -1286,7 +1647,7 @@
             </a:lvl9pPr>
           </a:lstStyle>
           <a:p>
-            <a:pPr indent="0" lvl="0" marL="0" rtl="0" algn="r">
+            <a:pPr marL="0" lvl="0" indent="0" algn="r" rtl="0">
               <a:spcBef>
                 <a:spcPts val="0"/>
               </a:spcBef>
@@ -1312,11 +1673,11 @@
 </file>
 
 <file path=ppt/slideLayouts/slideLayout10.xml><?xml version="1.0" encoding="utf-8"?>
-<p:sldLayout xmlns:a="http://schemas.openxmlformats.org/drawingml/2006/main" xmlns:r="http://schemas.openxmlformats.org/officeDocument/2006/relationships" xmlns:mc="http://schemas.openxmlformats.org/markup-compatibility/2006" xmlns:mv="urn:schemas-microsoft-com:mac:vml" xmlns:p="http://schemas.openxmlformats.org/presentationml/2006/main" xmlns:c="http://schemas.openxmlformats.org/drawingml/2006/chart" xmlns:dgm="http://schemas.openxmlformats.org/drawingml/2006/diagram" xmlns:o="urn:schemas-microsoft-com:office:office" xmlns:v="urn:schemas-microsoft-com:vml" xmlns:pvml="urn:schemas-microsoft-com:office:powerpoint" xmlns:com="http://schemas.openxmlformats.org/drawingml/2006/compatibility" xmlns:p14="http://schemas.microsoft.com/office/powerpoint/2010/main" xmlns:p15="http://schemas.microsoft.com/office/powerpoint/2012/main" xmlns:ahyp="http://schemas.microsoft.com/office/drawing/2018/hyperlinkcolor" matchingName="Big number">
+<p:sldLayout xmlns:a="http://schemas.openxmlformats.org/drawingml/2006/main" xmlns:r="http://schemas.openxmlformats.org/officeDocument/2006/relationships" xmlns:p="http://schemas.openxmlformats.org/presentationml/2006/main" matchingName="Big number">
   <p:cSld name="BIG_NUMBER">
     <p:spTree>
       <p:nvGrpSpPr>
-        <p:cNvPr id="44" name="Shape 44"/>
+        <p:cNvPr id="1" name="Shape 44"/>
         <p:cNvGrpSpPr/>
         <p:nvPr/>
       </p:nvGrpSpPr>
@@ -1331,9 +1692,11 @@
       <p:sp>
         <p:nvSpPr>
           <p:cNvPr id="45" name="Google Shape;45;p11"/>
-          <p:cNvSpPr txBox="1"/>
+          <p:cNvSpPr txBox="1">
+            <a:spLocks noGrp="1"/>
+          </p:cNvSpPr>
           <p:nvPr>
-            <p:ph hasCustomPrompt="1" type="title"/>
+            <p:ph type="title" hasCustomPrompt="1"/>
           </p:nvPr>
         </p:nvSpPr>
         <p:spPr>
@@ -1346,7 +1709,7 @@
           </a:prstGeom>
         </p:spPr>
         <p:txBody>
-          <a:bodyPr anchorCtr="0" anchor="b" bIns="91425" lIns="91425" spcFirstLastPara="1" rIns="91425" wrap="square" tIns="91425">
+          <a:bodyPr spcFirstLastPara="1" wrap="square" lIns="91425" tIns="91425" rIns="91425" bIns="91425" anchor="b" anchorCtr="0">
             <a:normAutofit/>
           </a:bodyPr>
           <a:lstStyle>
@@ -1460,9 +1823,11 @@
       <p:sp>
         <p:nvSpPr>
           <p:cNvPr id="46" name="Google Shape;46;p11"/>
-          <p:cNvSpPr txBox="1"/>
+          <p:cNvSpPr txBox="1">
+            <a:spLocks noGrp="1"/>
+          </p:cNvSpPr>
           <p:nvPr>
-            <p:ph idx="1" type="body"/>
+            <p:ph type="body" idx="1"/>
           </p:nvPr>
         </p:nvSpPr>
         <p:spPr>
@@ -1475,11 +1840,11 @@
           </a:prstGeom>
         </p:spPr>
         <p:txBody>
-          <a:bodyPr anchorCtr="0" anchor="t" bIns="91425" lIns="91425" spcFirstLastPara="1" rIns="91425" wrap="square" tIns="91425">
+          <a:bodyPr spcFirstLastPara="1" wrap="square" lIns="91425" tIns="91425" rIns="91425" bIns="91425" anchor="t" anchorCtr="0">
             <a:normAutofit/>
           </a:bodyPr>
           <a:lstStyle>
-            <a:lvl1pPr indent="-342900" lvl="0" marL="457200" algn="ctr">
+            <a:lvl1pPr marL="457200" lvl="0" indent="-342900" algn="ctr">
               <a:spcBef>
                 <a:spcPts val="0"/>
               </a:spcBef>
@@ -1490,7 +1855,7 @@
               <a:buChar char="●"/>
               <a:defRPr/>
             </a:lvl1pPr>
-            <a:lvl2pPr indent="-317500" lvl="1" marL="914400" algn="ctr">
+            <a:lvl2pPr marL="914400" lvl="1" indent="-317500" algn="ctr">
               <a:spcBef>
                 <a:spcPts val="0"/>
               </a:spcBef>
@@ -1501,7 +1866,7 @@
               <a:buChar char="○"/>
               <a:defRPr/>
             </a:lvl2pPr>
-            <a:lvl3pPr indent="-317500" lvl="2" marL="1371600" algn="ctr">
+            <a:lvl3pPr marL="1371600" lvl="2" indent="-317500" algn="ctr">
               <a:spcBef>
                 <a:spcPts val="0"/>
               </a:spcBef>
@@ -1512,7 +1877,7 @@
               <a:buChar char="■"/>
               <a:defRPr/>
             </a:lvl3pPr>
-            <a:lvl4pPr indent="-317500" lvl="3" marL="1828800" algn="ctr">
+            <a:lvl4pPr marL="1828800" lvl="3" indent="-317500" algn="ctr">
               <a:spcBef>
                 <a:spcPts val="0"/>
               </a:spcBef>
@@ -1523,7 +1888,7 @@
               <a:buChar char="●"/>
               <a:defRPr/>
             </a:lvl4pPr>
-            <a:lvl5pPr indent="-317500" lvl="4" marL="2286000" algn="ctr">
+            <a:lvl5pPr marL="2286000" lvl="4" indent="-317500" algn="ctr">
               <a:spcBef>
                 <a:spcPts val="0"/>
               </a:spcBef>
@@ -1534,7 +1899,7 @@
               <a:buChar char="○"/>
               <a:defRPr/>
             </a:lvl5pPr>
-            <a:lvl6pPr indent="-317500" lvl="5" marL="2743200" algn="ctr">
+            <a:lvl6pPr marL="2743200" lvl="5" indent="-317500" algn="ctr">
               <a:spcBef>
                 <a:spcPts val="0"/>
               </a:spcBef>
@@ -1545,7 +1910,7 @@
               <a:buChar char="■"/>
               <a:defRPr/>
             </a:lvl6pPr>
-            <a:lvl7pPr indent="-317500" lvl="6" marL="3200400" algn="ctr">
+            <a:lvl7pPr marL="3200400" lvl="6" indent="-317500" algn="ctr">
               <a:spcBef>
                 <a:spcPts val="0"/>
               </a:spcBef>
@@ -1556,7 +1921,7 @@
               <a:buChar char="●"/>
               <a:defRPr/>
             </a:lvl7pPr>
-            <a:lvl8pPr indent="-317500" lvl="7" marL="3657600" algn="ctr">
+            <a:lvl8pPr marL="3657600" lvl="7" indent="-317500" algn="ctr">
               <a:spcBef>
                 <a:spcPts val="0"/>
               </a:spcBef>
@@ -1567,7 +1932,7 @@
               <a:buChar char="○"/>
               <a:defRPr/>
             </a:lvl8pPr>
-            <a:lvl9pPr indent="-317500" lvl="8" marL="4114800" algn="ctr">
+            <a:lvl9pPr marL="4114800" lvl="8" indent="-317500" algn="ctr">
               <a:spcBef>
                 <a:spcPts val="0"/>
               </a:spcBef>
@@ -1579,15 +1944,19 @@
               <a:defRPr/>
             </a:lvl9pPr>
           </a:lstStyle>
-          <a:p/>
+          <a:p>
+            <a:endParaRPr/>
+          </a:p>
         </p:txBody>
       </p:sp>
       <p:sp>
         <p:nvSpPr>
           <p:cNvPr id="47" name="Google Shape;47;p11"/>
-          <p:cNvSpPr txBox="1"/>
+          <p:cNvSpPr txBox="1">
+            <a:spLocks noGrp="1"/>
+          </p:cNvSpPr>
           <p:nvPr>
-            <p:ph idx="12" type="sldNum"/>
+            <p:ph type="sldNum" idx="12"/>
           </p:nvPr>
         </p:nvSpPr>
         <p:spPr>
@@ -1600,7 +1969,7 @@
           </a:prstGeom>
         </p:spPr>
         <p:txBody>
-          <a:bodyPr anchorCtr="0" anchor="ctr" bIns="91425" lIns="91425" spcFirstLastPara="1" rIns="91425" wrap="square" tIns="91425">
+          <a:bodyPr spcFirstLastPara="1" wrap="square" lIns="91425" tIns="91425" rIns="91425" bIns="91425" anchor="ctr" anchorCtr="0">
             <a:normAutofit/>
           </a:bodyPr>
           <a:lstStyle>
@@ -1642,7 +2011,7 @@
             </a:lvl9pPr>
           </a:lstStyle>
           <a:p>
-            <a:pPr indent="0" lvl="0" marL="0" rtl="0" algn="r">
+            <a:pPr marL="0" lvl="0" indent="0" algn="r" rtl="0">
               <a:spcBef>
                 <a:spcPts val="0"/>
               </a:spcBef>
@@ -1668,11 +2037,11 @@
 </file>
 
 <file path=ppt/slideLayouts/slideLayout11.xml><?xml version="1.0" encoding="utf-8"?>
-<p:sldLayout xmlns:a="http://schemas.openxmlformats.org/drawingml/2006/main" xmlns:r="http://schemas.openxmlformats.org/officeDocument/2006/relationships" xmlns:mc="http://schemas.openxmlformats.org/markup-compatibility/2006" xmlns:mv="urn:schemas-microsoft-com:mac:vml" xmlns:p="http://schemas.openxmlformats.org/presentationml/2006/main" xmlns:c="http://schemas.openxmlformats.org/drawingml/2006/chart" xmlns:dgm="http://schemas.openxmlformats.org/drawingml/2006/diagram" xmlns:o="urn:schemas-microsoft-com:office:office" xmlns:v="urn:schemas-microsoft-com:vml" xmlns:pvml="urn:schemas-microsoft-com:office:powerpoint" xmlns:com="http://schemas.openxmlformats.org/drawingml/2006/compatibility" xmlns:p14="http://schemas.microsoft.com/office/powerpoint/2010/main" xmlns:p15="http://schemas.microsoft.com/office/powerpoint/2012/main" xmlns:ahyp="http://schemas.microsoft.com/office/drawing/2018/hyperlinkcolor" matchingName="Blank" type="blank">
+<p:sldLayout xmlns:a="http://schemas.openxmlformats.org/drawingml/2006/main" xmlns:r="http://schemas.openxmlformats.org/officeDocument/2006/relationships" xmlns:p="http://schemas.openxmlformats.org/presentationml/2006/main" matchingName="Blank" type="blank">
   <p:cSld name="BLANK">
     <p:spTree>
       <p:nvGrpSpPr>
-        <p:cNvPr id="48" name="Shape 48"/>
+        <p:cNvPr id="1" name="Shape 48"/>
         <p:cNvGrpSpPr/>
         <p:nvPr/>
       </p:nvGrpSpPr>
@@ -1687,9 +2056,11 @@
       <p:sp>
         <p:nvSpPr>
           <p:cNvPr id="49" name="Google Shape;49;p12"/>
-          <p:cNvSpPr txBox="1"/>
+          <p:cNvSpPr txBox="1">
+            <a:spLocks noGrp="1"/>
+          </p:cNvSpPr>
           <p:nvPr>
-            <p:ph idx="12" type="sldNum"/>
+            <p:ph type="sldNum" idx="12"/>
           </p:nvPr>
         </p:nvSpPr>
         <p:spPr>
@@ -1702,7 +2073,7 @@
           </a:prstGeom>
         </p:spPr>
         <p:txBody>
-          <a:bodyPr anchorCtr="0" anchor="ctr" bIns="91425" lIns="91425" spcFirstLastPara="1" rIns="91425" wrap="square" tIns="91425">
+          <a:bodyPr spcFirstLastPara="1" wrap="square" lIns="91425" tIns="91425" rIns="91425" bIns="91425" anchor="ctr" anchorCtr="0">
             <a:normAutofit/>
           </a:bodyPr>
           <a:lstStyle>
@@ -1744,7 +2115,7 @@
             </a:lvl9pPr>
           </a:lstStyle>
           <a:p>
-            <a:pPr indent="0" lvl="0" marL="0" rtl="0" algn="r">
+            <a:pPr marL="0" lvl="0" indent="0" algn="r" rtl="0">
               <a:spcBef>
                 <a:spcPts val="0"/>
               </a:spcBef>
@@ -1770,11 +2141,11 @@
 </file>
 
 <file path=ppt/slideLayouts/slideLayout2.xml><?xml version="1.0" encoding="utf-8"?>
-<p:sldLayout xmlns:a="http://schemas.openxmlformats.org/drawingml/2006/main" xmlns:r="http://schemas.openxmlformats.org/officeDocument/2006/relationships" xmlns:mc="http://schemas.openxmlformats.org/markup-compatibility/2006" xmlns:mv="urn:schemas-microsoft-com:mac:vml" xmlns:p="http://schemas.openxmlformats.org/presentationml/2006/main" xmlns:c="http://schemas.openxmlformats.org/drawingml/2006/chart" xmlns:dgm="http://schemas.openxmlformats.org/drawingml/2006/diagram" xmlns:o="urn:schemas-microsoft-com:office:office" xmlns:v="urn:schemas-microsoft-com:vml" xmlns:pvml="urn:schemas-microsoft-com:office:powerpoint" xmlns:com="http://schemas.openxmlformats.org/drawingml/2006/compatibility" xmlns:p14="http://schemas.microsoft.com/office/powerpoint/2010/main" xmlns:p15="http://schemas.microsoft.com/office/powerpoint/2012/main" xmlns:ahyp="http://schemas.microsoft.com/office/drawing/2018/hyperlinkcolor" matchingName="Section header" type="secHead">
+<p:sldLayout xmlns:a="http://schemas.openxmlformats.org/drawingml/2006/main" xmlns:r="http://schemas.openxmlformats.org/officeDocument/2006/relationships" xmlns:p="http://schemas.openxmlformats.org/presentationml/2006/main" matchingName="Section header" type="secHead">
   <p:cSld name="SECTION_HEADER">
     <p:spTree>
       <p:nvGrpSpPr>
-        <p:cNvPr id="13" name="Shape 13"/>
+        <p:cNvPr id="1" name="Shape 13"/>
         <p:cNvGrpSpPr/>
         <p:nvPr/>
       </p:nvGrpSpPr>
@@ -1789,7 +2160,9 @@
       <p:sp>
         <p:nvSpPr>
           <p:cNvPr id="14" name="Google Shape;14;p3"/>
-          <p:cNvSpPr txBox="1"/>
+          <p:cNvSpPr txBox="1">
+            <a:spLocks noGrp="1"/>
+          </p:cNvSpPr>
           <p:nvPr>
             <p:ph type="title"/>
           </p:nvPr>
@@ -1804,7 +2177,7 @@
           </a:prstGeom>
         </p:spPr>
         <p:txBody>
-          <a:bodyPr anchorCtr="0" anchor="ctr" bIns="91425" lIns="91425" spcFirstLastPara="1" rIns="91425" wrap="square" tIns="91425">
+          <a:bodyPr spcFirstLastPara="1" wrap="square" lIns="91425" tIns="91425" rIns="91425" bIns="91425" anchor="ctr" anchorCtr="0">
             <a:normAutofit/>
           </a:bodyPr>
           <a:lstStyle>
@@ -1908,15 +2281,19 @@
               <a:defRPr sz="3600"/>
             </a:lvl9pPr>
           </a:lstStyle>
-          <a:p/>
+          <a:p>
+            <a:endParaRPr/>
+          </a:p>
         </p:txBody>
       </p:sp>
       <p:sp>
         <p:nvSpPr>
           <p:cNvPr id="15" name="Google Shape;15;p3"/>
-          <p:cNvSpPr txBox="1"/>
+          <p:cNvSpPr txBox="1">
+            <a:spLocks noGrp="1"/>
+          </p:cNvSpPr>
           <p:nvPr>
-            <p:ph idx="12" type="sldNum"/>
+            <p:ph type="sldNum" idx="12"/>
           </p:nvPr>
         </p:nvSpPr>
         <p:spPr>
@@ -1929,7 +2306,7 @@
           </a:prstGeom>
         </p:spPr>
         <p:txBody>
-          <a:bodyPr anchorCtr="0" anchor="ctr" bIns="91425" lIns="91425" spcFirstLastPara="1" rIns="91425" wrap="square" tIns="91425">
+          <a:bodyPr spcFirstLastPara="1" wrap="square" lIns="91425" tIns="91425" rIns="91425" bIns="91425" anchor="ctr" anchorCtr="0">
             <a:normAutofit/>
           </a:bodyPr>
           <a:lstStyle>
@@ -1971,7 +2348,7 @@
             </a:lvl9pPr>
           </a:lstStyle>
           <a:p>
-            <a:pPr indent="0" lvl="0" marL="0" rtl="0" algn="r">
+            <a:pPr marL="0" lvl="0" indent="0" algn="r" rtl="0">
               <a:spcBef>
                 <a:spcPts val="0"/>
               </a:spcBef>
@@ -1997,7 +2374,7 @@
 </file>
 
 <file path=ppt/slideLayouts/slideLayout3.xml><?xml version="1.0" encoding="utf-8"?>
-<p:sldLayout xmlns:a="http://schemas.openxmlformats.org/drawingml/2006/main" xmlns:r="http://schemas.openxmlformats.org/officeDocument/2006/relationships" xmlns:mc="http://schemas.openxmlformats.org/markup-compatibility/2006" xmlns:mv="urn:schemas-microsoft-com:mac:vml" xmlns:p="http://schemas.openxmlformats.org/presentationml/2006/main" xmlns:c="http://schemas.openxmlformats.org/drawingml/2006/chart" xmlns:dgm="http://schemas.openxmlformats.org/drawingml/2006/diagram" xmlns:o="urn:schemas-microsoft-com:office:office" xmlns:v="urn:schemas-microsoft-com:vml" xmlns:pvml="urn:schemas-microsoft-com:office:powerpoint" xmlns:com="http://schemas.openxmlformats.org/drawingml/2006/compatibility" xmlns:p14="http://schemas.microsoft.com/office/powerpoint/2010/main" xmlns:p15="http://schemas.microsoft.com/office/powerpoint/2012/main" xmlns:ahyp="http://schemas.microsoft.com/office/drawing/2018/hyperlinkcolor" matchingName="Title and body" type="tx">
+<p:sldLayout xmlns:a="http://schemas.openxmlformats.org/drawingml/2006/main" xmlns:r="http://schemas.openxmlformats.org/officeDocument/2006/relationships" xmlns:p="http://schemas.openxmlformats.org/presentationml/2006/main" matchingName="Title and body" type="tx">
   <p:cSld name="TITLE_AND_BODY">
     <p:bg>
       <p:bgPr>
@@ -2009,11 +2386,12 @@
             <a:fillRect/>
           </a:stretch>
         </a:blipFill>
+        <a:effectLst/>
       </p:bgPr>
     </p:bg>
     <p:spTree>
       <p:nvGrpSpPr>
-        <p:cNvPr id="16" name="Shape 16"/>
+        <p:cNvPr id="1" name="Shape 16"/>
         <p:cNvGrpSpPr/>
         <p:nvPr/>
       </p:nvGrpSpPr>
@@ -2028,7 +2406,9 @@
       <p:sp>
         <p:nvSpPr>
           <p:cNvPr id="17" name="Google Shape;17;p4"/>
-          <p:cNvSpPr txBox="1"/>
+          <p:cNvSpPr txBox="1">
+            <a:spLocks noGrp="1"/>
+          </p:cNvSpPr>
           <p:nvPr>
             <p:ph type="title"/>
           </p:nvPr>
@@ -2043,7 +2423,7 @@
           </a:prstGeom>
         </p:spPr>
         <p:txBody>
-          <a:bodyPr anchorCtr="0" anchor="t" bIns="91425" lIns="91425" spcFirstLastPara="1" rIns="91425" wrap="square" tIns="91425">
+          <a:bodyPr spcFirstLastPara="1" wrap="square" lIns="91425" tIns="91425" rIns="91425" bIns="91425" anchor="t" anchorCtr="0">
             <a:normAutofit/>
           </a:bodyPr>
           <a:lstStyle>
@@ -2210,15 +2590,19 @@
               </a:defRPr>
             </a:lvl9pPr>
           </a:lstStyle>
-          <a:p/>
+          <a:p>
+            <a:endParaRPr/>
+          </a:p>
         </p:txBody>
       </p:sp>
       <p:sp>
         <p:nvSpPr>
           <p:cNvPr id="18" name="Google Shape;18;p4"/>
-          <p:cNvSpPr txBox="1"/>
+          <p:cNvSpPr txBox="1">
+            <a:spLocks noGrp="1"/>
+          </p:cNvSpPr>
           <p:nvPr>
-            <p:ph idx="1" type="body"/>
+            <p:ph type="body" idx="1"/>
           </p:nvPr>
         </p:nvSpPr>
         <p:spPr>
@@ -2231,11 +2615,11 @@
           </a:prstGeom>
         </p:spPr>
         <p:txBody>
-          <a:bodyPr anchorCtr="0" anchor="t" bIns="91425" lIns="91425" spcFirstLastPara="1" rIns="91425" wrap="square" tIns="91425">
+          <a:bodyPr spcFirstLastPara="1" wrap="square" lIns="91425" tIns="91425" rIns="91425" bIns="91425" anchor="t" anchorCtr="0">
             <a:normAutofit/>
           </a:bodyPr>
           <a:lstStyle>
-            <a:lvl1pPr indent="-342900" lvl="0" marL="457200">
+            <a:lvl1pPr marL="457200" lvl="0" indent="-342900">
               <a:spcBef>
                 <a:spcPts val="0"/>
               </a:spcBef>
@@ -2246,7 +2630,7 @@
               <a:buChar char="●"/>
               <a:defRPr/>
             </a:lvl1pPr>
-            <a:lvl2pPr indent="-317500" lvl="1" marL="914400">
+            <a:lvl2pPr marL="914400" lvl="1" indent="-317500">
               <a:spcBef>
                 <a:spcPts val="0"/>
               </a:spcBef>
@@ -2257,7 +2641,7 @@
               <a:buChar char="○"/>
               <a:defRPr/>
             </a:lvl2pPr>
-            <a:lvl3pPr indent="-317500" lvl="2" marL="1371600">
+            <a:lvl3pPr marL="1371600" lvl="2" indent="-317500">
               <a:spcBef>
                 <a:spcPts val="0"/>
               </a:spcBef>
@@ -2268,7 +2652,7 @@
               <a:buChar char="■"/>
               <a:defRPr/>
             </a:lvl3pPr>
-            <a:lvl4pPr indent="-317500" lvl="3" marL="1828800">
+            <a:lvl4pPr marL="1828800" lvl="3" indent="-317500">
               <a:spcBef>
                 <a:spcPts val="0"/>
               </a:spcBef>
@@ -2279,7 +2663,7 @@
               <a:buChar char="●"/>
               <a:defRPr/>
             </a:lvl4pPr>
-            <a:lvl5pPr indent="-317500" lvl="4" marL="2286000">
+            <a:lvl5pPr marL="2286000" lvl="4" indent="-317500">
               <a:spcBef>
                 <a:spcPts val="0"/>
               </a:spcBef>
@@ -2290,7 +2674,7 @@
               <a:buChar char="○"/>
               <a:defRPr/>
             </a:lvl5pPr>
-            <a:lvl6pPr indent="-317500" lvl="5" marL="2743200">
+            <a:lvl6pPr marL="2743200" lvl="5" indent="-317500">
               <a:spcBef>
                 <a:spcPts val="0"/>
               </a:spcBef>
@@ -2301,7 +2685,7 @@
               <a:buChar char="■"/>
               <a:defRPr/>
             </a:lvl6pPr>
-            <a:lvl7pPr indent="-317500" lvl="6" marL="3200400">
+            <a:lvl7pPr marL="3200400" lvl="6" indent="-317500">
               <a:spcBef>
                 <a:spcPts val="0"/>
               </a:spcBef>
@@ -2312,7 +2696,7 @@
               <a:buChar char="●"/>
               <a:defRPr/>
             </a:lvl7pPr>
-            <a:lvl8pPr indent="-317500" lvl="7" marL="3657600">
+            <a:lvl8pPr marL="3657600" lvl="7" indent="-317500">
               <a:spcBef>
                 <a:spcPts val="0"/>
               </a:spcBef>
@@ -2323,7 +2707,7 @@
               <a:buChar char="○"/>
               <a:defRPr/>
             </a:lvl8pPr>
-            <a:lvl9pPr indent="-317500" lvl="8" marL="4114800">
+            <a:lvl9pPr marL="4114800" lvl="8" indent="-317500">
               <a:spcBef>
                 <a:spcPts val="0"/>
               </a:spcBef>
@@ -2335,15 +2719,19 @@
               <a:defRPr/>
             </a:lvl9pPr>
           </a:lstStyle>
-          <a:p/>
+          <a:p>
+            <a:endParaRPr/>
+          </a:p>
         </p:txBody>
       </p:sp>
       <p:sp>
         <p:nvSpPr>
           <p:cNvPr id="19" name="Google Shape;19;p4"/>
-          <p:cNvSpPr txBox="1"/>
+          <p:cNvSpPr txBox="1">
+            <a:spLocks noGrp="1"/>
+          </p:cNvSpPr>
           <p:nvPr>
-            <p:ph idx="12" type="sldNum"/>
+            <p:ph type="sldNum" idx="12"/>
           </p:nvPr>
         </p:nvSpPr>
         <p:spPr>
@@ -2356,7 +2744,7 @@
           </a:prstGeom>
         </p:spPr>
         <p:txBody>
-          <a:bodyPr anchorCtr="0" anchor="ctr" bIns="91425" lIns="91425" spcFirstLastPara="1" rIns="91425" wrap="square" tIns="91425">
+          <a:bodyPr spcFirstLastPara="1" wrap="square" lIns="91425" tIns="91425" rIns="91425" bIns="91425" anchor="ctr" anchorCtr="0">
             <a:normAutofit/>
           </a:bodyPr>
           <a:lstStyle>
@@ -2398,7 +2786,7 @@
             </a:lvl9pPr>
           </a:lstStyle>
           <a:p>
-            <a:pPr indent="0" lvl="0" marL="0" rtl="0" algn="r">
+            <a:pPr marL="0" lvl="0" indent="0" algn="r" rtl="0">
               <a:spcBef>
                 <a:spcPts val="0"/>
               </a:spcBef>
@@ -2424,11 +2812,11 @@
 </file>
 
 <file path=ppt/slideLayouts/slideLayout4.xml><?xml version="1.0" encoding="utf-8"?>
-<p:sldLayout xmlns:a="http://schemas.openxmlformats.org/drawingml/2006/main" xmlns:r="http://schemas.openxmlformats.org/officeDocument/2006/relationships" xmlns:mc="http://schemas.openxmlformats.org/markup-compatibility/2006" xmlns:mv="urn:schemas-microsoft-com:mac:vml" xmlns:p="http://schemas.openxmlformats.org/presentationml/2006/main" xmlns:c="http://schemas.openxmlformats.org/drawingml/2006/chart" xmlns:dgm="http://schemas.openxmlformats.org/drawingml/2006/diagram" xmlns:o="urn:schemas-microsoft-com:office:office" xmlns:v="urn:schemas-microsoft-com:vml" xmlns:pvml="urn:schemas-microsoft-com:office:powerpoint" xmlns:com="http://schemas.openxmlformats.org/drawingml/2006/compatibility" xmlns:p14="http://schemas.microsoft.com/office/powerpoint/2010/main" xmlns:p15="http://schemas.microsoft.com/office/powerpoint/2012/main" xmlns:ahyp="http://schemas.microsoft.com/office/drawing/2018/hyperlinkcolor" matchingName="Title and two columns" type="twoColTx">
+<p:sldLayout xmlns:a="http://schemas.openxmlformats.org/drawingml/2006/main" xmlns:r="http://schemas.openxmlformats.org/officeDocument/2006/relationships" xmlns:p="http://schemas.openxmlformats.org/presentationml/2006/main" matchingName="Title and two columns" type="twoColTx">
   <p:cSld name="TITLE_AND_TWO_COLUMNS">
     <p:spTree>
       <p:nvGrpSpPr>
-        <p:cNvPr id="20" name="Shape 20"/>
+        <p:cNvPr id="1" name="Shape 20"/>
         <p:cNvGrpSpPr/>
         <p:nvPr/>
       </p:nvGrpSpPr>
@@ -2443,7 +2831,9 @@
       <p:sp>
         <p:nvSpPr>
           <p:cNvPr id="21" name="Google Shape;21;p5"/>
-          <p:cNvSpPr txBox="1"/>
+          <p:cNvSpPr txBox="1">
+            <a:spLocks noGrp="1"/>
+          </p:cNvSpPr>
           <p:nvPr>
             <p:ph type="title"/>
           </p:nvPr>
@@ -2458,7 +2848,7 @@
           </a:prstGeom>
         </p:spPr>
         <p:txBody>
-          <a:bodyPr anchorCtr="0" anchor="t" bIns="91425" lIns="91425" spcFirstLastPara="1" rIns="91425" wrap="square" tIns="91425">
+          <a:bodyPr spcFirstLastPara="1" wrap="square" lIns="91425" tIns="91425" rIns="91425" bIns="91425" anchor="t" anchorCtr="0">
             <a:normAutofit/>
           </a:bodyPr>
           <a:lstStyle>
@@ -2562,15 +2952,19 @@
               <a:defRPr/>
             </a:lvl9pPr>
           </a:lstStyle>
-          <a:p/>
+          <a:p>
+            <a:endParaRPr/>
+          </a:p>
         </p:txBody>
       </p:sp>
       <p:sp>
         <p:nvSpPr>
           <p:cNvPr id="22" name="Google Shape;22;p5"/>
-          <p:cNvSpPr txBox="1"/>
+          <p:cNvSpPr txBox="1">
+            <a:spLocks noGrp="1"/>
+          </p:cNvSpPr>
           <p:nvPr>
-            <p:ph idx="1" type="body"/>
+            <p:ph type="body" idx="1"/>
           </p:nvPr>
         </p:nvSpPr>
         <p:spPr>
@@ -2583,11 +2977,11 @@
           </a:prstGeom>
         </p:spPr>
         <p:txBody>
-          <a:bodyPr anchorCtr="0" anchor="t" bIns="91425" lIns="91425" spcFirstLastPara="1" rIns="91425" wrap="square" tIns="91425">
+          <a:bodyPr spcFirstLastPara="1" wrap="square" lIns="91425" tIns="91425" rIns="91425" bIns="91425" anchor="t" anchorCtr="0">
             <a:normAutofit/>
           </a:bodyPr>
           <a:lstStyle>
-            <a:lvl1pPr indent="-317500" lvl="0" marL="457200">
+            <a:lvl1pPr marL="457200" lvl="0" indent="-317500">
               <a:spcBef>
                 <a:spcPts val="0"/>
               </a:spcBef>
@@ -2598,7 +2992,7 @@
               <a:buChar char="●"/>
               <a:defRPr sz="1400"/>
             </a:lvl1pPr>
-            <a:lvl2pPr indent="-304800" lvl="1" marL="914400">
+            <a:lvl2pPr marL="914400" lvl="1" indent="-304800">
               <a:spcBef>
                 <a:spcPts val="0"/>
               </a:spcBef>
@@ -2609,7 +3003,7 @@
               <a:buChar char="○"/>
               <a:defRPr sz="1200"/>
             </a:lvl2pPr>
-            <a:lvl3pPr indent="-304800" lvl="2" marL="1371600">
+            <a:lvl3pPr marL="1371600" lvl="2" indent="-304800">
               <a:spcBef>
                 <a:spcPts val="0"/>
               </a:spcBef>
@@ -2620,7 +3014,7 @@
               <a:buChar char="■"/>
               <a:defRPr sz="1200"/>
             </a:lvl3pPr>
-            <a:lvl4pPr indent="-304800" lvl="3" marL="1828800">
+            <a:lvl4pPr marL="1828800" lvl="3" indent="-304800">
               <a:spcBef>
                 <a:spcPts val="0"/>
               </a:spcBef>
@@ -2631,7 +3025,7 @@
               <a:buChar char="●"/>
               <a:defRPr sz="1200"/>
             </a:lvl4pPr>
-            <a:lvl5pPr indent="-304800" lvl="4" marL="2286000">
+            <a:lvl5pPr marL="2286000" lvl="4" indent="-304800">
               <a:spcBef>
                 <a:spcPts val="0"/>
               </a:spcBef>
@@ -2642,7 +3036,7 @@
               <a:buChar char="○"/>
               <a:defRPr sz="1200"/>
             </a:lvl5pPr>
-            <a:lvl6pPr indent="-304800" lvl="5" marL="2743200">
+            <a:lvl6pPr marL="2743200" lvl="5" indent="-304800">
               <a:spcBef>
                 <a:spcPts val="0"/>
               </a:spcBef>
@@ -2653,7 +3047,7 @@
               <a:buChar char="■"/>
               <a:defRPr sz="1200"/>
             </a:lvl6pPr>
-            <a:lvl7pPr indent="-304800" lvl="6" marL="3200400">
+            <a:lvl7pPr marL="3200400" lvl="6" indent="-304800">
               <a:spcBef>
                 <a:spcPts val="0"/>
               </a:spcBef>
@@ -2664,7 +3058,7 @@
               <a:buChar char="●"/>
               <a:defRPr sz="1200"/>
             </a:lvl7pPr>
-            <a:lvl8pPr indent="-304800" lvl="7" marL="3657600">
+            <a:lvl8pPr marL="3657600" lvl="7" indent="-304800">
               <a:spcBef>
                 <a:spcPts val="0"/>
               </a:spcBef>
@@ -2675,7 +3069,7 @@
               <a:buChar char="○"/>
               <a:defRPr sz="1200"/>
             </a:lvl8pPr>
-            <a:lvl9pPr indent="-304800" lvl="8" marL="4114800">
+            <a:lvl9pPr marL="4114800" lvl="8" indent="-304800">
               <a:spcBef>
                 <a:spcPts val="0"/>
               </a:spcBef>
@@ -2687,15 +3081,19 @@
               <a:defRPr sz="1200"/>
             </a:lvl9pPr>
           </a:lstStyle>
-          <a:p/>
+          <a:p>
+            <a:endParaRPr/>
+          </a:p>
         </p:txBody>
       </p:sp>
       <p:sp>
         <p:nvSpPr>
           <p:cNvPr id="23" name="Google Shape;23;p5"/>
-          <p:cNvSpPr txBox="1"/>
+          <p:cNvSpPr txBox="1">
+            <a:spLocks noGrp="1"/>
+          </p:cNvSpPr>
           <p:nvPr>
-            <p:ph idx="2" type="body"/>
+            <p:ph type="body" idx="2"/>
           </p:nvPr>
         </p:nvSpPr>
         <p:spPr>
@@ -2708,11 +3106,11 @@
           </a:prstGeom>
         </p:spPr>
         <p:txBody>
-          <a:bodyPr anchorCtr="0" anchor="t" bIns="91425" lIns="91425" spcFirstLastPara="1" rIns="91425" wrap="square" tIns="91425">
+          <a:bodyPr spcFirstLastPara="1" wrap="square" lIns="91425" tIns="91425" rIns="91425" bIns="91425" anchor="t" anchorCtr="0">
             <a:normAutofit/>
           </a:bodyPr>
           <a:lstStyle>
-            <a:lvl1pPr indent="-317500" lvl="0" marL="457200">
+            <a:lvl1pPr marL="457200" lvl="0" indent="-317500">
               <a:spcBef>
                 <a:spcPts val="0"/>
               </a:spcBef>
@@ -2723,7 +3121,7 @@
               <a:buChar char="●"/>
               <a:defRPr sz="1400"/>
             </a:lvl1pPr>
-            <a:lvl2pPr indent="-304800" lvl="1" marL="914400">
+            <a:lvl2pPr marL="914400" lvl="1" indent="-304800">
               <a:spcBef>
                 <a:spcPts val="0"/>
               </a:spcBef>
@@ -2734,7 +3132,7 @@
               <a:buChar char="○"/>
               <a:defRPr sz="1200"/>
             </a:lvl2pPr>
-            <a:lvl3pPr indent="-304800" lvl="2" marL="1371600">
+            <a:lvl3pPr marL="1371600" lvl="2" indent="-304800">
               <a:spcBef>
                 <a:spcPts val="0"/>
               </a:spcBef>
@@ -2745,7 +3143,7 @@
               <a:buChar char="■"/>
               <a:defRPr sz="1200"/>
             </a:lvl3pPr>
-            <a:lvl4pPr indent="-304800" lvl="3" marL="1828800">
+            <a:lvl4pPr marL="1828800" lvl="3" indent="-304800">
               <a:spcBef>
                 <a:spcPts val="0"/>
               </a:spcBef>
@@ -2756,7 +3154,7 @@
               <a:buChar char="●"/>
               <a:defRPr sz="1200"/>
             </a:lvl4pPr>
-            <a:lvl5pPr indent="-304800" lvl="4" marL="2286000">
+            <a:lvl5pPr marL="2286000" lvl="4" indent="-304800">
               <a:spcBef>
                 <a:spcPts val="0"/>
               </a:spcBef>
@@ -2767,7 +3165,7 @@
               <a:buChar char="○"/>
               <a:defRPr sz="1200"/>
             </a:lvl5pPr>
-            <a:lvl6pPr indent="-304800" lvl="5" marL="2743200">
+            <a:lvl6pPr marL="2743200" lvl="5" indent="-304800">
               <a:spcBef>
                 <a:spcPts val="0"/>
               </a:spcBef>
@@ -2778,7 +3176,7 @@
               <a:buChar char="■"/>
               <a:defRPr sz="1200"/>
             </a:lvl6pPr>
-            <a:lvl7pPr indent="-304800" lvl="6" marL="3200400">
+            <a:lvl7pPr marL="3200400" lvl="6" indent="-304800">
               <a:spcBef>
                 <a:spcPts val="0"/>
               </a:spcBef>
@@ -2789,7 +3187,7 @@
               <a:buChar char="●"/>
               <a:defRPr sz="1200"/>
             </a:lvl7pPr>
-            <a:lvl8pPr indent="-304800" lvl="7" marL="3657600">
+            <a:lvl8pPr marL="3657600" lvl="7" indent="-304800">
               <a:spcBef>
                 <a:spcPts val="0"/>
               </a:spcBef>
@@ -2800,7 +3198,7 @@
               <a:buChar char="○"/>
               <a:defRPr sz="1200"/>
             </a:lvl8pPr>
-            <a:lvl9pPr indent="-304800" lvl="8" marL="4114800">
+            <a:lvl9pPr marL="4114800" lvl="8" indent="-304800">
               <a:spcBef>
                 <a:spcPts val="0"/>
               </a:spcBef>
@@ -2812,15 +3210,19 @@
               <a:defRPr sz="1200"/>
             </a:lvl9pPr>
           </a:lstStyle>
-          <a:p/>
+          <a:p>
+            <a:endParaRPr/>
+          </a:p>
         </p:txBody>
       </p:sp>
       <p:sp>
         <p:nvSpPr>
           <p:cNvPr id="24" name="Google Shape;24;p5"/>
-          <p:cNvSpPr txBox="1"/>
+          <p:cNvSpPr txBox="1">
+            <a:spLocks noGrp="1"/>
+          </p:cNvSpPr>
           <p:nvPr>
-            <p:ph idx="12" type="sldNum"/>
+            <p:ph type="sldNum" idx="12"/>
           </p:nvPr>
         </p:nvSpPr>
         <p:spPr>
@@ -2833,7 +3235,7 @@
           </a:prstGeom>
         </p:spPr>
         <p:txBody>
-          <a:bodyPr anchorCtr="0" anchor="ctr" bIns="91425" lIns="91425" spcFirstLastPara="1" rIns="91425" wrap="square" tIns="91425">
+          <a:bodyPr spcFirstLastPara="1" wrap="square" lIns="91425" tIns="91425" rIns="91425" bIns="91425" anchor="ctr" anchorCtr="0">
             <a:normAutofit/>
           </a:bodyPr>
           <a:lstStyle>
@@ -2875,7 +3277,7 @@
             </a:lvl9pPr>
           </a:lstStyle>
           <a:p>
-            <a:pPr indent="0" lvl="0" marL="0" rtl="0" algn="r">
+            <a:pPr marL="0" lvl="0" indent="0" algn="r" rtl="0">
               <a:spcBef>
                 <a:spcPts val="0"/>
               </a:spcBef>
@@ -2901,11 +3303,11 @@
 </file>
 
 <file path=ppt/slideLayouts/slideLayout5.xml><?xml version="1.0" encoding="utf-8"?>
-<p:sldLayout xmlns:a="http://schemas.openxmlformats.org/drawingml/2006/main" xmlns:r="http://schemas.openxmlformats.org/officeDocument/2006/relationships" xmlns:mc="http://schemas.openxmlformats.org/markup-compatibility/2006" xmlns:mv="urn:schemas-microsoft-com:mac:vml" xmlns:p="http://schemas.openxmlformats.org/presentationml/2006/main" xmlns:c="http://schemas.openxmlformats.org/drawingml/2006/chart" xmlns:dgm="http://schemas.openxmlformats.org/drawingml/2006/diagram" xmlns:o="urn:schemas-microsoft-com:office:office" xmlns:v="urn:schemas-microsoft-com:vml" xmlns:pvml="urn:schemas-microsoft-com:office:powerpoint" xmlns:com="http://schemas.openxmlformats.org/drawingml/2006/compatibility" xmlns:p14="http://schemas.microsoft.com/office/powerpoint/2010/main" xmlns:p15="http://schemas.microsoft.com/office/powerpoint/2012/main" xmlns:ahyp="http://schemas.microsoft.com/office/drawing/2018/hyperlinkcolor" matchingName="Title only" type="titleOnly">
+<p:sldLayout xmlns:a="http://schemas.openxmlformats.org/drawingml/2006/main" xmlns:r="http://schemas.openxmlformats.org/officeDocument/2006/relationships" xmlns:p="http://schemas.openxmlformats.org/presentationml/2006/main" matchingName="Title only" type="titleOnly">
   <p:cSld name="TITLE_ONLY">
     <p:spTree>
       <p:nvGrpSpPr>
-        <p:cNvPr id="25" name="Shape 25"/>
+        <p:cNvPr id="1" name="Shape 25"/>
         <p:cNvGrpSpPr/>
         <p:nvPr/>
       </p:nvGrpSpPr>
@@ -2920,7 +3322,9 @@
       <p:sp>
         <p:nvSpPr>
           <p:cNvPr id="26" name="Google Shape;26;p6"/>
-          <p:cNvSpPr txBox="1"/>
+          <p:cNvSpPr txBox="1">
+            <a:spLocks noGrp="1"/>
+          </p:cNvSpPr>
           <p:nvPr>
             <p:ph type="title"/>
           </p:nvPr>
@@ -2935,7 +3339,7 @@
           </a:prstGeom>
         </p:spPr>
         <p:txBody>
-          <a:bodyPr anchorCtr="0" anchor="t" bIns="91425" lIns="91425" spcFirstLastPara="1" rIns="91425" wrap="square" tIns="91425">
+          <a:bodyPr spcFirstLastPara="1" wrap="square" lIns="91425" tIns="91425" rIns="91425" bIns="91425" anchor="t" anchorCtr="0">
             <a:normAutofit/>
           </a:bodyPr>
           <a:lstStyle>
@@ -3039,15 +3443,19 @@
               <a:defRPr/>
             </a:lvl9pPr>
           </a:lstStyle>
-          <a:p/>
+          <a:p>
+            <a:endParaRPr/>
+          </a:p>
         </p:txBody>
       </p:sp>
       <p:sp>
         <p:nvSpPr>
           <p:cNvPr id="27" name="Google Shape;27;p6"/>
-          <p:cNvSpPr txBox="1"/>
+          <p:cNvSpPr txBox="1">
+            <a:spLocks noGrp="1"/>
+          </p:cNvSpPr>
           <p:nvPr>
-            <p:ph idx="12" type="sldNum"/>
+            <p:ph type="sldNum" idx="12"/>
           </p:nvPr>
         </p:nvSpPr>
         <p:spPr>
@@ -3060,7 +3468,7 @@
           </a:prstGeom>
         </p:spPr>
         <p:txBody>
-          <a:bodyPr anchorCtr="0" anchor="ctr" bIns="91425" lIns="91425" spcFirstLastPara="1" rIns="91425" wrap="square" tIns="91425">
+          <a:bodyPr spcFirstLastPara="1" wrap="square" lIns="91425" tIns="91425" rIns="91425" bIns="91425" anchor="ctr" anchorCtr="0">
             <a:normAutofit/>
           </a:bodyPr>
           <a:lstStyle>
@@ -3102,7 +3510,7 @@
             </a:lvl9pPr>
           </a:lstStyle>
           <a:p>
-            <a:pPr indent="0" lvl="0" marL="0" rtl="0" algn="r">
+            <a:pPr marL="0" lvl="0" indent="0" algn="r" rtl="0">
               <a:spcBef>
                 <a:spcPts val="0"/>
               </a:spcBef>
@@ -3128,11 +3536,11 @@
 </file>
 
 <file path=ppt/slideLayouts/slideLayout6.xml><?xml version="1.0" encoding="utf-8"?>
-<p:sldLayout xmlns:a="http://schemas.openxmlformats.org/drawingml/2006/main" xmlns:r="http://schemas.openxmlformats.org/officeDocument/2006/relationships" xmlns:mc="http://schemas.openxmlformats.org/markup-compatibility/2006" xmlns:mv="urn:schemas-microsoft-com:mac:vml" xmlns:p="http://schemas.openxmlformats.org/presentationml/2006/main" xmlns:c="http://schemas.openxmlformats.org/drawingml/2006/chart" xmlns:dgm="http://schemas.openxmlformats.org/drawingml/2006/diagram" xmlns:o="urn:schemas-microsoft-com:office:office" xmlns:v="urn:schemas-microsoft-com:vml" xmlns:pvml="urn:schemas-microsoft-com:office:powerpoint" xmlns:com="http://schemas.openxmlformats.org/drawingml/2006/compatibility" xmlns:p14="http://schemas.microsoft.com/office/powerpoint/2010/main" xmlns:p15="http://schemas.microsoft.com/office/powerpoint/2012/main" xmlns:ahyp="http://schemas.microsoft.com/office/drawing/2018/hyperlinkcolor" matchingName="One column text">
+<p:sldLayout xmlns:a="http://schemas.openxmlformats.org/drawingml/2006/main" xmlns:r="http://schemas.openxmlformats.org/officeDocument/2006/relationships" xmlns:p="http://schemas.openxmlformats.org/presentationml/2006/main" matchingName="One column text">
   <p:cSld name="ONE_COLUMN_TEXT">
     <p:spTree>
       <p:nvGrpSpPr>
-        <p:cNvPr id="28" name="Shape 28"/>
+        <p:cNvPr id="1" name="Shape 28"/>
         <p:cNvGrpSpPr/>
         <p:nvPr/>
       </p:nvGrpSpPr>
@@ -3147,7 +3555,9 @@
       <p:sp>
         <p:nvSpPr>
           <p:cNvPr id="29" name="Google Shape;29;p7"/>
-          <p:cNvSpPr txBox="1"/>
+          <p:cNvSpPr txBox="1">
+            <a:spLocks noGrp="1"/>
+          </p:cNvSpPr>
           <p:nvPr>
             <p:ph type="title"/>
           </p:nvPr>
@@ -3162,7 +3572,7 @@
           </a:prstGeom>
         </p:spPr>
         <p:txBody>
-          <a:bodyPr anchorCtr="0" anchor="b" bIns="91425" lIns="91425" spcFirstLastPara="1" rIns="91425" wrap="square" tIns="91425">
+          <a:bodyPr spcFirstLastPara="1" wrap="square" lIns="91425" tIns="91425" rIns="91425" bIns="91425" anchor="b" anchorCtr="0">
             <a:normAutofit/>
           </a:bodyPr>
           <a:lstStyle>
@@ -3266,15 +3676,19 @@
               <a:defRPr sz="2400"/>
             </a:lvl9pPr>
           </a:lstStyle>
-          <a:p/>
+          <a:p>
+            <a:endParaRPr/>
+          </a:p>
         </p:txBody>
       </p:sp>
       <p:sp>
         <p:nvSpPr>
           <p:cNvPr id="30" name="Google Shape;30;p7"/>
-          <p:cNvSpPr txBox="1"/>
+          <p:cNvSpPr txBox="1">
+            <a:spLocks noGrp="1"/>
+          </p:cNvSpPr>
           <p:nvPr>
-            <p:ph idx="1" type="body"/>
+            <p:ph type="body" idx="1"/>
           </p:nvPr>
         </p:nvSpPr>
         <p:spPr>
@@ -3287,11 +3701,11 @@
           </a:prstGeom>
         </p:spPr>
         <p:txBody>
-          <a:bodyPr anchorCtr="0" anchor="t" bIns="91425" lIns="91425" spcFirstLastPara="1" rIns="91425" wrap="square" tIns="91425">
+          <a:bodyPr spcFirstLastPara="1" wrap="square" lIns="91425" tIns="91425" rIns="91425" bIns="91425" anchor="t" anchorCtr="0">
             <a:normAutofit/>
           </a:bodyPr>
           <a:lstStyle>
-            <a:lvl1pPr indent="-304800" lvl="0" marL="457200">
+            <a:lvl1pPr marL="457200" lvl="0" indent="-304800">
               <a:spcBef>
                 <a:spcPts val="0"/>
               </a:spcBef>
@@ -3302,7 +3716,7 @@
               <a:buChar char="●"/>
               <a:defRPr sz="1200"/>
             </a:lvl1pPr>
-            <a:lvl2pPr indent="-304800" lvl="1" marL="914400">
+            <a:lvl2pPr marL="914400" lvl="1" indent="-304800">
               <a:spcBef>
                 <a:spcPts val="0"/>
               </a:spcBef>
@@ -3313,7 +3727,7 @@
               <a:buChar char="○"/>
               <a:defRPr sz="1200"/>
             </a:lvl2pPr>
-            <a:lvl3pPr indent="-304800" lvl="2" marL="1371600">
+            <a:lvl3pPr marL="1371600" lvl="2" indent="-304800">
               <a:spcBef>
                 <a:spcPts val="0"/>
               </a:spcBef>
@@ -3324,7 +3738,7 @@
               <a:buChar char="■"/>
               <a:defRPr sz="1200"/>
             </a:lvl3pPr>
-            <a:lvl4pPr indent="-304800" lvl="3" marL="1828800">
+            <a:lvl4pPr marL="1828800" lvl="3" indent="-304800">
               <a:spcBef>
                 <a:spcPts val="0"/>
               </a:spcBef>
@@ -3335,7 +3749,7 @@
               <a:buChar char="●"/>
               <a:defRPr sz="1200"/>
             </a:lvl4pPr>
-            <a:lvl5pPr indent="-304800" lvl="4" marL="2286000">
+            <a:lvl5pPr marL="2286000" lvl="4" indent="-304800">
               <a:spcBef>
                 <a:spcPts val="0"/>
               </a:spcBef>
@@ -3346,7 +3760,7 @@
               <a:buChar char="○"/>
               <a:defRPr sz="1200"/>
             </a:lvl5pPr>
-            <a:lvl6pPr indent="-304800" lvl="5" marL="2743200">
+            <a:lvl6pPr marL="2743200" lvl="5" indent="-304800">
               <a:spcBef>
                 <a:spcPts val="0"/>
               </a:spcBef>
@@ -3357,7 +3771,7 @@
               <a:buChar char="■"/>
               <a:defRPr sz="1200"/>
             </a:lvl6pPr>
-            <a:lvl7pPr indent="-304800" lvl="6" marL="3200400">
+            <a:lvl7pPr marL="3200400" lvl="6" indent="-304800">
               <a:spcBef>
                 <a:spcPts val="0"/>
               </a:spcBef>
@@ -3368,7 +3782,7 @@
               <a:buChar char="●"/>
               <a:defRPr sz="1200"/>
             </a:lvl7pPr>
-            <a:lvl8pPr indent="-304800" lvl="7" marL="3657600">
+            <a:lvl8pPr marL="3657600" lvl="7" indent="-304800">
               <a:spcBef>
                 <a:spcPts val="0"/>
               </a:spcBef>
@@ -3379,7 +3793,7 @@
               <a:buChar char="○"/>
               <a:defRPr sz="1200"/>
             </a:lvl8pPr>
-            <a:lvl9pPr indent="-304800" lvl="8" marL="4114800">
+            <a:lvl9pPr marL="4114800" lvl="8" indent="-304800">
               <a:spcBef>
                 <a:spcPts val="0"/>
               </a:spcBef>
@@ -3391,15 +3805,19 @@
               <a:defRPr sz="1200"/>
             </a:lvl9pPr>
           </a:lstStyle>
-          <a:p/>
+          <a:p>
+            <a:endParaRPr/>
+          </a:p>
         </p:txBody>
       </p:sp>
       <p:sp>
         <p:nvSpPr>
           <p:cNvPr id="31" name="Google Shape;31;p7"/>
-          <p:cNvSpPr txBox="1"/>
+          <p:cNvSpPr txBox="1">
+            <a:spLocks noGrp="1"/>
+          </p:cNvSpPr>
           <p:nvPr>
-            <p:ph idx="12" type="sldNum"/>
+            <p:ph type="sldNum" idx="12"/>
           </p:nvPr>
         </p:nvSpPr>
         <p:spPr>
@@ -3412,7 +3830,7 @@
           </a:prstGeom>
         </p:spPr>
         <p:txBody>
-          <a:bodyPr anchorCtr="0" anchor="ctr" bIns="91425" lIns="91425" spcFirstLastPara="1" rIns="91425" wrap="square" tIns="91425">
+          <a:bodyPr spcFirstLastPara="1" wrap="square" lIns="91425" tIns="91425" rIns="91425" bIns="91425" anchor="ctr" anchorCtr="0">
             <a:normAutofit/>
           </a:bodyPr>
           <a:lstStyle>
@@ -3454,7 +3872,7 @@
             </a:lvl9pPr>
           </a:lstStyle>
           <a:p>
-            <a:pPr indent="0" lvl="0" marL="0" rtl="0" algn="r">
+            <a:pPr marL="0" lvl="0" indent="0" algn="r" rtl="0">
               <a:spcBef>
                 <a:spcPts val="0"/>
               </a:spcBef>
@@ -3480,11 +3898,11 @@
 </file>
 
 <file path=ppt/slideLayouts/slideLayout7.xml><?xml version="1.0" encoding="utf-8"?>
-<p:sldLayout xmlns:a="http://schemas.openxmlformats.org/drawingml/2006/main" xmlns:r="http://schemas.openxmlformats.org/officeDocument/2006/relationships" xmlns:mc="http://schemas.openxmlformats.org/markup-compatibility/2006" xmlns:mv="urn:schemas-microsoft-com:mac:vml" xmlns:p="http://schemas.openxmlformats.org/presentationml/2006/main" xmlns:c="http://schemas.openxmlformats.org/drawingml/2006/chart" xmlns:dgm="http://schemas.openxmlformats.org/drawingml/2006/diagram" xmlns:o="urn:schemas-microsoft-com:office:office" xmlns:v="urn:schemas-microsoft-com:vml" xmlns:pvml="urn:schemas-microsoft-com:office:powerpoint" xmlns:com="http://schemas.openxmlformats.org/drawingml/2006/compatibility" xmlns:p14="http://schemas.microsoft.com/office/powerpoint/2010/main" xmlns:p15="http://schemas.microsoft.com/office/powerpoint/2012/main" xmlns:ahyp="http://schemas.microsoft.com/office/drawing/2018/hyperlinkcolor" matchingName="Main point">
+<p:sldLayout xmlns:a="http://schemas.openxmlformats.org/drawingml/2006/main" xmlns:r="http://schemas.openxmlformats.org/officeDocument/2006/relationships" xmlns:p="http://schemas.openxmlformats.org/presentationml/2006/main" matchingName="Main point">
   <p:cSld name="MAIN_POINT">
     <p:spTree>
       <p:nvGrpSpPr>
-        <p:cNvPr id="32" name="Shape 32"/>
+        <p:cNvPr id="1" name="Shape 32"/>
         <p:cNvGrpSpPr/>
         <p:nvPr/>
       </p:nvGrpSpPr>
@@ -3499,7 +3917,9 @@
       <p:sp>
         <p:nvSpPr>
           <p:cNvPr id="33" name="Google Shape;33;p8"/>
-          <p:cNvSpPr txBox="1"/>
+          <p:cNvSpPr txBox="1">
+            <a:spLocks noGrp="1"/>
+          </p:cNvSpPr>
           <p:nvPr>
             <p:ph type="title"/>
           </p:nvPr>
@@ -3514,7 +3934,7 @@
           </a:prstGeom>
         </p:spPr>
         <p:txBody>
-          <a:bodyPr anchorCtr="0" anchor="ctr" bIns="91425" lIns="91425" spcFirstLastPara="1" rIns="91425" wrap="square" tIns="91425">
+          <a:bodyPr spcFirstLastPara="1" wrap="square" lIns="91425" tIns="91425" rIns="91425" bIns="91425" anchor="ctr" anchorCtr="0">
             <a:normAutofit/>
           </a:bodyPr>
           <a:lstStyle>
@@ -3618,15 +4038,19 @@
               <a:defRPr sz="4800"/>
             </a:lvl9pPr>
           </a:lstStyle>
-          <a:p/>
+          <a:p>
+            <a:endParaRPr/>
+          </a:p>
         </p:txBody>
       </p:sp>
       <p:sp>
         <p:nvSpPr>
           <p:cNvPr id="34" name="Google Shape;34;p8"/>
-          <p:cNvSpPr txBox="1"/>
+          <p:cNvSpPr txBox="1">
+            <a:spLocks noGrp="1"/>
+          </p:cNvSpPr>
           <p:nvPr>
-            <p:ph idx="12" type="sldNum"/>
+            <p:ph type="sldNum" idx="12"/>
           </p:nvPr>
         </p:nvSpPr>
         <p:spPr>
@@ -3639,7 +4063,7 @@
           </a:prstGeom>
         </p:spPr>
         <p:txBody>
-          <a:bodyPr anchorCtr="0" anchor="ctr" bIns="91425" lIns="91425" spcFirstLastPara="1" rIns="91425" wrap="square" tIns="91425">
+          <a:bodyPr spcFirstLastPara="1" wrap="square" lIns="91425" tIns="91425" rIns="91425" bIns="91425" anchor="ctr" anchorCtr="0">
             <a:normAutofit/>
           </a:bodyPr>
           <a:lstStyle>
@@ -3681,7 +4105,7 @@
             </a:lvl9pPr>
           </a:lstStyle>
           <a:p>
-            <a:pPr indent="0" lvl="0" marL="0" rtl="0" algn="r">
+            <a:pPr marL="0" lvl="0" indent="0" algn="r" rtl="0">
               <a:spcBef>
                 <a:spcPts val="0"/>
               </a:spcBef>
@@ -3707,11 +4131,11 @@
 </file>
 
 <file path=ppt/slideLayouts/slideLayout8.xml><?xml version="1.0" encoding="utf-8"?>
-<p:sldLayout xmlns:a="http://schemas.openxmlformats.org/drawingml/2006/main" xmlns:r="http://schemas.openxmlformats.org/officeDocument/2006/relationships" xmlns:mc="http://schemas.openxmlformats.org/markup-compatibility/2006" xmlns:mv="urn:schemas-microsoft-com:mac:vml" xmlns:p="http://schemas.openxmlformats.org/presentationml/2006/main" xmlns:c="http://schemas.openxmlformats.org/drawingml/2006/chart" xmlns:dgm="http://schemas.openxmlformats.org/drawingml/2006/diagram" xmlns:o="urn:schemas-microsoft-com:office:office" xmlns:v="urn:schemas-microsoft-com:vml" xmlns:pvml="urn:schemas-microsoft-com:office:powerpoint" xmlns:com="http://schemas.openxmlformats.org/drawingml/2006/compatibility" xmlns:p14="http://schemas.microsoft.com/office/powerpoint/2010/main" xmlns:p15="http://schemas.microsoft.com/office/powerpoint/2012/main" xmlns:ahyp="http://schemas.microsoft.com/office/drawing/2018/hyperlinkcolor" matchingName="Section title and description">
+<p:sldLayout xmlns:a="http://schemas.openxmlformats.org/drawingml/2006/main" xmlns:r="http://schemas.openxmlformats.org/officeDocument/2006/relationships" xmlns:p="http://schemas.openxmlformats.org/presentationml/2006/main" matchingName="Section title and description">
   <p:cSld name="SECTION_TITLE_AND_DESCRIPTION">
     <p:spTree>
       <p:nvGrpSpPr>
-        <p:cNvPr id="35" name="Shape 35"/>
+        <p:cNvPr id="1" name="Shape 35"/>
         <p:cNvGrpSpPr/>
         <p:nvPr/>
       </p:nvGrpSpPr>
@@ -3745,12 +4169,12 @@
           </a:ln>
         </p:spPr>
         <p:txBody>
-          <a:bodyPr anchorCtr="0" anchor="ctr" bIns="91425" lIns="91425" spcFirstLastPara="1" rIns="91425" wrap="square" tIns="91425">
+          <a:bodyPr spcFirstLastPara="1" wrap="square" lIns="91425" tIns="91425" rIns="91425" bIns="91425" anchor="ctr" anchorCtr="0">
             <a:noAutofit/>
           </a:bodyPr>
           <a:lstStyle/>
           <a:p>
-            <a:pPr indent="0" lvl="0" marL="0" rtl="0" algn="l">
+            <a:pPr marL="0" lvl="0" indent="0" algn="l" rtl="0">
               <a:spcBef>
                 <a:spcPts val="0"/>
               </a:spcBef>
@@ -3759,9 +4183,6 @@
               </a:spcAft>
               <a:buNone/>
             </a:pPr>
-            <a:r>
-              <a:t/>
-            </a:r>
             <a:endParaRPr/>
           </a:p>
         </p:txBody>
@@ -3769,7 +4190,9 @@
       <p:sp>
         <p:nvSpPr>
           <p:cNvPr id="37" name="Google Shape;37;p9"/>
-          <p:cNvSpPr txBox="1"/>
+          <p:cNvSpPr txBox="1">
+            <a:spLocks noGrp="1"/>
+          </p:cNvSpPr>
           <p:nvPr>
             <p:ph type="title"/>
           </p:nvPr>
@@ -3784,7 +4207,7 @@
           </a:prstGeom>
         </p:spPr>
         <p:txBody>
-          <a:bodyPr anchorCtr="0" anchor="b" bIns="91425" lIns="91425" spcFirstLastPara="1" rIns="91425" wrap="square" tIns="91425">
+          <a:bodyPr spcFirstLastPara="1" wrap="square" lIns="91425" tIns="91425" rIns="91425" bIns="91425" anchor="b" anchorCtr="0">
             <a:normAutofit/>
           </a:bodyPr>
           <a:lstStyle>
@@ -3888,15 +4311,19 @@
               <a:defRPr sz="4200"/>
             </a:lvl9pPr>
           </a:lstStyle>
-          <a:p/>
+          <a:p>
+            <a:endParaRPr/>
+          </a:p>
         </p:txBody>
       </p:sp>
       <p:sp>
         <p:nvSpPr>
           <p:cNvPr id="38" name="Google Shape;38;p9"/>
-          <p:cNvSpPr txBox="1"/>
+          <p:cNvSpPr txBox="1">
+            <a:spLocks noGrp="1"/>
+          </p:cNvSpPr>
           <p:nvPr>
-            <p:ph idx="1" type="subTitle"/>
+            <p:ph type="subTitle" idx="1"/>
           </p:nvPr>
         </p:nvSpPr>
         <p:spPr>
@@ -3909,7 +4336,7 @@
           </a:prstGeom>
         </p:spPr>
         <p:txBody>
-          <a:bodyPr anchorCtr="0" anchor="t" bIns="91425" lIns="91425" spcFirstLastPara="1" rIns="91425" wrap="square" tIns="91425">
+          <a:bodyPr spcFirstLastPara="1" wrap="square" lIns="91425" tIns="91425" rIns="91425" bIns="91425" anchor="t" anchorCtr="0">
             <a:normAutofit/>
           </a:bodyPr>
           <a:lstStyle>
@@ -4040,15 +4467,19 @@
               <a:defRPr sz="2100"/>
             </a:lvl9pPr>
           </a:lstStyle>
-          <a:p/>
+          <a:p>
+            <a:endParaRPr/>
+          </a:p>
         </p:txBody>
       </p:sp>
       <p:sp>
         <p:nvSpPr>
           <p:cNvPr id="39" name="Google Shape;39;p9"/>
-          <p:cNvSpPr txBox="1"/>
+          <p:cNvSpPr txBox="1">
+            <a:spLocks noGrp="1"/>
+          </p:cNvSpPr>
           <p:nvPr>
-            <p:ph idx="2" type="body"/>
+            <p:ph type="body" idx="2"/>
           </p:nvPr>
         </p:nvSpPr>
         <p:spPr>
@@ -4061,11 +4492,11 @@
           </a:prstGeom>
         </p:spPr>
         <p:txBody>
-          <a:bodyPr anchorCtr="0" anchor="ctr" bIns="91425" lIns="91425" spcFirstLastPara="1" rIns="91425" wrap="square" tIns="91425">
+          <a:bodyPr spcFirstLastPara="1" wrap="square" lIns="91425" tIns="91425" rIns="91425" bIns="91425" anchor="ctr" anchorCtr="0">
             <a:normAutofit/>
           </a:bodyPr>
           <a:lstStyle>
-            <a:lvl1pPr indent="-342900" lvl="0" marL="457200">
+            <a:lvl1pPr marL="457200" lvl="0" indent="-342900">
               <a:spcBef>
                 <a:spcPts val="0"/>
               </a:spcBef>
@@ -4076,7 +4507,7 @@
               <a:buChar char="●"/>
               <a:defRPr/>
             </a:lvl1pPr>
-            <a:lvl2pPr indent="-317500" lvl="1" marL="914400">
+            <a:lvl2pPr marL="914400" lvl="1" indent="-317500">
               <a:spcBef>
                 <a:spcPts val="0"/>
               </a:spcBef>
@@ -4087,7 +4518,7 @@
               <a:buChar char="○"/>
               <a:defRPr/>
             </a:lvl2pPr>
-            <a:lvl3pPr indent="-317500" lvl="2" marL="1371600">
+            <a:lvl3pPr marL="1371600" lvl="2" indent="-317500">
               <a:spcBef>
                 <a:spcPts val="0"/>
               </a:spcBef>
@@ -4098,7 +4529,7 @@
               <a:buChar char="■"/>
               <a:defRPr/>
             </a:lvl3pPr>
-            <a:lvl4pPr indent="-317500" lvl="3" marL="1828800">
+            <a:lvl4pPr marL="1828800" lvl="3" indent="-317500">
               <a:spcBef>
                 <a:spcPts val="0"/>
               </a:spcBef>
@@ -4109,7 +4540,7 @@
               <a:buChar char="●"/>
               <a:defRPr/>
             </a:lvl4pPr>
-            <a:lvl5pPr indent="-317500" lvl="4" marL="2286000">
+            <a:lvl5pPr marL="2286000" lvl="4" indent="-317500">
               <a:spcBef>
                 <a:spcPts val="0"/>
               </a:spcBef>
@@ -4120,7 +4551,7 @@
               <a:buChar char="○"/>
               <a:defRPr/>
             </a:lvl5pPr>
-            <a:lvl6pPr indent="-317500" lvl="5" marL="2743200">
+            <a:lvl6pPr marL="2743200" lvl="5" indent="-317500">
               <a:spcBef>
                 <a:spcPts val="0"/>
               </a:spcBef>
@@ -4131,7 +4562,7 @@
               <a:buChar char="■"/>
               <a:defRPr/>
             </a:lvl6pPr>
-            <a:lvl7pPr indent="-317500" lvl="6" marL="3200400">
+            <a:lvl7pPr marL="3200400" lvl="6" indent="-317500">
               <a:spcBef>
                 <a:spcPts val="0"/>
               </a:spcBef>
@@ -4142,7 +4573,7 @@
               <a:buChar char="●"/>
               <a:defRPr/>
             </a:lvl7pPr>
-            <a:lvl8pPr indent="-317500" lvl="7" marL="3657600">
+            <a:lvl8pPr marL="3657600" lvl="7" indent="-317500">
               <a:spcBef>
                 <a:spcPts val="0"/>
               </a:spcBef>
@@ -4153,7 +4584,7 @@
               <a:buChar char="○"/>
               <a:defRPr/>
             </a:lvl8pPr>
-            <a:lvl9pPr indent="-317500" lvl="8" marL="4114800">
+            <a:lvl9pPr marL="4114800" lvl="8" indent="-317500">
               <a:spcBef>
                 <a:spcPts val="0"/>
               </a:spcBef>
@@ -4165,15 +4596,19 @@
               <a:defRPr/>
             </a:lvl9pPr>
           </a:lstStyle>
-          <a:p/>
+          <a:p>
+            <a:endParaRPr/>
+          </a:p>
         </p:txBody>
       </p:sp>
       <p:sp>
         <p:nvSpPr>
           <p:cNvPr id="40" name="Google Shape;40;p9"/>
-          <p:cNvSpPr txBox="1"/>
+          <p:cNvSpPr txBox="1">
+            <a:spLocks noGrp="1"/>
+          </p:cNvSpPr>
           <p:nvPr>
-            <p:ph idx="12" type="sldNum"/>
+            <p:ph type="sldNum" idx="12"/>
           </p:nvPr>
         </p:nvSpPr>
         <p:spPr>
@@ -4186,7 +4621,7 @@
           </a:prstGeom>
         </p:spPr>
         <p:txBody>
-          <a:bodyPr anchorCtr="0" anchor="ctr" bIns="91425" lIns="91425" spcFirstLastPara="1" rIns="91425" wrap="square" tIns="91425">
+          <a:bodyPr spcFirstLastPara="1" wrap="square" lIns="91425" tIns="91425" rIns="91425" bIns="91425" anchor="ctr" anchorCtr="0">
             <a:normAutofit/>
           </a:bodyPr>
           <a:lstStyle>
@@ -4228,7 +4663,7 @@
             </a:lvl9pPr>
           </a:lstStyle>
           <a:p>
-            <a:pPr indent="0" lvl="0" marL="0" rtl="0" algn="r">
+            <a:pPr marL="0" lvl="0" indent="0" algn="r" rtl="0">
               <a:spcBef>
                 <a:spcPts val="0"/>
               </a:spcBef>
@@ -4254,11 +4689,11 @@
 </file>
 
 <file path=ppt/slideLayouts/slideLayout9.xml><?xml version="1.0" encoding="utf-8"?>
-<p:sldLayout xmlns:a="http://schemas.openxmlformats.org/drawingml/2006/main" xmlns:r="http://schemas.openxmlformats.org/officeDocument/2006/relationships" xmlns:mc="http://schemas.openxmlformats.org/markup-compatibility/2006" xmlns:mv="urn:schemas-microsoft-com:mac:vml" xmlns:p="http://schemas.openxmlformats.org/presentationml/2006/main" xmlns:c="http://schemas.openxmlformats.org/drawingml/2006/chart" xmlns:dgm="http://schemas.openxmlformats.org/drawingml/2006/diagram" xmlns:o="urn:schemas-microsoft-com:office:office" xmlns:v="urn:schemas-microsoft-com:vml" xmlns:pvml="urn:schemas-microsoft-com:office:powerpoint" xmlns:com="http://schemas.openxmlformats.org/drawingml/2006/compatibility" xmlns:p14="http://schemas.microsoft.com/office/powerpoint/2010/main" xmlns:p15="http://schemas.microsoft.com/office/powerpoint/2012/main" xmlns:ahyp="http://schemas.microsoft.com/office/drawing/2018/hyperlinkcolor" matchingName="Caption">
+<p:sldLayout xmlns:a="http://schemas.openxmlformats.org/drawingml/2006/main" xmlns:r="http://schemas.openxmlformats.org/officeDocument/2006/relationships" xmlns:p="http://schemas.openxmlformats.org/presentationml/2006/main" matchingName="Caption">
   <p:cSld name="CAPTION_ONLY">
     <p:spTree>
       <p:nvGrpSpPr>
-        <p:cNvPr id="41" name="Shape 41"/>
+        <p:cNvPr id="1" name="Shape 41"/>
         <p:cNvGrpSpPr/>
         <p:nvPr/>
       </p:nvGrpSpPr>
@@ -4273,9 +4708,11 @@
       <p:sp>
         <p:nvSpPr>
           <p:cNvPr id="42" name="Google Shape;42;p10"/>
-          <p:cNvSpPr txBox="1"/>
+          <p:cNvSpPr txBox="1">
+            <a:spLocks noGrp="1"/>
+          </p:cNvSpPr>
           <p:nvPr>
-            <p:ph idx="1" type="body"/>
+            <p:ph type="body" idx="1"/>
           </p:nvPr>
         </p:nvSpPr>
         <p:spPr>
@@ -4288,11 +4725,11 @@
           </a:prstGeom>
         </p:spPr>
         <p:txBody>
-          <a:bodyPr anchorCtr="0" anchor="ctr" bIns="91425" lIns="91425" spcFirstLastPara="1" rIns="91425" wrap="square" tIns="91425">
+          <a:bodyPr spcFirstLastPara="1" wrap="square" lIns="91425" tIns="91425" rIns="91425" bIns="91425" anchor="ctr" anchorCtr="0">
             <a:normAutofit/>
           </a:bodyPr>
           <a:lstStyle>
-            <a:lvl1pPr indent="-228600" lvl="0" marL="457200">
+            <a:lvl1pPr marL="457200" lvl="0" indent="-228600">
               <a:lnSpc>
                 <a:spcPct val="100000"/>
               </a:lnSpc>
@@ -4307,15 +4744,19 @@
               <a:defRPr/>
             </a:lvl1pPr>
           </a:lstStyle>
-          <a:p/>
+          <a:p>
+            <a:endParaRPr/>
+          </a:p>
         </p:txBody>
       </p:sp>
       <p:sp>
         <p:nvSpPr>
           <p:cNvPr id="43" name="Google Shape;43;p10"/>
-          <p:cNvSpPr txBox="1"/>
+          <p:cNvSpPr txBox="1">
+            <a:spLocks noGrp="1"/>
+          </p:cNvSpPr>
           <p:nvPr>
-            <p:ph idx="12" type="sldNum"/>
+            <p:ph type="sldNum" idx="12"/>
           </p:nvPr>
         </p:nvSpPr>
         <p:spPr>
@@ -4328,7 +4769,7 @@
           </a:prstGeom>
         </p:spPr>
         <p:txBody>
-          <a:bodyPr anchorCtr="0" anchor="ctr" bIns="91425" lIns="91425" spcFirstLastPara="1" rIns="91425" wrap="square" tIns="91425">
+          <a:bodyPr spcFirstLastPara="1" wrap="square" lIns="91425" tIns="91425" rIns="91425" bIns="91425" anchor="ctr" anchorCtr="0">
             <a:normAutofit/>
           </a:bodyPr>
           <a:lstStyle>
@@ -4370,7 +4811,7 @@
             </a:lvl9pPr>
           </a:lstStyle>
           <a:p>
-            <a:pPr indent="0" lvl="0" marL="0" rtl="0" algn="r">
+            <a:pPr marL="0" lvl="0" indent="0" algn="r" rtl="0">
               <a:spcBef>
                 <a:spcPts val="0"/>
               </a:spcBef>
@@ -4396,23 +4837,24 @@
 </file>
 
 <file path=ppt/slideMasters/slideMaster1.xml><?xml version="1.0" encoding="utf-8"?>
-<p:sldMaster xmlns:a="http://schemas.openxmlformats.org/drawingml/2006/main" xmlns:r="http://schemas.openxmlformats.org/officeDocument/2006/relationships" xmlns:mc="http://schemas.openxmlformats.org/markup-compatibility/2006" xmlns:mv="urn:schemas-microsoft-com:mac:vml" xmlns:p="http://schemas.openxmlformats.org/presentationml/2006/main" xmlns:c="http://schemas.openxmlformats.org/drawingml/2006/chart" xmlns:dgm="http://schemas.openxmlformats.org/drawingml/2006/diagram" xmlns:o="urn:schemas-microsoft-com:office:office" xmlns:v="urn:schemas-microsoft-com:vml" xmlns:pvml="urn:schemas-microsoft-com:office:powerpoint" xmlns:com="http://schemas.openxmlformats.org/drawingml/2006/compatibility" xmlns:p14="http://schemas.microsoft.com/office/powerpoint/2010/main" xmlns:p15="http://schemas.microsoft.com/office/powerpoint/2012/main" xmlns:ahyp="http://schemas.microsoft.com/office/drawing/2018/hyperlinkcolor">
+<p:sldMaster xmlns:a="http://schemas.openxmlformats.org/drawingml/2006/main" xmlns:r="http://schemas.openxmlformats.org/officeDocument/2006/relationships" xmlns:p="http://schemas.openxmlformats.org/presentationml/2006/main">
   <p:cSld name="simple-light-2">
     <p:bg>
       <p:bgPr>
         <a:blipFill>
-          <a:blip r:embed="rId1">
+          <a:blip r:embed="rId13">
             <a:alphaModFix/>
           </a:blip>
           <a:stretch>
             <a:fillRect/>
           </a:stretch>
         </a:blipFill>
+        <a:effectLst/>
       </p:bgPr>
     </p:bg>
     <p:spTree>
       <p:nvGrpSpPr>
-        <p:cNvPr id="5" name="Shape 5"/>
+        <p:cNvPr id="1" name="Shape 5"/>
         <p:cNvGrpSpPr/>
         <p:nvPr/>
       </p:nvGrpSpPr>
@@ -4427,7 +4869,9 @@
       <p:sp>
         <p:nvSpPr>
           <p:cNvPr id="6" name="Google Shape;6;p1"/>
-          <p:cNvSpPr txBox="1"/>
+          <p:cNvSpPr txBox="1">
+            <a:spLocks noGrp="1"/>
+          </p:cNvSpPr>
           <p:nvPr>
             <p:ph type="title"/>
           </p:nvPr>
@@ -4446,7 +4890,7 @@
           </a:ln>
         </p:spPr>
         <p:txBody>
-          <a:bodyPr anchorCtr="0" anchor="t" bIns="91425" lIns="91425" spcFirstLastPara="1" rIns="91425" wrap="square" tIns="91425">
+          <a:bodyPr spcFirstLastPara="1" wrap="square" lIns="91425" tIns="91425" rIns="91425" bIns="91425" anchor="t" anchorCtr="0">
             <a:normAutofit/>
           </a:bodyPr>
           <a:lstStyle>
@@ -4613,15 +5057,19 @@
               </a:defRPr>
             </a:lvl9pPr>
           </a:lstStyle>
-          <a:p/>
+          <a:p>
+            <a:endParaRPr/>
+          </a:p>
         </p:txBody>
       </p:sp>
       <p:sp>
         <p:nvSpPr>
           <p:cNvPr id="7" name="Google Shape;7;p1"/>
-          <p:cNvSpPr txBox="1"/>
+          <p:cNvSpPr txBox="1">
+            <a:spLocks noGrp="1"/>
+          </p:cNvSpPr>
           <p:nvPr>
-            <p:ph idx="1" type="body"/>
+            <p:ph type="body" idx="1"/>
           </p:nvPr>
         </p:nvSpPr>
         <p:spPr>
@@ -4638,11 +5086,11 @@
           </a:ln>
         </p:spPr>
         <p:txBody>
-          <a:bodyPr anchorCtr="0" anchor="t" bIns="91425" lIns="91425" spcFirstLastPara="1" rIns="91425" wrap="square" tIns="91425">
+          <a:bodyPr spcFirstLastPara="1" wrap="square" lIns="91425" tIns="91425" rIns="91425" bIns="91425" anchor="t" anchorCtr="0">
             <a:normAutofit/>
           </a:bodyPr>
           <a:lstStyle>
-            <a:lvl1pPr indent="-342900" lvl="0" marL="457200">
+            <a:lvl1pPr marL="457200" lvl="0" indent="-342900">
               <a:lnSpc>
                 <a:spcPct val="115000"/>
               </a:lnSpc>
@@ -4663,7 +5111,7 @@
                 </a:solidFill>
               </a:defRPr>
             </a:lvl1pPr>
-            <a:lvl2pPr indent="-317500" lvl="1" marL="914400">
+            <a:lvl2pPr marL="914400" lvl="1" indent="-317500">
               <a:lnSpc>
                 <a:spcPct val="115000"/>
               </a:lnSpc>
@@ -4684,7 +5132,7 @@
                 </a:solidFill>
               </a:defRPr>
             </a:lvl2pPr>
-            <a:lvl3pPr indent="-317500" lvl="2" marL="1371600">
+            <a:lvl3pPr marL="1371600" lvl="2" indent="-317500">
               <a:lnSpc>
                 <a:spcPct val="115000"/>
               </a:lnSpc>
@@ -4705,7 +5153,7 @@
                 </a:solidFill>
               </a:defRPr>
             </a:lvl3pPr>
-            <a:lvl4pPr indent="-317500" lvl="3" marL="1828800">
+            <a:lvl4pPr marL="1828800" lvl="3" indent="-317500">
               <a:lnSpc>
                 <a:spcPct val="115000"/>
               </a:lnSpc>
@@ -4726,7 +5174,7 @@
                 </a:solidFill>
               </a:defRPr>
             </a:lvl4pPr>
-            <a:lvl5pPr indent="-317500" lvl="4" marL="2286000">
+            <a:lvl5pPr marL="2286000" lvl="4" indent="-317500">
               <a:lnSpc>
                 <a:spcPct val="115000"/>
               </a:lnSpc>
@@ -4747,7 +5195,7 @@
                 </a:solidFill>
               </a:defRPr>
             </a:lvl5pPr>
-            <a:lvl6pPr indent="-317500" lvl="5" marL="2743200">
+            <a:lvl6pPr marL="2743200" lvl="5" indent="-317500">
               <a:lnSpc>
                 <a:spcPct val="115000"/>
               </a:lnSpc>
@@ -4768,7 +5216,7 @@
                 </a:solidFill>
               </a:defRPr>
             </a:lvl6pPr>
-            <a:lvl7pPr indent="-317500" lvl="6" marL="3200400">
+            <a:lvl7pPr marL="3200400" lvl="6" indent="-317500">
               <a:lnSpc>
                 <a:spcPct val="115000"/>
               </a:lnSpc>
@@ -4789,7 +5237,7 @@
                 </a:solidFill>
               </a:defRPr>
             </a:lvl7pPr>
-            <a:lvl8pPr indent="-317500" lvl="7" marL="3657600">
+            <a:lvl8pPr marL="3657600" lvl="7" indent="-317500">
               <a:lnSpc>
                 <a:spcPct val="115000"/>
               </a:lnSpc>
@@ -4810,7 +5258,7 @@
                 </a:solidFill>
               </a:defRPr>
             </a:lvl8pPr>
-            <a:lvl9pPr indent="-317500" lvl="8" marL="4114800">
+            <a:lvl9pPr marL="4114800" lvl="8" indent="-317500">
               <a:lnSpc>
                 <a:spcPct val="115000"/>
               </a:lnSpc>
@@ -4832,15 +5280,19 @@
               </a:defRPr>
             </a:lvl9pPr>
           </a:lstStyle>
-          <a:p/>
+          <a:p>
+            <a:endParaRPr/>
+          </a:p>
         </p:txBody>
       </p:sp>
       <p:sp>
         <p:nvSpPr>
           <p:cNvPr id="8" name="Google Shape;8;p1"/>
-          <p:cNvSpPr txBox="1"/>
+          <p:cNvSpPr txBox="1">
+            <a:spLocks noGrp="1"/>
+          </p:cNvSpPr>
           <p:nvPr>
-            <p:ph idx="12" type="sldNum"/>
+            <p:ph type="sldNum" idx="12"/>
           </p:nvPr>
         </p:nvSpPr>
         <p:spPr>
@@ -4857,7 +5309,7 @@
           </a:ln>
         </p:spPr>
         <p:txBody>
-          <a:bodyPr anchorCtr="0" anchor="ctr" bIns="91425" lIns="91425" spcFirstLastPara="1" rIns="91425" wrap="square" tIns="91425">
+          <a:bodyPr spcFirstLastPara="1" wrap="square" lIns="91425" tIns="91425" rIns="91425" bIns="91425" anchor="ctr" anchorCtr="0">
             <a:normAutofit/>
           </a:bodyPr>
           <a:lstStyle>
@@ -4935,7 +5387,7 @@
             </a:lvl9pPr>
           </a:lstStyle>
           <a:p>
-            <a:pPr indent="0" lvl="0" marL="0" rtl="0" algn="r">
+            <a:pPr marL="0" lvl="0" indent="0" algn="r" rtl="0">
               <a:spcBef>
                 <a:spcPts val="0"/>
               </a:spcBef>
@@ -4954,24 +5406,24 @@
       </p:sp>
     </p:spTree>
   </p:cSld>
-  <p:clrMap accent1="accent1" accent2="accent2" accent3="accent3" accent4="accent4" accent5="accent5" accent6="accent6" bg1="lt1" bg2="dk2" tx1="dk1" tx2="lt2" folHlink="folHlink" hlink="hlink"/>
+  <p:clrMap bg1="lt1" tx1="dk1" bg2="dk2" tx2="lt2" accent1="accent1" accent2="accent2" accent3="accent3" accent4="accent4" accent5="accent5" accent6="accent6" hlink="hlink" folHlink="folHlink"/>
   <p:sldLayoutIdLst>
-    <p:sldLayoutId id="2147483648" r:id="rId2"/>
-    <p:sldLayoutId id="2147483649" r:id="rId3"/>
-    <p:sldLayoutId id="2147483650" r:id="rId4"/>
-    <p:sldLayoutId id="2147483651" r:id="rId5"/>
-    <p:sldLayoutId id="2147483652" r:id="rId6"/>
-    <p:sldLayoutId id="2147483653" r:id="rId7"/>
-    <p:sldLayoutId id="2147483654" r:id="rId8"/>
-    <p:sldLayoutId id="2147483655" r:id="rId9"/>
-    <p:sldLayoutId id="2147483656" r:id="rId10"/>
-    <p:sldLayoutId id="2147483657" r:id="rId11"/>
-    <p:sldLayoutId id="2147483658" r:id="rId12"/>
+    <p:sldLayoutId id="2147483648" r:id="rId1"/>
+    <p:sldLayoutId id="2147483649" r:id="rId2"/>
+    <p:sldLayoutId id="2147483650" r:id="rId3"/>
+    <p:sldLayoutId id="2147483651" r:id="rId4"/>
+    <p:sldLayoutId id="2147483652" r:id="rId5"/>
+    <p:sldLayoutId id="2147483653" r:id="rId6"/>
+    <p:sldLayoutId id="2147483654" r:id="rId7"/>
+    <p:sldLayoutId id="2147483655" r:id="rId8"/>
+    <p:sldLayoutId id="2147483656" r:id="rId9"/>
+    <p:sldLayoutId id="2147483657" r:id="rId10"/>
+    <p:sldLayoutId id="2147483658" r:id="rId11"/>
   </p:sldLayoutIdLst>
-  <p:hf dt="0" ftr="0" hdr="0" sldNum="0"/>
+  <p:hf sldNum="0" hdr="0" ftr="0" dt="0"/>
   <p:txStyles>
     <p:titleStyle>
-      <a:defPPr lvl="0" marR="0" rtl="0" algn="l">
+      <a:defPPr marR="0" lvl="0" algn="l" rtl="0">
         <a:lnSpc>
           <a:spcPct val="100000"/>
         </a:lnSpc>
@@ -4982,7 +5434,7 @@
           <a:spcPts val="0"/>
         </a:spcAft>
       </a:defPPr>
-      <a:lvl1pPr lvl="0" marR="0" rtl="0" algn="l">
+      <a:lvl1pPr marR="0" lvl="0" algn="l" rtl="0">
         <a:lnSpc>
           <a:spcPct val="100000"/>
         </a:lnSpc>
@@ -4996,7 +5448,7 @@
           <a:srgbClr val="000000"/>
         </a:buClr>
         <a:buFont typeface="Arial"/>
-        <a:defRPr b="0" i="0" sz="1400" u="none" cap="none" strike="noStrike">
+        <a:defRPr sz="1400" b="0" i="0" u="none" strike="noStrike" cap="none">
           <a:solidFill>
             <a:srgbClr val="000000"/>
           </a:solidFill>
@@ -5006,7 +5458,7 @@
           <a:sym typeface="Arial"/>
         </a:defRPr>
       </a:lvl1pPr>
-      <a:lvl2pPr lvl="1" marR="0" rtl="0" algn="l">
+      <a:lvl2pPr marR="0" lvl="1" algn="l" rtl="0">
         <a:lnSpc>
           <a:spcPct val="100000"/>
         </a:lnSpc>
@@ -5020,7 +5472,7 @@
           <a:srgbClr val="000000"/>
         </a:buClr>
         <a:buFont typeface="Arial"/>
-        <a:defRPr b="0" i="0" sz="1400" u="none" cap="none" strike="noStrike">
+        <a:defRPr sz="1400" b="0" i="0" u="none" strike="noStrike" cap="none">
           <a:solidFill>
             <a:srgbClr val="000000"/>
           </a:solidFill>
@@ -5030,7 +5482,7 @@
           <a:sym typeface="Arial"/>
         </a:defRPr>
       </a:lvl2pPr>
-      <a:lvl3pPr lvl="2" marR="0" rtl="0" algn="l">
+      <a:lvl3pPr marR="0" lvl="2" algn="l" rtl="0">
         <a:lnSpc>
           <a:spcPct val="100000"/>
         </a:lnSpc>
@@ -5044,7 +5496,7 @@
           <a:srgbClr val="000000"/>
         </a:buClr>
         <a:buFont typeface="Arial"/>
-        <a:defRPr b="0" i="0" sz="1400" u="none" cap="none" strike="noStrike">
+        <a:defRPr sz="1400" b="0" i="0" u="none" strike="noStrike" cap="none">
           <a:solidFill>
             <a:srgbClr val="000000"/>
           </a:solidFill>
@@ -5054,7 +5506,7 @@
           <a:sym typeface="Arial"/>
         </a:defRPr>
       </a:lvl3pPr>
-      <a:lvl4pPr lvl="3" marR="0" rtl="0" algn="l">
+      <a:lvl4pPr marR="0" lvl="3" algn="l" rtl="0">
         <a:lnSpc>
           <a:spcPct val="100000"/>
         </a:lnSpc>
@@ -5068,7 +5520,7 @@
           <a:srgbClr val="000000"/>
         </a:buClr>
         <a:buFont typeface="Arial"/>
-        <a:defRPr b="0" i="0" sz="1400" u="none" cap="none" strike="noStrike">
+        <a:defRPr sz="1400" b="0" i="0" u="none" strike="noStrike" cap="none">
           <a:solidFill>
             <a:srgbClr val="000000"/>
           </a:solidFill>
@@ -5078,7 +5530,7 @@
           <a:sym typeface="Arial"/>
         </a:defRPr>
       </a:lvl4pPr>
-      <a:lvl5pPr lvl="4" marR="0" rtl="0" algn="l">
+      <a:lvl5pPr marR="0" lvl="4" algn="l" rtl="0">
         <a:lnSpc>
           <a:spcPct val="100000"/>
         </a:lnSpc>
@@ -5092,7 +5544,7 @@
           <a:srgbClr val="000000"/>
         </a:buClr>
         <a:buFont typeface="Arial"/>
-        <a:defRPr b="0" i="0" sz="1400" u="none" cap="none" strike="noStrike">
+        <a:defRPr sz="1400" b="0" i="0" u="none" strike="noStrike" cap="none">
           <a:solidFill>
             <a:srgbClr val="000000"/>
           </a:solidFill>
@@ -5102,7 +5554,7 @@
           <a:sym typeface="Arial"/>
         </a:defRPr>
       </a:lvl5pPr>
-      <a:lvl6pPr lvl="5" marR="0" rtl="0" algn="l">
+      <a:lvl6pPr marR="0" lvl="5" algn="l" rtl="0">
         <a:lnSpc>
           <a:spcPct val="100000"/>
         </a:lnSpc>
@@ -5116,7 +5568,7 @@
           <a:srgbClr val="000000"/>
         </a:buClr>
         <a:buFont typeface="Arial"/>
-        <a:defRPr b="0" i="0" sz="1400" u="none" cap="none" strike="noStrike">
+        <a:defRPr sz="1400" b="0" i="0" u="none" strike="noStrike" cap="none">
           <a:solidFill>
             <a:srgbClr val="000000"/>
           </a:solidFill>
@@ -5126,7 +5578,7 @@
           <a:sym typeface="Arial"/>
         </a:defRPr>
       </a:lvl6pPr>
-      <a:lvl7pPr lvl="6" marR="0" rtl="0" algn="l">
+      <a:lvl7pPr marR="0" lvl="6" algn="l" rtl="0">
         <a:lnSpc>
           <a:spcPct val="100000"/>
         </a:lnSpc>
@@ -5140,7 +5592,7 @@
           <a:srgbClr val="000000"/>
         </a:buClr>
         <a:buFont typeface="Arial"/>
-        <a:defRPr b="0" i="0" sz="1400" u="none" cap="none" strike="noStrike">
+        <a:defRPr sz="1400" b="0" i="0" u="none" strike="noStrike" cap="none">
           <a:solidFill>
             <a:srgbClr val="000000"/>
           </a:solidFill>
@@ -5150,7 +5602,7 @@
           <a:sym typeface="Arial"/>
         </a:defRPr>
       </a:lvl7pPr>
-      <a:lvl8pPr lvl="7" marR="0" rtl="0" algn="l">
+      <a:lvl8pPr marR="0" lvl="7" algn="l" rtl="0">
         <a:lnSpc>
           <a:spcPct val="100000"/>
         </a:lnSpc>
@@ -5164,7 +5616,7 @@
           <a:srgbClr val="000000"/>
         </a:buClr>
         <a:buFont typeface="Arial"/>
-        <a:defRPr b="0" i="0" sz="1400" u="none" cap="none" strike="noStrike">
+        <a:defRPr sz="1400" b="0" i="0" u="none" strike="noStrike" cap="none">
           <a:solidFill>
             <a:srgbClr val="000000"/>
           </a:solidFill>
@@ -5174,7 +5626,7 @@
           <a:sym typeface="Arial"/>
         </a:defRPr>
       </a:lvl8pPr>
-      <a:lvl9pPr lvl="8" marR="0" rtl="0" algn="l">
+      <a:lvl9pPr marR="0" lvl="8" algn="l" rtl="0">
         <a:lnSpc>
           <a:spcPct val="100000"/>
         </a:lnSpc>
@@ -5188,7 +5640,7 @@
           <a:srgbClr val="000000"/>
         </a:buClr>
         <a:buFont typeface="Arial"/>
-        <a:defRPr b="0" i="0" sz="1400" u="none" cap="none" strike="noStrike">
+        <a:defRPr sz="1400" b="0" i="0" u="none" strike="noStrike" cap="none">
           <a:solidFill>
             <a:srgbClr val="000000"/>
           </a:solidFill>
@@ -5200,7 +5652,7 @@
       </a:lvl9pPr>
     </p:titleStyle>
     <p:bodyStyle>
-      <a:defPPr lvl="0" marR="0" rtl="0" algn="l">
+      <a:defPPr marR="0" lvl="0" algn="l" rtl="0">
         <a:lnSpc>
           <a:spcPct val="100000"/>
         </a:lnSpc>
@@ -5211,7 +5663,7 @@
           <a:spcPts val="0"/>
         </a:spcAft>
       </a:defPPr>
-      <a:lvl1pPr lvl="0" marR="0" rtl="0" algn="l">
+      <a:lvl1pPr marR="0" lvl="0" algn="l" rtl="0">
         <a:lnSpc>
           <a:spcPct val="100000"/>
         </a:lnSpc>
@@ -5225,7 +5677,7 @@
           <a:srgbClr val="000000"/>
         </a:buClr>
         <a:buFont typeface="Arial"/>
-        <a:defRPr b="0" i="0" sz="1400" u="none" cap="none" strike="noStrike">
+        <a:defRPr sz="1400" b="0" i="0" u="none" strike="noStrike" cap="none">
           <a:solidFill>
             <a:srgbClr val="000000"/>
           </a:solidFill>
@@ -5235,7 +5687,7 @@
           <a:sym typeface="Arial"/>
         </a:defRPr>
       </a:lvl1pPr>
-      <a:lvl2pPr lvl="1" marR="0" rtl="0" algn="l">
+      <a:lvl2pPr marR="0" lvl="1" algn="l" rtl="0">
         <a:lnSpc>
           <a:spcPct val="100000"/>
         </a:lnSpc>
@@ -5249,7 +5701,7 @@
           <a:srgbClr val="000000"/>
         </a:buClr>
         <a:buFont typeface="Arial"/>
-        <a:defRPr b="0" i="0" sz="1400" u="none" cap="none" strike="noStrike">
+        <a:defRPr sz="1400" b="0" i="0" u="none" strike="noStrike" cap="none">
           <a:solidFill>
             <a:srgbClr val="000000"/>
           </a:solidFill>
@@ -5259,7 +5711,7 @@
           <a:sym typeface="Arial"/>
         </a:defRPr>
       </a:lvl2pPr>
-      <a:lvl3pPr lvl="2" marR="0" rtl="0" algn="l">
+      <a:lvl3pPr marR="0" lvl="2" algn="l" rtl="0">
         <a:lnSpc>
           <a:spcPct val="100000"/>
         </a:lnSpc>
@@ -5273,7 +5725,7 @@
           <a:srgbClr val="000000"/>
         </a:buClr>
         <a:buFont typeface="Arial"/>
-        <a:defRPr b="0" i="0" sz="1400" u="none" cap="none" strike="noStrike">
+        <a:defRPr sz="1400" b="0" i="0" u="none" strike="noStrike" cap="none">
           <a:solidFill>
             <a:srgbClr val="000000"/>
           </a:solidFill>
@@ -5283,7 +5735,7 @@
           <a:sym typeface="Arial"/>
         </a:defRPr>
       </a:lvl3pPr>
-      <a:lvl4pPr lvl="3" marR="0" rtl="0" algn="l">
+      <a:lvl4pPr marR="0" lvl="3" algn="l" rtl="0">
         <a:lnSpc>
           <a:spcPct val="100000"/>
         </a:lnSpc>
@@ -5297,7 +5749,7 @@
           <a:srgbClr val="000000"/>
         </a:buClr>
         <a:buFont typeface="Arial"/>
-        <a:defRPr b="0" i="0" sz="1400" u="none" cap="none" strike="noStrike">
+        <a:defRPr sz="1400" b="0" i="0" u="none" strike="noStrike" cap="none">
           <a:solidFill>
             <a:srgbClr val="000000"/>
           </a:solidFill>
@@ -5307,7 +5759,7 @@
           <a:sym typeface="Arial"/>
         </a:defRPr>
       </a:lvl4pPr>
-      <a:lvl5pPr lvl="4" marR="0" rtl="0" algn="l">
+      <a:lvl5pPr marR="0" lvl="4" algn="l" rtl="0">
         <a:lnSpc>
           <a:spcPct val="100000"/>
         </a:lnSpc>
@@ -5321,7 +5773,7 @@
           <a:srgbClr val="000000"/>
         </a:buClr>
         <a:buFont typeface="Arial"/>
-        <a:defRPr b="0" i="0" sz="1400" u="none" cap="none" strike="noStrike">
+        <a:defRPr sz="1400" b="0" i="0" u="none" strike="noStrike" cap="none">
           <a:solidFill>
             <a:srgbClr val="000000"/>
           </a:solidFill>
@@ -5331,7 +5783,7 @@
           <a:sym typeface="Arial"/>
         </a:defRPr>
       </a:lvl5pPr>
-      <a:lvl6pPr lvl="5" marR="0" rtl="0" algn="l">
+      <a:lvl6pPr marR="0" lvl="5" algn="l" rtl="0">
         <a:lnSpc>
           <a:spcPct val="100000"/>
         </a:lnSpc>
@@ -5345,7 +5797,7 @@
           <a:srgbClr val="000000"/>
         </a:buClr>
         <a:buFont typeface="Arial"/>
-        <a:defRPr b="0" i="0" sz="1400" u="none" cap="none" strike="noStrike">
+        <a:defRPr sz="1400" b="0" i="0" u="none" strike="noStrike" cap="none">
           <a:solidFill>
             <a:srgbClr val="000000"/>
           </a:solidFill>
@@ -5355,7 +5807,7 @@
           <a:sym typeface="Arial"/>
         </a:defRPr>
       </a:lvl6pPr>
-      <a:lvl7pPr lvl="6" marR="0" rtl="0" algn="l">
+      <a:lvl7pPr marR="0" lvl="6" algn="l" rtl="0">
         <a:lnSpc>
           <a:spcPct val="100000"/>
         </a:lnSpc>
@@ -5369,7 +5821,7 @@
           <a:srgbClr val="000000"/>
         </a:buClr>
         <a:buFont typeface="Arial"/>
-        <a:defRPr b="0" i="0" sz="1400" u="none" cap="none" strike="noStrike">
+        <a:defRPr sz="1400" b="0" i="0" u="none" strike="noStrike" cap="none">
           <a:solidFill>
             <a:srgbClr val="000000"/>
           </a:solidFill>
@@ -5379,7 +5831,7 @@
           <a:sym typeface="Arial"/>
         </a:defRPr>
       </a:lvl7pPr>
-      <a:lvl8pPr lvl="7" marR="0" rtl="0" algn="l">
+      <a:lvl8pPr marR="0" lvl="7" algn="l" rtl="0">
         <a:lnSpc>
           <a:spcPct val="100000"/>
         </a:lnSpc>
@@ -5393,7 +5845,7 @@
           <a:srgbClr val="000000"/>
         </a:buClr>
         <a:buFont typeface="Arial"/>
-        <a:defRPr b="0" i="0" sz="1400" u="none" cap="none" strike="noStrike">
+        <a:defRPr sz="1400" b="0" i="0" u="none" strike="noStrike" cap="none">
           <a:solidFill>
             <a:srgbClr val="000000"/>
           </a:solidFill>
@@ -5403,7 +5855,7 @@
           <a:sym typeface="Arial"/>
         </a:defRPr>
       </a:lvl8pPr>
-      <a:lvl9pPr lvl="8" marR="0" rtl="0" algn="l">
+      <a:lvl9pPr marR="0" lvl="8" algn="l" rtl="0">
         <a:lnSpc>
           <a:spcPct val="100000"/>
         </a:lnSpc>
@@ -5417,7 +5869,7 @@
           <a:srgbClr val="000000"/>
         </a:buClr>
         <a:buFont typeface="Arial"/>
-        <a:defRPr b="0" i="0" sz="1400" u="none" cap="none" strike="noStrike">
+        <a:defRPr sz="1400" b="0" i="0" u="none" strike="noStrike" cap="none">
           <a:solidFill>
             <a:srgbClr val="000000"/>
           </a:solidFill>
@@ -5429,7 +5881,7 @@
       </a:lvl9pPr>
     </p:bodyStyle>
     <p:otherStyle>
-      <a:defPPr lvl="0" marR="0" rtl="0" algn="l">
+      <a:defPPr marR="0" lvl="0" algn="l" rtl="0">
         <a:lnSpc>
           <a:spcPct val="100000"/>
         </a:lnSpc>
@@ -5440,7 +5892,7 @@
           <a:spcPts val="0"/>
         </a:spcAft>
       </a:defPPr>
-      <a:lvl1pPr lvl="0" marR="0" rtl="0" algn="l">
+      <a:lvl1pPr marR="0" lvl="0" algn="l" rtl="0">
         <a:lnSpc>
           <a:spcPct val="100000"/>
         </a:lnSpc>
@@ -5454,7 +5906,7 @@
           <a:srgbClr val="000000"/>
         </a:buClr>
         <a:buFont typeface="Arial"/>
-        <a:defRPr b="0" i="0" sz="1400" u="none" cap="none" strike="noStrike">
+        <a:defRPr sz="1400" b="0" i="0" u="none" strike="noStrike" cap="none">
           <a:solidFill>
             <a:srgbClr val="000000"/>
           </a:solidFill>
@@ -5464,7 +5916,7 @@
           <a:sym typeface="Arial"/>
         </a:defRPr>
       </a:lvl1pPr>
-      <a:lvl2pPr lvl="1" marR="0" rtl="0" algn="l">
+      <a:lvl2pPr marR="0" lvl="1" algn="l" rtl="0">
         <a:lnSpc>
           <a:spcPct val="100000"/>
         </a:lnSpc>
@@ -5478,7 +5930,7 @@
           <a:srgbClr val="000000"/>
         </a:buClr>
         <a:buFont typeface="Arial"/>
-        <a:defRPr b="0" i="0" sz="1400" u="none" cap="none" strike="noStrike">
+        <a:defRPr sz="1400" b="0" i="0" u="none" strike="noStrike" cap="none">
           <a:solidFill>
             <a:srgbClr val="000000"/>
           </a:solidFill>
@@ -5488,7 +5940,7 @@
           <a:sym typeface="Arial"/>
         </a:defRPr>
       </a:lvl2pPr>
-      <a:lvl3pPr lvl="2" marR="0" rtl="0" algn="l">
+      <a:lvl3pPr marR="0" lvl="2" algn="l" rtl="0">
         <a:lnSpc>
           <a:spcPct val="100000"/>
         </a:lnSpc>
@@ -5502,7 +5954,7 @@
           <a:srgbClr val="000000"/>
         </a:buClr>
         <a:buFont typeface="Arial"/>
-        <a:defRPr b="0" i="0" sz="1400" u="none" cap="none" strike="noStrike">
+        <a:defRPr sz="1400" b="0" i="0" u="none" strike="noStrike" cap="none">
           <a:solidFill>
             <a:srgbClr val="000000"/>
           </a:solidFill>
@@ -5512,7 +5964,7 @@
           <a:sym typeface="Arial"/>
         </a:defRPr>
       </a:lvl3pPr>
-      <a:lvl4pPr lvl="3" marR="0" rtl="0" algn="l">
+      <a:lvl4pPr marR="0" lvl="3" algn="l" rtl="0">
         <a:lnSpc>
           <a:spcPct val="100000"/>
         </a:lnSpc>
@@ -5526,7 +5978,7 @@
           <a:srgbClr val="000000"/>
         </a:buClr>
         <a:buFont typeface="Arial"/>
-        <a:defRPr b="0" i="0" sz="1400" u="none" cap="none" strike="noStrike">
+        <a:defRPr sz="1400" b="0" i="0" u="none" strike="noStrike" cap="none">
           <a:solidFill>
             <a:srgbClr val="000000"/>
           </a:solidFill>
@@ -5536,7 +5988,7 @@
           <a:sym typeface="Arial"/>
         </a:defRPr>
       </a:lvl4pPr>
-      <a:lvl5pPr lvl="4" marR="0" rtl="0" algn="l">
+      <a:lvl5pPr marR="0" lvl="4" algn="l" rtl="0">
         <a:lnSpc>
           <a:spcPct val="100000"/>
         </a:lnSpc>
@@ -5550,7 +6002,7 @@
           <a:srgbClr val="000000"/>
         </a:buClr>
         <a:buFont typeface="Arial"/>
-        <a:defRPr b="0" i="0" sz="1400" u="none" cap="none" strike="noStrike">
+        <a:defRPr sz="1400" b="0" i="0" u="none" strike="noStrike" cap="none">
           <a:solidFill>
             <a:srgbClr val="000000"/>
           </a:solidFill>
@@ -5560,7 +6012,7 @@
           <a:sym typeface="Arial"/>
         </a:defRPr>
       </a:lvl5pPr>
-      <a:lvl6pPr lvl="5" marR="0" rtl="0" algn="l">
+      <a:lvl6pPr marR="0" lvl="5" algn="l" rtl="0">
         <a:lnSpc>
           <a:spcPct val="100000"/>
         </a:lnSpc>
@@ -5574,7 +6026,7 @@
           <a:srgbClr val="000000"/>
         </a:buClr>
         <a:buFont typeface="Arial"/>
-        <a:defRPr b="0" i="0" sz="1400" u="none" cap="none" strike="noStrike">
+        <a:defRPr sz="1400" b="0" i="0" u="none" strike="noStrike" cap="none">
           <a:solidFill>
             <a:srgbClr val="000000"/>
           </a:solidFill>
@@ -5584,7 +6036,7 @@
           <a:sym typeface="Arial"/>
         </a:defRPr>
       </a:lvl6pPr>
-      <a:lvl7pPr lvl="6" marR="0" rtl="0" algn="l">
+      <a:lvl7pPr marR="0" lvl="6" algn="l" rtl="0">
         <a:lnSpc>
           <a:spcPct val="100000"/>
         </a:lnSpc>
@@ -5598,7 +6050,7 @@
           <a:srgbClr val="000000"/>
         </a:buClr>
         <a:buFont typeface="Arial"/>
-        <a:defRPr b="0" i="0" sz="1400" u="none" cap="none" strike="noStrike">
+        <a:defRPr sz="1400" b="0" i="0" u="none" strike="noStrike" cap="none">
           <a:solidFill>
             <a:srgbClr val="000000"/>
           </a:solidFill>
@@ -5608,7 +6060,7 @@
           <a:sym typeface="Arial"/>
         </a:defRPr>
       </a:lvl7pPr>
-      <a:lvl8pPr lvl="7" marR="0" rtl="0" algn="l">
+      <a:lvl8pPr marR="0" lvl="7" algn="l" rtl="0">
         <a:lnSpc>
           <a:spcPct val="100000"/>
         </a:lnSpc>
@@ -5622,7 +6074,7 @@
           <a:srgbClr val="000000"/>
         </a:buClr>
         <a:buFont typeface="Arial"/>
-        <a:defRPr b="0" i="0" sz="1400" u="none" cap="none" strike="noStrike">
+        <a:defRPr sz="1400" b="0" i="0" u="none" strike="noStrike" cap="none">
           <a:solidFill>
             <a:srgbClr val="000000"/>
           </a:solidFill>
@@ -5632,7 +6084,7 @@
           <a:sym typeface="Arial"/>
         </a:defRPr>
       </a:lvl8pPr>
-      <a:lvl9pPr lvl="8" marR="0" rtl="0" algn="l">
+      <a:lvl9pPr marR="0" lvl="8" algn="l" rtl="0">
         <a:lnSpc>
           <a:spcPct val="100000"/>
         </a:lnSpc>
@@ -5646,7 +6098,7 @@
           <a:srgbClr val="000000"/>
         </a:buClr>
         <a:buFont typeface="Arial"/>
-        <a:defRPr b="0" i="0" sz="1400" u="none" cap="none" strike="noStrike">
+        <a:defRPr sz="1400" b="0" i="0" u="none" strike="noStrike" cap="none">
           <a:solidFill>
             <a:srgbClr val="000000"/>
           </a:solidFill>
@@ -5662,11 +6114,703 @@
 </file>
 
 <file path=ppt/slides/slide1.xml><?xml version="1.0" encoding="utf-8"?>
-<p:sld xmlns:a="http://schemas.openxmlformats.org/drawingml/2006/main" xmlns:r="http://schemas.openxmlformats.org/officeDocument/2006/relationships" xmlns:mc="http://schemas.openxmlformats.org/markup-compatibility/2006" xmlns:mv="urn:schemas-microsoft-com:mac:vml" xmlns:p="http://schemas.openxmlformats.org/presentationml/2006/main" xmlns:c="http://schemas.openxmlformats.org/drawingml/2006/chart" xmlns:dgm="http://schemas.openxmlformats.org/drawingml/2006/diagram" xmlns:o="urn:schemas-microsoft-com:office:office" xmlns:v="urn:schemas-microsoft-com:vml" xmlns:pvml="urn:schemas-microsoft-com:office:powerpoint" xmlns:com="http://schemas.openxmlformats.org/drawingml/2006/compatibility" xmlns:p14="http://schemas.microsoft.com/office/powerpoint/2010/main" xmlns:p15="http://schemas.microsoft.com/office/powerpoint/2012/main" xmlns:ahyp="http://schemas.microsoft.com/office/drawing/2018/hyperlinkcolor">
+<p:sld xmlns:a="http://schemas.openxmlformats.org/drawingml/2006/main" xmlns:r="http://schemas.openxmlformats.org/officeDocument/2006/relationships" xmlns:p="http://schemas.openxmlformats.org/presentationml/2006/main">
   <p:cSld>
     <p:spTree>
       <p:nvGrpSpPr>
-        <p:cNvPr id="53" name="Shape 53"/>
+        <p:cNvPr id="1" name="Shape 98"/>
+        <p:cNvGrpSpPr/>
+        <p:nvPr/>
+      </p:nvGrpSpPr>
+      <p:grpSpPr>
+        <a:xfrm>
+          <a:off x="0" y="0"/>
+          <a:ext cx="0" cy="0"/>
+          <a:chOff x="0" y="0"/>
+          <a:chExt cx="0" cy="0"/>
+        </a:xfrm>
+      </p:grpSpPr>
+      <p:sp>
+        <p:nvSpPr>
+          <p:cNvPr id="99" name="Google Shape;99;p25"/>
+          <p:cNvSpPr txBox="1">
+            <a:spLocks noGrp="1"/>
+          </p:cNvSpPr>
+          <p:nvPr>
+            <p:ph type="ctrTitle"/>
+          </p:nvPr>
+        </p:nvSpPr>
+        <p:spPr>
+          <a:xfrm>
+            <a:off x="311700" y="1161800"/>
+            <a:ext cx="3736800" cy="2007900"/>
+          </a:xfrm>
+          <a:prstGeom prst="rect">
+            <a:avLst/>
+          </a:prstGeom>
+        </p:spPr>
+        <p:txBody>
+          <a:bodyPr spcFirstLastPara="1" wrap="square" lIns="91425" tIns="91425" rIns="91425" bIns="91425" anchor="b" anchorCtr="0">
+            <a:noAutofit/>
+          </a:bodyPr>
+          <a:lstStyle/>
+          <a:p>
+            <a:pPr marL="0" lvl="0" indent="0" algn="ctr" rtl="0">
+              <a:spcBef>
+                <a:spcPts val="0"/>
+              </a:spcBef>
+              <a:spcAft>
+                <a:spcPts val="0"/>
+              </a:spcAft>
+              <a:buSzPts val="990"/>
+              <a:buNone/>
+            </a:pPr>
+            <a:r>
+              <a:rPr lang="en" sz="3180">
+                <a:latin typeface="Dosis"/>
+                <a:ea typeface="Dosis"/>
+                <a:cs typeface="Dosis"/>
+                <a:sym typeface="Dosis"/>
+              </a:rPr>
+              <a:t>Investigate Business Hotel using Data Visualization</a:t>
+            </a:r>
+            <a:endParaRPr sz="3180">
+              <a:latin typeface="Dosis"/>
+              <a:ea typeface="Dosis"/>
+              <a:cs typeface="Dosis"/>
+              <a:sym typeface="Dosis"/>
+            </a:endParaRPr>
+          </a:p>
+          <a:p>
+            <a:pPr marL="0" lvl="0" indent="0" algn="ctr" rtl="0">
+              <a:spcBef>
+                <a:spcPts val="0"/>
+              </a:spcBef>
+              <a:spcAft>
+                <a:spcPts val="0"/>
+              </a:spcAft>
+              <a:buSzPts val="990"/>
+              <a:buNone/>
+            </a:pPr>
+            <a:endParaRPr sz="3180">
+              <a:latin typeface="Dosis"/>
+              <a:ea typeface="Dosis"/>
+              <a:cs typeface="Dosis"/>
+              <a:sym typeface="Dosis"/>
+            </a:endParaRPr>
+          </a:p>
+        </p:txBody>
+      </p:sp>
+      <p:sp>
+        <p:nvSpPr>
+          <p:cNvPr id="4" name="Google Shape;100;p25">
+            <a:extLst>
+              <a:ext uri="{FF2B5EF4-FFF2-40B4-BE49-F238E27FC236}">
+                <a16:creationId xmlns:a16="http://schemas.microsoft.com/office/drawing/2014/main" id="{66CC1A49-CECB-6A0D-6CE1-C86E1CB106B1}"/>
+              </a:ext>
+            </a:extLst>
+          </p:cNvPr>
+          <p:cNvSpPr txBox="1"/>
+          <p:nvPr/>
+        </p:nvSpPr>
+        <p:spPr>
+          <a:xfrm>
+            <a:off x="5959950" y="908900"/>
+            <a:ext cx="2803050" cy="1051518"/>
+          </a:xfrm>
+          <a:prstGeom prst="rect">
+            <a:avLst/>
+          </a:prstGeom>
+          <a:noFill/>
+          <a:ln>
+            <a:noFill/>
+          </a:ln>
+        </p:spPr>
+        <p:txBody>
+          <a:bodyPr spcFirstLastPara="1" wrap="square" lIns="68575" tIns="34275" rIns="68575" bIns="34275" anchor="t" anchorCtr="0">
+            <a:noAutofit/>
+          </a:bodyPr>
+          <a:lstStyle/>
+          <a:p>
+            <a:pPr marL="0" marR="0" lvl="0" indent="0" algn="l" rtl="0">
+              <a:lnSpc>
+                <a:spcPct val="100000"/>
+              </a:lnSpc>
+              <a:spcBef>
+                <a:spcPts val="0"/>
+              </a:spcBef>
+              <a:spcAft>
+                <a:spcPts val="0"/>
+              </a:spcAft>
+              <a:buClr>
+                <a:srgbClr val="000000"/>
+              </a:buClr>
+              <a:buSzPts val="1100"/>
+              <a:buFont typeface="Arial"/>
+              <a:buNone/>
+            </a:pPr>
+            <a:r>
+              <a:rPr lang="en" sz="1200" b="1" dirty="0">
+                <a:latin typeface="Dosis"/>
+                <a:ea typeface="Dosis"/>
+                <a:cs typeface="Dosis"/>
+                <a:sym typeface="Dosis"/>
+              </a:rPr>
+              <a:t>Created by: </a:t>
+            </a:r>
+            <a:endParaRPr sz="1200" b="1" dirty="0">
+              <a:latin typeface="Dosis"/>
+              <a:ea typeface="Dosis"/>
+              <a:cs typeface="Dosis"/>
+              <a:sym typeface="Dosis"/>
+            </a:endParaRPr>
+          </a:p>
+          <a:p>
+            <a:pPr marL="0" marR="0" lvl="0" indent="0" algn="l" rtl="0">
+              <a:lnSpc>
+                <a:spcPct val="100000"/>
+              </a:lnSpc>
+              <a:spcBef>
+                <a:spcPts val="0"/>
+              </a:spcBef>
+              <a:spcAft>
+                <a:spcPts val="0"/>
+              </a:spcAft>
+              <a:buClr>
+                <a:srgbClr val="000000"/>
+              </a:buClr>
+              <a:buSzPts val="1100"/>
+              <a:buFont typeface="Arial"/>
+              <a:buNone/>
+            </a:pPr>
+            <a:r>
+              <a:rPr lang="en-US" sz="1200" b="1" dirty="0">
+                <a:latin typeface="Dosis"/>
+                <a:ea typeface="Dosis"/>
+                <a:cs typeface="Dosis"/>
+                <a:sym typeface="Dosis"/>
+              </a:rPr>
+              <a:t>Muhammad Cikal Merdeka</a:t>
+            </a:r>
+            <a:endParaRPr sz="1200" b="1" i="0" u="none" strike="noStrike" cap="none" dirty="0">
+              <a:solidFill>
+                <a:srgbClr val="000000"/>
+              </a:solidFill>
+              <a:latin typeface="Dosis"/>
+              <a:ea typeface="Dosis"/>
+              <a:cs typeface="Dosis"/>
+              <a:sym typeface="Dosis"/>
+            </a:endParaRPr>
+          </a:p>
+          <a:p>
+            <a:pPr marL="0" marR="0" lvl="0" indent="0" algn="l" rtl="0">
+              <a:lnSpc>
+                <a:spcPct val="100000"/>
+              </a:lnSpc>
+              <a:spcBef>
+                <a:spcPts val="0"/>
+              </a:spcBef>
+              <a:spcAft>
+                <a:spcPts val="0"/>
+              </a:spcAft>
+              <a:buClr>
+                <a:srgbClr val="000000"/>
+              </a:buClr>
+              <a:buSzPts val="1100"/>
+              <a:buFont typeface="Arial"/>
+              <a:buNone/>
+            </a:pPr>
+            <a:r>
+              <a:rPr lang="en-US" sz="1200" b="1" dirty="0">
+                <a:latin typeface="Dosis"/>
+                <a:ea typeface="Dosis"/>
+                <a:cs typeface="Dosis"/>
+                <a:sym typeface="Dosis"/>
+              </a:rPr>
+              <a:t>Email : </a:t>
+            </a:r>
+            <a:r>
+              <a:rPr lang="en-US" sz="1200" b="1" dirty="0">
+                <a:latin typeface="Dosis"/>
+                <a:ea typeface="Dosis"/>
+                <a:cs typeface="Dosis"/>
+                <a:sym typeface="Dosis"/>
+                <a:hlinkClick r:id="rId3"/>
+              </a:rPr>
+              <a:t>mcikalmerdeka@gmail.com</a:t>
+            </a:r>
+            <a:endParaRPr sz="1200" b="1" dirty="0">
+              <a:latin typeface="Dosis"/>
+              <a:ea typeface="Dosis"/>
+              <a:cs typeface="Dosis"/>
+              <a:sym typeface="Dosis"/>
+            </a:endParaRPr>
+          </a:p>
+          <a:p>
+            <a:pPr marL="0" marR="0" lvl="0" indent="0" algn="l" rtl="0">
+              <a:lnSpc>
+                <a:spcPct val="100000"/>
+              </a:lnSpc>
+              <a:spcBef>
+                <a:spcPts val="0"/>
+              </a:spcBef>
+              <a:spcAft>
+                <a:spcPts val="0"/>
+              </a:spcAft>
+              <a:buClr>
+                <a:srgbClr val="000000"/>
+              </a:buClr>
+              <a:buSzPts val="1100"/>
+              <a:buFont typeface="Arial"/>
+              <a:buNone/>
+            </a:pPr>
+            <a:r>
+              <a:rPr lang="en" sz="1200" b="1" dirty="0">
+                <a:latin typeface="Dosis"/>
+                <a:ea typeface="Dosis"/>
+                <a:cs typeface="Dosis"/>
+                <a:sym typeface="Dosis"/>
+              </a:rPr>
+              <a:t>LinkedIn : </a:t>
+            </a:r>
+            <a:r>
+              <a:rPr lang="en-ID" sz="1200" b="1" dirty="0">
+                <a:latin typeface="Dosis"/>
+                <a:ea typeface="Dosis"/>
+                <a:cs typeface="Dosis"/>
+                <a:sym typeface="Dosis"/>
+                <a:hlinkClick r:id="rId4"/>
+              </a:rPr>
+              <a:t>linkedin.com/in/</a:t>
+            </a:r>
+            <a:r>
+              <a:rPr lang="en-ID" sz="1200" b="1" dirty="0" err="1">
+                <a:latin typeface="Dosis"/>
+                <a:ea typeface="Dosis"/>
+                <a:cs typeface="Dosis"/>
+                <a:sym typeface="Dosis"/>
+                <a:hlinkClick r:id="rId4"/>
+              </a:rPr>
+              <a:t>mcikalmerdeka</a:t>
+            </a:r>
+            <a:endParaRPr lang="en" sz="1200" b="1" dirty="0">
+              <a:latin typeface="Dosis"/>
+              <a:ea typeface="Dosis"/>
+              <a:cs typeface="Dosis"/>
+              <a:sym typeface="Dosis"/>
+            </a:endParaRPr>
+          </a:p>
+          <a:p>
+            <a:pPr marL="0" marR="0" lvl="0" indent="0" algn="l" rtl="0">
+              <a:lnSpc>
+                <a:spcPct val="100000"/>
+              </a:lnSpc>
+              <a:spcBef>
+                <a:spcPts val="0"/>
+              </a:spcBef>
+              <a:spcAft>
+                <a:spcPts val="0"/>
+              </a:spcAft>
+              <a:buClr>
+                <a:srgbClr val="000000"/>
+              </a:buClr>
+              <a:buSzPts val="1100"/>
+              <a:buFont typeface="Arial"/>
+              <a:buNone/>
+            </a:pPr>
+            <a:r>
+              <a:rPr lang="en" sz="1200" b="1" dirty="0">
+                <a:latin typeface="Dosis"/>
+                <a:ea typeface="Dosis"/>
+                <a:cs typeface="Dosis"/>
+                <a:sym typeface="Dosis"/>
+              </a:rPr>
+              <a:t>Github : </a:t>
+            </a:r>
+            <a:r>
+              <a:rPr lang="en-ID" sz="1200" b="1" dirty="0">
+                <a:latin typeface="Dosis"/>
+                <a:ea typeface="Dosis"/>
+                <a:cs typeface="Dosis"/>
+                <a:sym typeface="Dosis"/>
+                <a:hlinkClick r:id="rId5"/>
+              </a:rPr>
+              <a:t>github.com/mcikalmerdeka</a:t>
+            </a:r>
+            <a:endParaRPr lang="en" sz="1200" b="1" dirty="0">
+              <a:latin typeface="Dosis"/>
+              <a:ea typeface="Dosis"/>
+              <a:cs typeface="Dosis"/>
+              <a:sym typeface="Dosis"/>
+            </a:endParaRPr>
+          </a:p>
+        </p:txBody>
+      </p:sp>
+      <p:pic>
+        <p:nvPicPr>
+          <p:cNvPr id="5" name="Google Shape;101;p25">
+            <a:extLst>
+              <a:ext uri="{FF2B5EF4-FFF2-40B4-BE49-F238E27FC236}">
+                <a16:creationId xmlns:a16="http://schemas.microsoft.com/office/drawing/2014/main" id="{E32374F3-91F5-D5A6-1272-05F41930CCFF}"/>
+              </a:ext>
+            </a:extLst>
+          </p:cNvPr>
+          <p:cNvPicPr preferRelativeResize="0"/>
+          <p:nvPr/>
+        </p:nvPicPr>
+        <p:blipFill>
+          <a:blip r:embed="rId6"/>
+          <a:srcRect l="8110" r="8110"/>
+          <a:stretch/>
+        </p:blipFill>
+        <p:spPr>
+          <a:xfrm>
+            <a:off x="4665150" y="685600"/>
+            <a:ext cx="1218600" cy="1218600"/>
+          </a:xfrm>
+          <a:prstGeom prst="roundRect">
+            <a:avLst>
+              <a:gd name="adj" fmla="val 50000"/>
+            </a:avLst>
+          </a:prstGeom>
+          <a:noFill/>
+          <a:ln w="9525" cap="flat" cmpd="sng">
+            <a:solidFill>
+              <a:schemeClr val="dk1"/>
+            </a:solidFill>
+            <a:prstDash val="solid"/>
+            <a:round/>
+            <a:headEnd type="none" w="sm" len="sm"/>
+            <a:tailEnd type="none" w="sm" len="sm"/>
+          </a:ln>
+        </p:spPr>
+      </p:pic>
+      <p:sp>
+        <p:nvSpPr>
+          <p:cNvPr id="6" name="Google Shape;102;p25">
+            <a:extLst>
+              <a:ext uri="{FF2B5EF4-FFF2-40B4-BE49-F238E27FC236}">
+                <a16:creationId xmlns:a16="http://schemas.microsoft.com/office/drawing/2014/main" id="{C295C0EC-0380-334C-B8BB-FCCB4260F145}"/>
+              </a:ext>
+            </a:extLst>
+          </p:cNvPr>
+          <p:cNvSpPr txBox="1">
+            <a:spLocks/>
+          </p:cNvSpPr>
+          <p:nvPr/>
+        </p:nvSpPr>
+        <p:spPr>
+          <a:xfrm>
+            <a:off x="4665150" y="2159900"/>
+            <a:ext cx="4167000" cy="2298000"/>
+          </a:xfrm>
+          <a:prstGeom prst="rect">
+            <a:avLst/>
+          </a:prstGeom>
+          <a:noFill/>
+          <a:ln>
+            <a:noFill/>
+          </a:ln>
+        </p:spPr>
+        <p:txBody>
+          <a:bodyPr spcFirstLastPara="1" wrap="square" lIns="91425" tIns="91425" rIns="91425" bIns="91425" anchor="t" anchorCtr="0">
+            <a:noAutofit/>
+          </a:bodyPr>
+          <a:lstStyle>
+            <a:defPPr marR="0" lvl="0" algn="l" rtl="0">
+              <a:lnSpc>
+                <a:spcPct val="100000"/>
+              </a:lnSpc>
+              <a:spcBef>
+                <a:spcPts val="0"/>
+              </a:spcBef>
+              <a:spcAft>
+                <a:spcPts val="0"/>
+              </a:spcAft>
+            </a:defPPr>
+            <a:lvl1pPr marL="457200" marR="0" lvl="0" indent="-342900" algn="ctr" rtl="0">
+              <a:lnSpc>
+                <a:spcPct val="100000"/>
+              </a:lnSpc>
+              <a:spcBef>
+                <a:spcPts val="0"/>
+              </a:spcBef>
+              <a:spcAft>
+                <a:spcPts val="0"/>
+              </a:spcAft>
+              <a:buClr>
+                <a:schemeClr val="dk1"/>
+              </a:buClr>
+              <a:buSzPts val="1200"/>
+              <a:buFont typeface="Arial"/>
+              <a:buNone/>
+              <a:defRPr sz="1200" b="0" i="0" u="none" strike="noStrike" cap="none">
+                <a:solidFill>
+                  <a:schemeClr val="dk1"/>
+                </a:solidFill>
+                <a:latin typeface="Arial"/>
+                <a:ea typeface="Arial"/>
+                <a:cs typeface="Arial"/>
+                <a:sym typeface="Arial"/>
+              </a:defRPr>
+            </a:lvl1pPr>
+            <a:lvl2pPr marL="914400" marR="0" lvl="1" indent="-317500" algn="ctr" rtl="0">
+              <a:lnSpc>
+                <a:spcPct val="100000"/>
+              </a:lnSpc>
+              <a:spcBef>
+                <a:spcPts val="0"/>
+              </a:spcBef>
+              <a:spcAft>
+                <a:spcPts val="0"/>
+              </a:spcAft>
+              <a:buClr>
+                <a:schemeClr val="dk1"/>
+              </a:buClr>
+              <a:buSzPts val="1200"/>
+              <a:buFont typeface="Arial"/>
+              <a:buNone/>
+              <a:defRPr sz="1200" b="0" i="0" u="none" strike="noStrike" cap="none">
+                <a:solidFill>
+                  <a:schemeClr val="dk1"/>
+                </a:solidFill>
+                <a:latin typeface="Arial"/>
+                <a:ea typeface="Arial"/>
+                <a:cs typeface="Arial"/>
+                <a:sym typeface="Arial"/>
+              </a:defRPr>
+            </a:lvl2pPr>
+            <a:lvl3pPr marL="1371600" marR="0" lvl="2" indent="-317500" algn="ctr" rtl="0">
+              <a:lnSpc>
+                <a:spcPct val="100000"/>
+              </a:lnSpc>
+              <a:spcBef>
+                <a:spcPts val="0"/>
+              </a:spcBef>
+              <a:spcAft>
+                <a:spcPts val="0"/>
+              </a:spcAft>
+              <a:buClr>
+                <a:schemeClr val="dk1"/>
+              </a:buClr>
+              <a:buSzPts val="1200"/>
+              <a:buFont typeface="Arial"/>
+              <a:buNone/>
+              <a:defRPr sz="1200" b="0" i="0" u="none" strike="noStrike" cap="none">
+                <a:solidFill>
+                  <a:schemeClr val="dk1"/>
+                </a:solidFill>
+                <a:latin typeface="Arial"/>
+                <a:ea typeface="Arial"/>
+                <a:cs typeface="Arial"/>
+                <a:sym typeface="Arial"/>
+              </a:defRPr>
+            </a:lvl3pPr>
+            <a:lvl4pPr marL="1828800" marR="0" lvl="3" indent="-317500" algn="ctr" rtl="0">
+              <a:lnSpc>
+                <a:spcPct val="100000"/>
+              </a:lnSpc>
+              <a:spcBef>
+                <a:spcPts val="0"/>
+              </a:spcBef>
+              <a:spcAft>
+                <a:spcPts val="0"/>
+              </a:spcAft>
+              <a:buClr>
+                <a:schemeClr val="dk1"/>
+              </a:buClr>
+              <a:buSzPts val="1200"/>
+              <a:buFont typeface="Arial"/>
+              <a:buNone/>
+              <a:defRPr sz="1200" b="0" i="0" u="none" strike="noStrike" cap="none">
+                <a:solidFill>
+                  <a:schemeClr val="dk1"/>
+                </a:solidFill>
+                <a:latin typeface="Arial"/>
+                <a:ea typeface="Arial"/>
+                <a:cs typeface="Arial"/>
+                <a:sym typeface="Arial"/>
+              </a:defRPr>
+            </a:lvl4pPr>
+            <a:lvl5pPr marL="2286000" marR="0" lvl="4" indent="-317500" algn="ctr" rtl="0">
+              <a:lnSpc>
+                <a:spcPct val="100000"/>
+              </a:lnSpc>
+              <a:spcBef>
+                <a:spcPts val="0"/>
+              </a:spcBef>
+              <a:spcAft>
+                <a:spcPts val="0"/>
+              </a:spcAft>
+              <a:buClr>
+                <a:schemeClr val="dk1"/>
+              </a:buClr>
+              <a:buSzPts val="1200"/>
+              <a:buFont typeface="Arial"/>
+              <a:buNone/>
+              <a:defRPr sz="1200" b="0" i="0" u="none" strike="noStrike" cap="none">
+                <a:solidFill>
+                  <a:schemeClr val="dk1"/>
+                </a:solidFill>
+                <a:latin typeface="Arial"/>
+                <a:ea typeface="Arial"/>
+                <a:cs typeface="Arial"/>
+                <a:sym typeface="Arial"/>
+              </a:defRPr>
+            </a:lvl5pPr>
+            <a:lvl6pPr marL="2743200" marR="0" lvl="5" indent="-317500" algn="ctr" rtl="0">
+              <a:lnSpc>
+                <a:spcPct val="100000"/>
+              </a:lnSpc>
+              <a:spcBef>
+                <a:spcPts val="0"/>
+              </a:spcBef>
+              <a:spcAft>
+                <a:spcPts val="0"/>
+              </a:spcAft>
+              <a:buClr>
+                <a:schemeClr val="dk1"/>
+              </a:buClr>
+              <a:buSzPts val="1200"/>
+              <a:buFont typeface="Arial"/>
+              <a:buNone/>
+              <a:defRPr sz="1200" b="0" i="0" u="none" strike="noStrike" cap="none">
+                <a:solidFill>
+                  <a:schemeClr val="dk1"/>
+                </a:solidFill>
+                <a:latin typeface="Arial"/>
+                <a:ea typeface="Arial"/>
+                <a:cs typeface="Arial"/>
+                <a:sym typeface="Arial"/>
+              </a:defRPr>
+            </a:lvl6pPr>
+            <a:lvl7pPr marL="3200400" marR="0" lvl="6" indent="-317500" algn="ctr" rtl="0">
+              <a:lnSpc>
+                <a:spcPct val="100000"/>
+              </a:lnSpc>
+              <a:spcBef>
+                <a:spcPts val="0"/>
+              </a:spcBef>
+              <a:spcAft>
+                <a:spcPts val="0"/>
+              </a:spcAft>
+              <a:buClr>
+                <a:schemeClr val="dk1"/>
+              </a:buClr>
+              <a:buSzPts val="1200"/>
+              <a:buFont typeface="Arial"/>
+              <a:buNone/>
+              <a:defRPr sz="1200" b="0" i="0" u="none" strike="noStrike" cap="none">
+                <a:solidFill>
+                  <a:schemeClr val="dk1"/>
+                </a:solidFill>
+                <a:latin typeface="Arial"/>
+                <a:ea typeface="Arial"/>
+                <a:cs typeface="Arial"/>
+                <a:sym typeface="Arial"/>
+              </a:defRPr>
+            </a:lvl7pPr>
+            <a:lvl8pPr marL="3657600" marR="0" lvl="7" indent="-317500" algn="ctr" rtl="0">
+              <a:lnSpc>
+                <a:spcPct val="100000"/>
+              </a:lnSpc>
+              <a:spcBef>
+                <a:spcPts val="0"/>
+              </a:spcBef>
+              <a:spcAft>
+                <a:spcPts val="0"/>
+              </a:spcAft>
+              <a:buClr>
+                <a:schemeClr val="dk1"/>
+              </a:buClr>
+              <a:buSzPts val="1200"/>
+              <a:buFont typeface="Arial"/>
+              <a:buNone/>
+              <a:defRPr sz="1200" b="0" i="0" u="none" strike="noStrike" cap="none">
+                <a:solidFill>
+                  <a:schemeClr val="dk1"/>
+                </a:solidFill>
+                <a:latin typeface="Arial"/>
+                <a:ea typeface="Arial"/>
+                <a:cs typeface="Arial"/>
+                <a:sym typeface="Arial"/>
+              </a:defRPr>
+            </a:lvl8pPr>
+            <a:lvl9pPr marL="4114800" marR="0" lvl="8" indent="-317500" algn="ctr" rtl="0">
+              <a:lnSpc>
+                <a:spcPct val="100000"/>
+              </a:lnSpc>
+              <a:spcBef>
+                <a:spcPts val="0"/>
+              </a:spcBef>
+              <a:spcAft>
+                <a:spcPts val="0"/>
+              </a:spcAft>
+              <a:buClr>
+                <a:schemeClr val="dk1"/>
+              </a:buClr>
+              <a:buSzPts val="1200"/>
+              <a:buFont typeface="Arial"/>
+              <a:buNone/>
+              <a:defRPr sz="1200" b="0" i="0" u="none" strike="noStrike" cap="none">
+                <a:solidFill>
+                  <a:schemeClr val="dk1"/>
+                </a:solidFill>
+                <a:latin typeface="Arial"/>
+                <a:ea typeface="Arial"/>
+                <a:cs typeface="Arial"/>
+                <a:sym typeface="Arial"/>
+              </a:defRPr>
+            </a:lvl9pPr>
+          </a:lstStyle>
+          <a:p>
+            <a:pPr marL="0" indent="0" algn="just">
+              <a:lnSpc>
+                <a:spcPct val="95000"/>
+              </a:lnSpc>
+              <a:spcAft>
+                <a:spcPts val="1200"/>
+              </a:spcAft>
+              <a:buSzPts val="1018"/>
+            </a:pPr>
+            <a:r>
+              <a:rPr lang="en-US" sz="1400" dirty="0">
+                <a:latin typeface="Dosis" pitchFamily="2" charset="0"/>
+              </a:rPr>
+              <a:t>Dedicated entry-level data scientist with analytical and experimental background of Physics. My graduation 2023, a pivotal year marked by significant advancements in artificial intelligence with the introduction of GPT-4 and other generative AI models, has fueled my curiosity and excitement to delve into the field of data. I have comprehensive grasp of data science methodology from business understanding to modelling process with proficiency in </a:t>
+            </a:r>
+            <a:r>
+              <a:rPr lang="en-US" sz="1400" b="1" dirty="0">
+                <a:latin typeface="Dosis" pitchFamily="2" charset="0"/>
+              </a:rPr>
+              <a:t>Python, SQL, Tableau, Power BI, Looker Studio and other tools</a:t>
+            </a:r>
+            <a:r>
+              <a:rPr lang="en-US" sz="1400" dirty="0">
+                <a:latin typeface="Dosis" pitchFamily="2" charset="0"/>
+              </a:rPr>
+              <a:t> related to data analytics workflow from several coursework and bootcamps. </a:t>
+            </a:r>
+            <a:endParaRPr lang="en-ID" sz="1400" dirty="0">
+              <a:latin typeface="Dosis" pitchFamily="2" charset="0"/>
+            </a:endParaRPr>
+          </a:p>
+        </p:txBody>
+      </p:sp>
+    </p:spTree>
+  </p:cSld>
+  <p:clrMapOvr>
+    <a:masterClrMapping/>
+  </p:clrMapOvr>
+</p:sld>
+</file>
+
+<file path=ppt/slides/slide2.xml><?xml version="1.0" encoding="utf-8"?>
+<p:sld xmlns:a="http://schemas.openxmlformats.org/drawingml/2006/main" xmlns:r="http://schemas.openxmlformats.org/officeDocument/2006/relationships" xmlns:p="http://schemas.openxmlformats.org/presentationml/2006/main">
+  <p:cSld>
+    <p:spTree>
+      <p:nvGrpSpPr>
+        <p:cNvPr id="1" name="Shape 53"/>
         <p:cNvGrpSpPr/>
         <p:nvPr/>
       </p:nvGrpSpPr>
@@ -5681,7 +6825,9 @@
       <p:sp>
         <p:nvSpPr>
           <p:cNvPr id="54" name="Google Shape;54;p13"/>
-          <p:cNvSpPr txBox="1"/>
+          <p:cNvSpPr txBox="1">
+            <a:spLocks noGrp="1"/>
+          </p:cNvSpPr>
           <p:nvPr>
             <p:ph type="title"/>
           </p:nvPr>
@@ -5696,12 +6842,12 @@
           </a:prstGeom>
         </p:spPr>
         <p:txBody>
-          <a:bodyPr anchorCtr="0" anchor="t" bIns="91425" lIns="91425" spcFirstLastPara="1" rIns="91425" wrap="square" tIns="91425">
+          <a:bodyPr spcFirstLastPara="1" wrap="square" lIns="91425" tIns="91425" rIns="91425" bIns="91425" anchor="t" anchorCtr="0">
             <a:noAutofit/>
           </a:bodyPr>
           <a:lstStyle/>
           <a:p>
-            <a:pPr indent="0" lvl="0" marL="0" rtl="0" algn="ctr">
+            <a:pPr marL="0" lvl="0" indent="0" algn="ctr" rtl="0">
               <a:spcBef>
                 <a:spcPts val="0"/>
               </a:spcBef>
@@ -5712,7 +6858,7 @@
               <a:buNone/>
             </a:pPr>
             <a:r>
-              <a:rPr b="1" lang="en" sz="1798">
+              <a:rPr lang="en" sz="1798" b="1">
                 <a:latin typeface="Roboto"/>
                 <a:ea typeface="Roboto"/>
                 <a:cs typeface="Roboto"/>
@@ -5720,7 +6866,7 @@
               </a:rPr>
               <a:t>Impact Analysis of Stay Duration on Hotel Bookings Cancellation Rates</a:t>
             </a:r>
-            <a:endParaRPr b="1" sz="1798">
+            <a:endParaRPr sz="1798" b="1">
               <a:solidFill>
                 <a:schemeClr val="lt1"/>
               </a:solidFill>
@@ -5734,49 +6880,140 @@
       </p:sp>
       <p:sp>
         <p:nvSpPr>
-          <p:cNvPr id="55" name="Google Shape;55;p13"/>
+          <p:cNvPr id="6" name="TextBox 5">
+            <a:extLst>
+              <a:ext uri="{FF2B5EF4-FFF2-40B4-BE49-F238E27FC236}">
+                <a16:creationId xmlns:a16="http://schemas.microsoft.com/office/drawing/2014/main" id="{36488EDC-0390-A2E3-7312-275A4AA60371}"/>
+              </a:ext>
+            </a:extLst>
+          </p:cNvPr>
           <p:cNvSpPr txBox="1"/>
-          <p:nvPr>
-            <p:ph idx="1" type="body"/>
-          </p:nvPr>
+          <p:nvPr/>
         </p:nvSpPr>
         <p:spPr>
           <a:xfrm>
-            <a:off x="311700" y="823775"/>
-            <a:ext cx="8520600" cy="4098600"/>
+            <a:off x="318655" y="810491"/>
+            <a:ext cx="8569036" cy="2308324"/>
           </a:xfrm>
           <a:prstGeom prst="rect">
             <a:avLst/>
           </a:prstGeom>
+          <a:noFill/>
         </p:spPr>
         <p:txBody>
-          <a:bodyPr anchorCtr="0" anchor="t" bIns="91425" lIns="91425" spcFirstLastPara="1" rIns="91425" wrap="square" tIns="91425">
-            <a:normAutofit/>
+          <a:bodyPr wrap="square" rtlCol="0">
+            <a:spAutoFit/>
           </a:bodyPr>
           <a:lstStyle/>
           <a:p>
-            <a:pPr indent="0" lvl="0" marL="0" rtl="0" algn="l">
-              <a:spcBef>
-                <a:spcPts val="0"/>
-              </a:spcBef>
-              <a:spcAft>
-                <a:spcPts val="1200"/>
+            <a:r>
+              <a:rPr lang="en-US" sz="1800" dirty="0">
+                <a:latin typeface="Dosis" pitchFamily="2" charset="0"/>
+              </a:rPr>
+              <a:t>Apart from analyzing customer behavior in booking hotels, to measure the success of a hospitality business, we can look at the cancellation rate of bookings. If many customers cancel their bookings, it will negatively impact the hotel's performance. Therefore, we need to find out what factors influence booking cancellations. In this case, we will be focusing on the correlation of customer stay duration to hotel booking cancellation rates.</a:t>
+            </a:r>
+          </a:p>
+          <a:p>
+            <a:endParaRPr lang="en-US" sz="1800" dirty="0">
+              <a:latin typeface="Dosis" pitchFamily="2" charset="0"/>
+            </a:endParaRPr>
+          </a:p>
+          <a:p>
+            <a:endParaRPr lang="en-US" sz="1800" dirty="0">
+              <a:latin typeface="Dosis" pitchFamily="2" charset="0"/>
+            </a:endParaRPr>
+          </a:p>
+          <a:p>
+            <a:endParaRPr lang="en-US" sz="1800" dirty="0">
+              <a:latin typeface="Dosis" pitchFamily="2" charset="0"/>
+            </a:endParaRPr>
+          </a:p>
+        </p:txBody>
+      </p:sp>
+      <p:sp>
+        <p:nvSpPr>
+          <p:cNvPr id="9" name="Google Shape;115;p27">
+            <a:extLst>
+              <a:ext uri="{FF2B5EF4-FFF2-40B4-BE49-F238E27FC236}">
+                <a16:creationId xmlns:a16="http://schemas.microsoft.com/office/drawing/2014/main" id="{A1552F82-BBDE-E60D-8D5F-786A99170997}"/>
+              </a:ext>
+            </a:extLst>
+          </p:cNvPr>
+          <p:cNvSpPr txBox="1"/>
+          <p:nvPr/>
+        </p:nvSpPr>
+        <p:spPr>
+          <a:xfrm>
+            <a:off x="4656000" y="4772700"/>
+            <a:ext cx="4488000" cy="353913"/>
+          </a:xfrm>
+          <a:prstGeom prst="rect">
+            <a:avLst/>
+          </a:prstGeom>
+          <a:noFill/>
+          <a:ln>
+            <a:noFill/>
+          </a:ln>
+        </p:spPr>
+        <p:txBody>
+          <a:bodyPr spcFirstLastPara="1" wrap="square" lIns="91425" tIns="91425" rIns="91425" bIns="91425" anchor="t" anchorCtr="0">
+            <a:spAutoFit/>
+          </a:bodyPr>
+          <a:lstStyle/>
+          <a:p>
+            <a:pPr marL="0" lvl="0" indent="0" algn="r" rtl="0">
+              <a:lnSpc>
+                <a:spcPct val="100000"/>
+              </a:lnSpc>
+              <a:spcBef>
+                <a:spcPts val="0"/>
+              </a:spcBef>
+              <a:spcAft>
+                <a:spcPts val="0"/>
               </a:spcAft>
               <a:buNone/>
             </a:pPr>
             <a:r>
-              <a:rPr lang="en" sz="1500">
+              <a:rPr lang="en-US" sz="1100" dirty="0">
                 <a:solidFill>
-                  <a:schemeClr val="dk1"/>
+                  <a:srgbClr val="000000"/>
                 </a:solidFill>
               </a:rPr>
-              <a:t>Masukkan grafik visualisasi pada tugas ini, kemudian tuliskan pula hasil analisismu, insight apa saja yang kamu dapatkan.</a:t>
+              <a:t>For more details, you can view the </a:t>
             </a:r>
-            <a:endParaRPr sz="1500">
-              <a:solidFill>
-                <a:schemeClr val="dk1"/>
-              </a:solidFill>
-            </a:endParaRPr>
+            <a:r>
+              <a:rPr lang="en-US" sz="1100" dirty="0" err="1">
+                <a:solidFill>
+                  <a:srgbClr val="000000"/>
+                </a:solidFill>
+              </a:rPr>
+              <a:t>Jupyter</a:t>
+            </a:r>
+            <a:r>
+              <a:rPr lang="en-US" sz="1100" dirty="0">
+                <a:solidFill>
+                  <a:srgbClr val="000000"/>
+                </a:solidFill>
+              </a:rPr>
+              <a:t> notebook </a:t>
+            </a:r>
+            <a:r>
+              <a:rPr lang="en-US" sz="1100" dirty="0">
+                <a:solidFill>
+                  <a:srgbClr val="000000"/>
+                </a:solidFill>
+                <a:hlinkClick r:id="rId3"/>
+              </a:rPr>
+              <a:t>here</a:t>
+            </a:r>
+            <a:r>
+              <a:rPr lang="en-US" sz="1100" dirty="0">
+                <a:solidFill>
+                  <a:srgbClr val="000000"/>
+                </a:solidFill>
+              </a:rPr>
+              <a:t>.</a:t>
+            </a:r>
           </a:p>
         </p:txBody>
       </p:sp>
@@ -5788,8 +7025,940 @@
 </p:sld>
 </file>
 
+<file path=ppt/slides/slide3.xml><?xml version="1.0" encoding="utf-8"?>
+<p:sld xmlns:a="http://schemas.openxmlformats.org/drawingml/2006/main" xmlns:r="http://schemas.openxmlformats.org/officeDocument/2006/relationships" xmlns:p="http://schemas.openxmlformats.org/presentationml/2006/main">
+  <p:cSld>
+    <p:spTree>
+      <p:nvGrpSpPr>
+        <p:cNvPr id="1" name="Shape 53"/>
+        <p:cNvGrpSpPr/>
+        <p:nvPr/>
+      </p:nvGrpSpPr>
+      <p:grpSpPr>
+        <a:xfrm>
+          <a:off x="0" y="0"/>
+          <a:ext cx="0" cy="0"/>
+          <a:chOff x="0" y="0"/>
+          <a:chExt cx="0" cy="0"/>
+        </a:xfrm>
+      </p:grpSpPr>
+      <p:sp>
+        <p:nvSpPr>
+          <p:cNvPr id="54" name="Google Shape;54;p13"/>
+          <p:cNvSpPr txBox="1">
+            <a:spLocks noGrp="1"/>
+          </p:cNvSpPr>
+          <p:nvPr>
+            <p:ph type="title"/>
+          </p:nvPr>
+        </p:nvSpPr>
+        <p:spPr>
+          <a:xfrm>
+            <a:off x="0" y="-14775"/>
+            <a:ext cx="8180700" cy="523200"/>
+          </a:xfrm>
+          <a:prstGeom prst="rect">
+            <a:avLst/>
+          </a:prstGeom>
+        </p:spPr>
+        <p:txBody>
+          <a:bodyPr spcFirstLastPara="1" wrap="square" lIns="91425" tIns="91425" rIns="91425" bIns="91425" anchor="t" anchorCtr="0">
+            <a:noAutofit/>
+          </a:bodyPr>
+          <a:lstStyle/>
+          <a:p>
+            <a:pPr marL="0" lvl="0" indent="0" algn="ctr" rtl="0">
+              <a:spcBef>
+                <a:spcPts val="0"/>
+              </a:spcBef>
+              <a:spcAft>
+                <a:spcPts val="0"/>
+              </a:spcAft>
+              <a:buSzPts val="990"/>
+              <a:buNone/>
+            </a:pPr>
+            <a:r>
+              <a:rPr lang="en" sz="1798" b="1">
+                <a:latin typeface="Roboto"/>
+                <a:ea typeface="Roboto"/>
+                <a:cs typeface="Roboto"/>
+                <a:sym typeface="Roboto"/>
+              </a:rPr>
+              <a:t>Impact Analysis of Stay Duration on Hotel Bookings Cancellation Rates</a:t>
+            </a:r>
+            <a:endParaRPr sz="1798" b="1">
+              <a:solidFill>
+                <a:schemeClr val="lt1"/>
+              </a:solidFill>
+              <a:latin typeface="Roboto"/>
+              <a:ea typeface="Roboto"/>
+              <a:cs typeface="Roboto"/>
+              <a:sym typeface="Roboto"/>
+            </a:endParaRPr>
+          </a:p>
+        </p:txBody>
+      </p:sp>
+      <p:sp>
+        <p:nvSpPr>
+          <p:cNvPr id="2" name="Google Shape;55;p13">
+            <a:extLst>
+              <a:ext uri="{FF2B5EF4-FFF2-40B4-BE49-F238E27FC236}">
+                <a16:creationId xmlns:a16="http://schemas.microsoft.com/office/drawing/2014/main" id="{1080C932-AED1-618D-6B7C-4313386B40FA}"/>
+              </a:ext>
+            </a:extLst>
+          </p:cNvPr>
+          <p:cNvSpPr txBox="1">
+            <a:spLocks noGrp="1"/>
+          </p:cNvSpPr>
+          <p:nvPr>
+            <p:ph type="body" idx="1"/>
+          </p:nvPr>
+        </p:nvSpPr>
+        <p:spPr>
+          <a:xfrm>
+            <a:off x="177315" y="703572"/>
+            <a:ext cx="1608555" cy="558557"/>
+          </a:xfrm>
+          <a:prstGeom prst="rect">
+            <a:avLst/>
+          </a:prstGeom>
+        </p:spPr>
+        <p:txBody>
+          <a:bodyPr spcFirstLastPara="1" wrap="square" lIns="91425" tIns="91425" rIns="91425" bIns="91425" anchor="t" anchorCtr="0">
+            <a:normAutofit fontScale="92500" lnSpcReduction="20000"/>
+          </a:bodyPr>
+          <a:lstStyle/>
+          <a:p>
+            <a:pPr marL="0" lvl="0" indent="0" algn="l" rtl="0">
+              <a:spcBef>
+                <a:spcPts val="0"/>
+              </a:spcBef>
+              <a:spcAft>
+                <a:spcPts val="1200"/>
+              </a:spcAft>
+              <a:buNone/>
+            </a:pPr>
+            <a:r>
+              <a:rPr lang="en-US" sz="1500" b="1" dirty="0">
+                <a:solidFill>
+                  <a:schemeClr val="dk1"/>
+                </a:solidFill>
+                <a:latin typeface="Dosis" pitchFamily="2" charset="0"/>
+              </a:rPr>
+              <a:t>Data Visualization :</a:t>
+            </a:r>
+            <a:endParaRPr sz="1500" b="1" dirty="0">
+              <a:solidFill>
+                <a:schemeClr val="dk1"/>
+              </a:solidFill>
+              <a:latin typeface="Dosis" pitchFamily="2" charset="0"/>
+            </a:endParaRPr>
+          </a:p>
+        </p:txBody>
+      </p:sp>
+      <p:pic>
+        <p:nvPicPr>
+          <p:cNvPr id="4" name="Picture 3">
+            <a:extLst>
+              <a:ext uri="{FF2B5EF4-FFF2-40B4-BE49-F238E27FC236}">
+                <a16:creationId xmlns:a16="http://schemas.microsoft.com/office/drawing/2014/main" id="{BB8DF935-A8D2-5D3D-B648-48FA6C37C580}"/>
+              </a:ext>
+            </a:extLst>
+          </p:cNvPr>
+          <p:cNvPicPr>
+            <a:picLocks noChangeAspect="1"/>
+          </p:cNvPicPr>
+          <p:nvPr/>
+        </p:nvPicPr>
+        <p:blipFill>
+          <a:blip r:embed="rId3"/>
+          <a:stretch>
+            <a:fillRect/>
+          </a:stretch>
+        </p:blipFill>
+        <p:spPr>
+          <a:xfrm>
+            <a:off x="887072" y="1115291"/>
+            <a:ext cx="7369856" cy="3902488"/>
+          </a:xfrm>
+          <a:prstGeom prst="rect">
+            <a:avLst/>
+          </a:prstGeom>
+        </p:spPr>
+      </p:pic>
+    </p:spTree>
+    <p:extLst>
+      <p:ext uri="{BB962C8B-B14F-4D97-AF65-F5344CB8AC3E}">
+        <p14:creationId xmlns:p14="http://schemas.microsoft.com/office/powerpoint/2010/main" val="3009194383"/>
+      </p:ext>
+    </p:extLst>
+  </p:cSld>
+  <p:clrMapOvr>
+    <a:masterClrMapping/>
+  </p:clrMapOvr>
+</p:sld>
+</file>
+
+<file path=ppt/slides/slide4.xml><?xml version="1.0" encoding="utf-8"?>
+<p:sld xmlns:a="http://schemas.openxmlformats.org/drawingml/2006/main" xmlns:r="http://schemas.openxmlformats.org/officeDocument/2006/relationships" xmlns:p="http://schemas.openxmlformats.org/presentationml/2006/main">
+  <p:cSld>
+    <p:spTree>
+      <p:nvGrpSpPr>
+        <p:cNvPr id="1" name="Shape 53"/>
+        <p:cNvGrpSpPr/>
+        <p:nvPr/>
+      </p:nvGrpSpPr>
+      <p:grpSpPr>
+        <a:xfrm>
+          <a:off x="0" y="0"/>
+          <a:ext cx="0" cy="0"/>
+          <a:chOff x="0" y="0"/>
+          <a:chExt cx="0" cy="0"/>
+        </a:xfrm>
+      </p:grpSpPr>
+      <p:sp>
+        <p:nvSpPr>
+          <p:cNvPr id="54" name="Google Shape;54;p13"/>
+          <p:cNvSpPr txBox="1">
+            <a:spLocks noGrp="1"/>
+          </p:cNvSpPr>
+          <p:nvPr>
+            <p:ph type="title"/>
+          </p:nvPr>
+        </p:nvSpPr>
+        <p:spPr>
+          <a:xfrm>
+            <a:off x="0" y="-14775"/>
+            <a:ext cx="8180700" cy="523200"/>
+          </a:xfrm>
+          <a:prstGeom prst="rect">
+            <a:avLst/>
+          </a:prstGeom>
+        </p:spPr>
+        <p:txBody>
+          <a:bodyPr spcFirstLastPara="1" wrap="square" lIns="91425" tIns="91425" rIns="91425" bIns="91425" anchor="t" anchorCtr="0">
+            <a:noAutofit/>
+          </a:bodyPr>
+          <a:lstStyle/>
+          <a:p>
+            <a:pPr marL="0" lvl="0" indent="0" algn="ctr" rtl="0">
+              <a:spcBef>
+                <a:spcPts val="0"/>
+              </a:spcBef>
+              <a:spcAft>
+                <a:spcPts val="0"/>
+              </a:spcAft>
+              <a:buSzPts val="990"/>
+              <a:buNone/>
+            </a:pPr>
+            <a:r>
+              <a:rPr lang="en" sz="1798" b="1">
+                <a:latin typeface="Roboto"/>
+                <a:ea typeface="Roboto"/>
+                <a:cs typeface="Roboto"/>
+                <a:sym typeface="Roboto"/>
+              </a:rPr>
+              <a:t>Impact Analysis of Stay Duration on Hotel Bookings Cancellation Rates</a:t>
+            </a:r>
+            <a:endParaRPr sz="1798" b="1">
+              <a:solidFill>
+                <a:schemeClr val="lt1"/>
+              </a:solidFill>
+              <a:latin typeface="Roboto"/>
+              <a:ea typeface="Roboto"/>
+              <a:cs typeface="Roboto"/>
+              <a:sym typeface="Roboto"/>
+            </a:endParaRPr>
+          </a:p>
+        </p:txBody>
+      </p:sp>
+      <p:sp>
+        <p:nvSpPr>
+          <p:cNvPr id="2" name="Google Shape;55;p13">
+            <a:extLst>
+              <a:ext uri="{FF2B5EF4-FFF2-40B4-BE49-F238E27FC236}">
+                <a16:creationId xmlns:a16="http://schemas.microsoft.com/office/drawing/2014/main" id="{BACD0769-2B73-1044-E497-3B221719A0C7}"/>
+              </a:ext>
+            </a:extLst>
+          </p:cNvPr>
+          <p:cNvSpPr txBox="1">
+            <a:spLocks noGrp="1"/>
+          </p:cNvSpPr>
+          <p:nvPr>
+            <p:ph type="body" idx="1"/>
+          </p:nvPr>
+        </p:nvSpPr>
+        <p:spPr>
+          <a:xfrm>
+            <a:off x="177315" y="694986"/>
+            <a:ext cx="3956803" cy="558557"/>
+          </a:xfrm>
+          <a:prstGeom prst="rect">
+            <a:avLst/>
+          </a:prstGeom>
+        </p:spPr>
+        <p:txBody>
+          <a:bodyPr spcFirstLastPara="1" wrap="square" lIns="91425" tIns="91425" rIns="91425" bIns="91425" anchor="t" anchorCtr="0">
+            <a:normAutofit fontScale="92500" lnSpcReduction="20000"/>
+          </a:bodyPr>
+          <a:lstStyle/>
+          <a:p>
+            <a:pPr marL="0" lvl="0" indent="0" algn="l" rtl="0">
+              <a:spcBef>
+                <a:spcPts val="0"/>
+              </a:spcBef>
+              <a:spcAft>
+                <a:spcPts val="1200"/>
+              </a:spcAft>
+              <a:buNone/>
+            </a:pPr>
+            <a:r>
+              <a:rPr lang="en-US" sz="1500" b="1" dirty="0">
+                <a:solidFill>
+                  <a:schemeClr val="dk1"/>
+                </a:solidFill>
+                <a:latin typeface="Dosis" pitchFamily="2" charset="0"/>
+              </a:rPr>
+              <a:t>Data Interpretation and Business Recommendation :</a:t>
+            </a:r>
+            <a:endParaRPr sz="1500" b="1" dirty="0">
+              <a:solidFill>
+                <a:schemeClr val="dk1"/>
+              </a:solidFill>
+              <a:latin typeface="Dosis" pitchFamily="2" charset="0"/>
+            </a:endParaRPr>
+          </a:p>
+        </p:txBody>
+      </p:sp>
+      <p:sp>
+        <p:nvSpPr>
+          <p:cNvPr id="3" name="Google Shape;55;p13">
+            <a:extLst>
+              <a:ext uri="{FF2B5EF4-FFF2-40B4-BE49-F238E27FC236}">
+                <a16:creationId xmlns:a16="http://schemas.microsoft.com/office/drawing/2014/main" id="{BB16A063-26F8-6F0D-E2B5-5E1FD6669081}"/>
+              </a:ext>
+            </a:extLst>
+          </p:cNvPr>
+          <p:cNvSpPr txBox="1">
+            <a:spLocks/>
+          </p:cNvSpPr>
+          <p:nvPr/>
+        </p:nvSpPr>
+        <p:spPr>
+          <a:xfrm>
+            <a:off x="177315" y="1116168"/>
+            <a:ext cx="8789370" cy="3936643"/>
+          </a:xfrm>
+          <a:prstGeom prst="rect">
+            <a:avLst/>
+          </a:prstGeom>
+          <a:noFill/>
+          <a:ln>
+            <a:noFill/>
+          </a:ln>
+        </p:spPr>
+        <p:txBody>
+          <a:bodyPr spcFirstLastPara="1" wrap="square" lIns="91425" tIns="91425" rIns="91425" bIns="91425" anchor="t" anchorCtr="0">
+            <a:normAutofit/>
+          </a:bodyPr>
+          <a:lstStyle>
+            <a:defPPr marR="0" lvl="0" algn="l" rtl="0">
+              <a:lnSpc>
+                <a:spcPct val="100000"/>
+              </a:lnSpc>
+              <a:spcBef>
+                <a:spcPts val="0"/>
+              </a:spcBef>
+              <a:spcAft>
+                <a:spcPts val="0"/>
+              </a:spcAft>
+            </a:defPPr>
+            <a:lvl1pPr marL="457200" marR="0" lvl="0" indent="-342900" algn="l" rtl="0">
+              <a:lnSpc>
+                <a:spcPct val="115000"/>
+              </a:lnSpc>
+              <a:spcBef>
+                <a:spcPts val="0"/>
+              </a:spcBef>
+              <a:spcAft>
+                <a:spcPts val="0"/>
+              </a:spcAft>
+              <a:buClr>
+                <a:schemeClr val="dk2"/>
+              </a:buClr>
+              <a:buSzPts val="1800"/>
+              <a:buFont typeface="Arial"/>
+              <a:buChar char="●"/>
+              <a:defRPr sz="1800" b="0" i="0" u="none" strike="noStrike" cap="none">
+                <a:solidFill>
+                  <a:schemeClr val="dk2"/>
+                </a:solidFill>
+                <a:latin typeface="Arial"/>
+                <a:ea typeface="Arial"/>
+                <a:cs typeface="Arial"/>
+                <a:sym typeface="Arial"/>
+              </a:defRPr>
+            </a:lvl1pPr>
+            <a:lvl2pPr marL="914400" marR="0" lvl="1" indent="-317500" algn="l" rtl="0">
+              <a:lnSpc>
+                <a:spcPct val="115000"/>
+              </a:lnSpc>
+              <a:spcBef>
+                <a:spcPts val="0"/>
+              </a:spcBef>
+              <a:spcAft>
+                <a:spcPts val="0"/>
+              </a:spcAft>
+              <a:buClr>
+                <a:schemeClr val="dk2"/>
+              </a:buClr>
+              <a:buSzPts val="1400"/>
+              <a:buFont typeface="Arial"/>
+              <a:buChar char="○"/>
+              <a:defRPr sz="1400" b="0" i="0" u="none" strike="noStrike" cap="none">
+                <a:solidFill>
+                  <a:schemeClr val="dk2"/>
+                </a:solidFill>
+                <a:latin typeface="Arial"/>
+                <a:ea typeface="Arial"/>
+                <a:cs typeface="Arial"/>
+                <a:sym typeface="Arial"/>
+              </a:defRPr>
+            </a:lvl2pPr>
+            <a:lvl3pPr marL="1371600" marR="0" lvl="2" indent="-317500" algn="l" rtl="0">
+              <a:lnSpc>
+                <a:spcPct val="115000"/>
+              </a:lnSpc>
+              <a:spcBef>
+                <a:spcPts val="0"/>
+              </a:spcBef>
+              <a:spcAft>
+                <a:spcPts val="0"/>
+              </a:spcAft>
+              <a:buClr>
+                <a:schemeClr val="dk2"/>
+              </a:buClr>
+              <a:buSzPts val="1400"/>
+              <a:buFont typeface="Arial"/>
+              <a:buChar char="■"/>
+              <a:defRPr sz="1400" b="0" i="0" u="none" strike="noStrike" cap="none">
+                <a:solidFill>
+                  <a:schemeClr val="dk2"/>
+                </a:solidFill>
+                <a:latin typeface="Arial"/>
+                <a:ea typeface="Arial"/>
+                <a:cs typeface="Arial"/>
+                <a:sym typeface="Arial"/>
+              </a:defRPr>
+            </a:lvl3pPr>
+            <a:lvl4pPr marL="1828800" marR="0" lvl="3" indent="-317500" algn="l" rtl="0">
+              <a:lnSpc>
+                <a:spcPct val="115000"/>
+              </a:lnSpc>
+              <a:spcBef>
+                <a:spcPts val="0"/>
+              </a:spcBef>
+              <a:spcAft>
+                <a:spcPts val="0"/>
+              </a:spcAft>
+              <a:buClr>
+                <a:schemeClr val="dk2"/>
+              </a:buClr>
+              <a:buSzPts val="1400"/>
+              <a:buFont typeface="Arial"/>
+              <a:buChar char="●"/>
+              <a:defRPr sz="1400" b="0" i="0" u="none" strike="noStrike" cap="none">
+                <a:solidFill>
+                  <a:schemeClr val="dk2"/>
+                </a:solidFill>
+                <a:latin typeface="Arial"/>
+                <a:ea typeface="Arial"/>
+                <a:cs typeface="Arial"/>
+                <a:sym typeface="Arial"/>
+              </a:defRPr>
+            </a:lvl4pPr>
+            <a:lvl5pPr marL="2286000" marR="0" lvl="4" indent="-317500" algn="l" rtl="0">
+              <a:lnSpc>
+                <a:spcPct val="115000"/>
+              </a:lnSpc>
+              <a:spcBef>
+                <a:spcPts val="0"/>
+              </a:spcBef>
+              <a:spcAft>
+                <a:spcPts val="0"/>
+              </a:spcAft>
+              <a:buClr>
+                <a:schemeClr val="dk2"/>
+              </a:buClr>
+              <a:buSzPts val="1400"/>
+              <a:buFont typeface="Arial"/>
+              <a:buChar char="○"/>
+              <a:defRPr sz="1400" b="0" i="0" u="none" strike="noStrike" cap="none">
+                <a:solidFill>
+                  <a:schemeClr val="dk2"/>
+                </a:solidFill>
+                <a:latin typeface="Arial"/>
+                <a:ea typeface="Arial"/>
+                <a:cs typeface="Arial"/>
+                <a:sym typeface="Arial"/>
+              </a:defRPr>
+            </a:lvl5pPr>
+            <a:lvl6pPr marL="2743200" marR="0" lvl="5" indent="-317500" algn="l" rtl="0">
+              <a:lnSpc>
+                <a:spcPct val="115000"/>
+              </a:lnSpc>
+              <a:spcBef>
+                <a:spcPts val="0"/>
+              </a:spcBef>
+              <a:spcAft>
+                <a:spcPts val="0"/>
+              </a:spcAft>
+              <a:buClr>
+                <a:schemeClr val="dk2"/>
+              </a:buClr>
+              <a:buSzPts val="1400"/>
+              <a:buFont typeface="Arial"/>
+              <a:buChar char="■"/>
+              <a:defRPr sz="1400" b="0" i="0" u="none" strike="noStrike" cap="none">
+                <a:solidFill>
+                  <a:schemeClr val="dk2"/>
+                </a:solidFill>
+                <a:latin typeface="Arial"/>
+                <a:ea typeface="Arial"/>
+                <a:cs typeface="Arial"/>
+                <a:sym typeface="Arial"/>
+              </a:defRPr>
+            </a:lvl6pPr>
+            <a:lvl7pPr marL="3200400" marR="0" lvl="6" indent="-317500" algn="l" rtl="0">
+              <a:lnSpc>
+                <a:spcPct val="115000"/>
+              </a:lnSpc>
+              <a:spcBef>
+                <a:spcPts val="0"/>
+              </a:spcBef>
+              <a:spcAft>
+                <a:spcPts val="0"/>
+              </a:spcAft>
+              <a:buClr>
+                <a:schemeClr val="dk2"/>
+              </a:buClr>
+              <a:buSzPts val="1400"/>
+              <a:buFont typeface="Arial"/>
+              <a:buChar char="●"/>
+              <a:defRPr sz="1400" b="0" i="0" u="none" strike="noStrike" cap="none">
+                <a:solidFill>
+                  <a:schemeClr val="dk2"/>
+                </a:solidFill>
+                <a:latin typeface="Arial"/>
+                <a:ea typeface="Arial"/>
+                <a:cs typeface="Arial"/>
+                <a:sym typeface="Arial"/>
+              </a:defRPr>
+            </a:lvl7pPr>
+            <a:lvl8pPr marL="3657600" marR="0" lvl="7" indent="-317500" algn="l" rtl="0">
+              <a:lnSpc>
+                <a:spcPct val="115000"/>
+              </a:lnSpc>
+              <a:spcBef>
+                <a:spcPts val="0"/>
+              </a:spcBef>
+              <a:spcAft>
+                <a:spcPts val="0"/>
+              </a:spcAft>
+              <a:buClr>
+                <a:schemeClr val="dk2"/>
+              </a:buClr>
+              <a:buSzPts val="1400"/>
+              <a:buFont typeface="Arial"/>
+              <a:buChar char="○"/>
+              <a:defRPr sz="1400" b="0" i="0" u="none" strike="noStrike" cap="none">
+                <a:solidFill>
+                  <a:schemeClr val="dk2"/>
+                </a:solidFill>
+                <a:latin typeface="Arial"/>
+                <a:ea typeface="Arial"/>
+                <a:cs typeface="Arial"/>
+                <a:sym typeface="Arial"/>
+              </a:defRPr>
+            </a:lvl8pPr>
+            <a:lvl9pPr marL="4114800" marR="0" lvl="8" indent="-317500" algn="l" rtl="0">
+              <a:lnSpc>
+                <a:spcPct val="115000"/>
+              </a:lnSpc>
+              <a:spcBef>
+                <a:spcPts val="0"/>
+              </a:spcBef>
+              <a:spcAft>
+                <a:spcPts val="0"/>
+              </a:spcAft>
+              <a:buClr>
+                <a:schemeClr val="dk2"/>
+              </a:buClr>
+              <a:buSzPts val="1400"/>
+              <a:buFont typeface="Arial"/>
+              <a:buChar char="■"/>
+              <a:defRPr sz="1400" b="0" i="0" u="none" strike="noStrike" cap="none">
+                <a:solidFill>
+                  <a:schemeClr val="dk2"/>
+                </a:solidFill>
+                <a:latin typeface="Arial"/>
+                <a:ea typeface="Arial"/>
+                <a:cs typeface="Arial"/>
+                <a:sym typeface="Arial"/>
+              </a:defRPr>
+            </a:lvl9pPr>
+          </a:lstStyle>
+          <a:p>
+            <a:r>
+              <a:rPr lang="en-US" sz="1400" b="1" dirty="0">
+                <a:solidFill>
+                  <a:schemeClr val="tx1"/>
+                </a:solidFill>
+                <a:effectLst/>
+                <a:latin typeface="Dosis" pitchFamily="2" charset="0"/>
+              </a:rPr>
+              <a:t>The City Hotel has a higher total number of cancellations compared to the resort hotel overall, and with a more significant increasing trend</a:t>
+            </a:r>
+            <a:r>
+              <a:rPr lang="en-US" sz="1400" b="0" dirty="0">
+                <a:solidFill>
+                  <a:schemeClr val="tx1"/>
+                </a:solidFill>
+                <a:effectLst/>
+                <a:latin typeface="Dosis" pitchFamily="2" charset="0"/>
+              </a:rPr>
+              <a:t>. This suggests potential issues with customer satisfaction, booking management, or other factors specific to the City Hotel. To address this, the City Hotel management should focus on improving customer service, refining booking policies, and possibly implementing strategies to reduce cancellations, such as offering flexible booking options or enhancing the overall guest experience</a:t>
+            </a:r>
+          </a:p>
+          <a:p>
+            <a:endParaRPr lang="en-US" sz="1400" b="0" dirty="0">
+              <a:solidFill>
+                <a:schemeClr val="tx1"/>
+              </a:solidFill>
+              <a:effectLst/>
+              <a:latin typeface="Dosis" pitchFamily="2" charset="0"/>
+            </a:endParaRPr>
+          </a:p>
+          <a:p>
+            <a:r>
+              <a:rPr lang="en-US" sz="1400" b="1" dirty="0">
+                <a:solidFill>
+                  <a:schemeClr val="tx1"/>
+                </a:solidFill>
+                <a:effectLst/>
+                <a:latin typeface="Dosis" pitchFamily="2" charset="0"/>
+              </a:rPr>
+              <a:t>There is a positive correlation between stay duration and cancellation rate, indicating that the longer customers stay, both in City and Resort Hotels, the higher the cancellation rate</a:t>
+            </a:r>
+            <a:r>
+              <a:rPr lang="en-US" sz="1400" b="0" dirty="0">
+                <a:solidFill>
+                  <a:schemeClr val="tx1"/>
+                </a:solidFill>
+                <a:effectLst/>
+                <a:latin typeface="Dosis" pitchFamily="2" charset="0"/>
+              </a:rPr>
+              <a:t>. This could be due to various reasons such as changes in travel plans, dissatisfaction with the hotel experience, or unforeseen circumstances. To mitigate this, both City and Resort Hotels can implement measures to incentivize longer stays, enhance the overall guest experience to minimize cancellations, and provide flexible cancellation policies to accommodate changing plans.</a:t>
+            </a:r>
+          </a:p>
+        </p:txBody>
+      </p:sp>
+    </p:spTree>
+    <p:extLst>
+      <p:ext uri="{BB962C8B-B14F-4D97-AF65-F5344CB8AC3E}">
+        <p14:creationId xmlns:p14="http://schemas.microsoft.com/office/powerpoint/2010/main" val="2909686997"/>
+      </p:ext>
+    </p:extLst>
+  </p:cSld>
+  <p:clrMapOvr>
+    <a:masterClrMapping/>
+  </p:clrMapOvr>
+</p:sld>
+</file>
+
 <file path=ppt/theme/theme1.xml><?xml version="1.0" encoding="utf-8"?>
-<a:theme xmlns:a="http://schemas.openxmlformats.org/drawingml/2006/main" xmlns:r="http://schemas.openxmlformats.org/officeDocument/2006/relationships">
+<a:theme xmlns:a="http://schemas.openxmlformats.org/drawingml/2006/main" name="Simple Light">
+  <a:themeElements>
+    <a:clrScheme name="Simple Light">
+      <a:dk1>
+        <a:srgbClr val="000000"/>
+      </a:dk1>
+      <a:lt1>
+        <a:srgbClr val="FFFFFF"/>
+      </a:lt1>
+      <a:dk2>
+        <a:srgbClr val="595959"/>
+      </a:dk2>
+      <a:lt2>
+        <a:srgbClr val="EEEEEE"/>
+      </a:lt2>
+      <a:accent1>
+        <a:srgbClr val="4285F4"/>
+      </a:accent1>
+      <a:accent2>
+        <a:srgbClr val="212121"/>
+      </a:accent2>
+      <a:accent3>
+        <a:srgbClr val="78909C"/>
+      </a:accent3>
+      <a:accent4>
+        <a:srgbClr val="FFAB40"/>
+      </a:accent4>
+      <a:accent5>
+        <a:srgbClr val="0097A7"/>
+      </a:accent5>
+      <a:accent6>
+        <a:srgbClr val="EEFF41"/>
+      </a:accent6>
+      <a:hlink>
+        <a:srgbClr val="0097A7"/>
+      </a:hlink>
+      <a:folHlink>
+        <a:srgbClr val="0097A7"/>
+      </a:folHlink>
+    </a:clrScheme>
+    <a:fontScheme name="Office">
+      <a:majorFont>
+        <a:latin typeface="Arial"/>
+        <a:ea typeface=""/>
+        <a:cs typeface=""/>
+        <a:font script="Jpan" typeface="ＭＳ Ｐゴシック"/>
+        <a:font script="Hang" typeface="맑은 고딕"/>
+        <a:font script="Hans" typeface="宋体"/>
+        <a:font script="Hant" typeface="新細明體"/>
+        <a:font script="Arab" typeface="Times New Roman"/>
+        <a:font script="Hebr" typeface="Times New Roman"/>
+        <a:font script="Thai" typeface="Angsana New"/>
+        <a:font script="Ethi" typeface="Nyala"/>
+        <a:font script="Beng" typeface="Vrinda"/>
+        <a:font script="Gujr" typeface="Shruti"/>
+        <a:font script="Khmr" typeface="MoolBoran"/>
+        <a:font script="Knda" typeface="Tunga"/>
+        <a:font script="Guru" typeface="Raavi"/>
+        <a:font script="Cans" typeface="Euphemia"/>
+        <a:font script="Cher" typeface="Plantagenet Cherokee"/>
+        <a:font script="Yiii" typeface="Microsoft Yi Baiti"/>
+        <a:font script="Tibt" typeface="Microsoft Himalaya"/>
+        <a:font script="Thaa" typeface="MV Boli"/>
+        <a:font script="Deva" typeface="Mangal"/>
+        <a:font script="Telu" typeface="Gautami"/>
+        <a:font script="Taml" typeface="Latha"/>
+        <a:font script="Syrc" typeface="Estrangelo Edessa"/>
+        <a:font script="Orya" typeface="Kalinga"/>
+        <a:font script="Mlym" typeface="Kartika"/>
+        <a:font script="Laoo" typeface="DokChampa"/>
+        <a:font script="Sinh" typeface="Iskoola Pota"/>
+        <a:font script="Mong" typeface="Mongolian Baiti"/>
+        <a:font script="Viet" typeface="Times New Roman"/>
+        <a:font script="Uigh" typeface="Microsoft Uighur"/>
+        <a:font script="Geor" typeface="Sylfaen"/>
+      </a:majorFont>
+      <a:minorFont>
+        <a:latin typeface="Arial"/>
+        <a:ea typeface=""/>
+        <a:cs typeface=""/>
+        <a:font script="Jpan" typeface="ＭＳ Ｐゴシック"/>
+        <a:font script="Hang" typeface="맑은 고딕"/>
+        <a:font script="Hans" typeface="宋体"/>
+        <a:font script="Hant" typeface="新細明體"/>
+        <a:font script="Arab" typeface="Arial"/>
+        <a:font script="Hebr" typeface="Arial"/>
+        <a:font script="Thai" typeface="Cordia New"/>
+        <a:font script="Ethi" typeface="Nyala"/>
+        <a:font script="Beng" typeface="Vrinda"/>
+        <a:font script="Gujr" typeface="Shruti"/>
+        <a:font script="Khmr" typeface="DaunPenh"/>
+        <a:font script="Knda" typeface="Tunga"/>
+        <a:font script="Guru" typeface="Raavi"/>
+        <a:font script="Cans" typeface="Euphemia"/>
+        <a:font script="Cher" typeface="Plantagenet Cherokee"/>
+        <a:font script="Yiii" typeface="Microsoft Yi Baiti"/>
+        <a:font script="Tibt" typeface="Microsoft Himalaya"/>
+        <a:font script="Thaa" typeface="MV Boli"/>
+        <a:font script="Deva" typeface="Mangal"/>
+        <a:font script="Telu" typeface="Gautami"/>
+        <a:font script="Taml" typeface="Latha"/>
+        <a:font script="Syrc" typeface="Estrangelo Edessa"/>
+        <a:font script="Orya" typeface="Kalinga"/>
+        <a:font script="Mlym" typeface="Kartika"/>
+        <a:font script="Laoo" typeface="DokChampa"/>
+        <a:font script="Sinh" typeface="Iskoola Pota"/>
+        <a:font script="Mong" typeface="Mongolian Baiti"/>
+        <a:font script="Viet" typeface="Arial"/>
+        <a:font script="Uigh" typeface="Microsoft Uighur"/>
+        <a:font script="Geor" typeface="Sylfaen"/>
+      </a:minorFont>
+    </a:fontScheme>
+    <a:fmtScheme name="Office">
+      <a:fillStyleLst>
+        <a:solidFill>
+          <a:schemeClr val="phClr"/>
+        </a:solidFill>
+        <a:gradFill rotWithShape="1">
+          <a:gsLst>
+            <a:gs pos="0">
+              <a:schemeClr val="phClr">
+                <a:tint val="50000"/>
+                <a:satMod val="300000"/>
+              </a:schemeClr>
+            </a:gs>
+            <a:gs pos="35000">
+              <a:schemeClr val="phClr">
+                <a:tint val="37000"/>
+                <a:satMod val="300000"/>
+              </a:schemeClr>
+            </a:gs>
+            <a:gs pos="100000">
+              <a:schemeClr val="phClr">
+                <a:tint val="15000"/>
+                <a:satMod val="350000"/>
+              </a:schemeClr>
+            </a:gs>
+          </a:gsLst>
+          <a:lin ang="16200000" scaled="1"/>
+        </a:gradFill>
+        <a:gradFill rotWithShape="1">
+          <a:gsLst>
+            <a:gs pos="0">
+              <a:schemeClr val="phClr">
+                <a:tint val="100000"/>
+                <a:shade val="100000"/>
+                <a:satMod val="130000"/>
+              </a:schemeClr>
+            </a:gs>
+            <a:gs pos="100000">
+              <a:schemeClr val="phClr">
+                <a:tint val="50000"/>
+                <a:shade val="100000"/>
+                <a:satMod val="350000"/>
+              </a:schemeClr>
+            </a:gs>
+          </a:gsLst>
+          <a:lin ang="16200000" scaled="0"/>
+        </a:gradFill>
+      </a:fillStyleLst>
+      <a:lnStyleLst>
+        <a:ln w="9525" cap="flat" cmpd="sng" algn="ctr">
+          <a:solidFill>
+            <a:schemeClr val="phClr">
+              <a:shade val="95000"/>
+              <a:satMod val="105000"/>
+            </a:schemeClr>
+          </a:solidFill>
+          <a:prstDash val="solid"/>
+        </a:ln>
+        <a:ln w="25400" cap="flat" cmpd="sng" algn="ctr">
+          <a:solidFill>
+            <a:schemeClr val="phClr"/>
+          </a:solidFill>
+          <a:prstDash val="solid"/>
+        </a:ln>
+        <a:ln w="38100" cap="flat" cmpd="sng" algn="ctr">
+          <a:solidFill>
+            <a:schemeClr val="phClr"/>
+          </a:solidFill>
+          <a:prstDash val="solid"/>
+        </a:ln>
+      </a:lnStyleLst>
+      <a:effectStyleLst>
+        <a:effectStyle>
+          <a:effectLst>
+            <a:outerShdw blurRad="40000" dist="20000" dir="5400000" rotWithShape="0">
+              <a:srgbClr val="000000">
+                <a:alpha val="38000"/>
+              </a:srgbClr>
+            </a:outerShdw>
+          </a:effectLst>
+        </a:effectStyle>
+        <a:effectStyle>
+          <a:effectLst>
+            <a:outerShdw blurRad="40000" dist="23000" dir="5400000" rotWithShape="0">
+              <a:srgbClr val="000000">
+                <a:alpha val="35000"/>
+              </a:srgbClr>
+            </a:outerShdw>
+          </a:effectLst>
+        </a:effectStyle>
+        <a:effectStyle>
+          <a:effectLst>
+            <a:outerShdw blurRad="40000" dist="23000" dir="5400000" rotWithShape="0">
+              <a:srgbClr val="000000">
+                <a:alpha val="35000"/>
+              </a:srgbClr>
+            </a:outerShdw>
+          </a:effectLst>
+          <a:scene3d>
+            <a:camera prst="orthographicFront">
+              <a:rot lat="0" lon="0" rev="0"/>
+            </a:camera>
+            <a:lightRig rig="threePt" dir="t">
+              <a:rot lat="0" lon="0" rev="1200000"/>
+            </a:lightRig>
+          </a:scene3d>
+          <a:sp3d>
+            <a:bevelT w="63500" h="25400"/>
+          </a:sp3d>
+        </a:effectStyle>
+      </a:effectStyleLst>
+      <a:bgFillStyleLst>
+        <a:solidFill>
+          <a:schemeClr val="phClr"/>
+        </a:solidFill>
+        <a:gradFill rotWithShape="1">
+          <a:gsLst>
+            <a:gs pos="0">
+              <a:schemeClr val="phClr">
+                <a:tint val="40000"/>
+                <a:satMod val="350000"/>
+              </a:schemeClr>
+            </a:gs>
+            <a:gs pos="40000">
+              <a:schemeClr val="phClr">
+                <a:tint val="45000"/>
+                <a:shade val="99000"/>
+                <a:satMod val="350000"/>
+              </a:schemeClr>
+            </a:gs>
+            <a:gs pos="100000">
+              <a:schemeClr val="phClr">
+                <a:shade val="20000"/>
+                <a:satMod val="255000"/>
+              </a:schemeClr>
+            </a:gs>
+          </a:gsLst>
+          <a:path path="circle">
+            <a:fillToRect l="50000" t="-80000" r="50000" b="180000"/>
+          </a:path>
+        </a:gradFill>
+        <a:gradFill rotWithShape="1">
+          <a:gsLst>
+            <a:gs pos="0">
+              <a:schemeClr val="phClr">
+                <a:tint val="80000"/>
+                <a:satMod val="300000"/>
+              </a:schemeClr>
+            </a:gs>
+            <a:gs pos="100000">
+              <a:schemeClr val="phClr">
+                <a:shade val="30000"/>
+                <a:satMod val="200000"/>
+              </a:schemeClr>
+            </a:gs>
+          </a:gsLst>
+          <a:path path="circle">
+            <a:fillToRect l="50000" t="50000" r="50000" b="50000"/>
+          </a:path>
+        </a:gradFill>
+      </a:bgFillStyleLst>
+    </a:fmtScheme>
+  </a:themeElements>
+  <a:objectDefaults/>
+  <a:extraClrSchemeLst/>
+</a:theme>
+</file>
+
+<file path=ppt/theme/theme2.xml><?xml version="1.0" encoding="utf-8"?>
+<a:theme xmlns:a="http://schemas.openxmlformats.org/drawingml/2006/main">
   <a:themeElements>
     <a:clrScheme name="Default">
       <a:dk1>
@@ -6064,284 +8233,7 @@
       </a:bgFillStyleLst>
     </a:fmtScheme>
   </a:themeElements>
-</a:theme>
-</file>
-
-<file path=ppt/theme/theme2.xml><?xml version="1.0" encoding="utf-8"?>
-<a:theme xmlns:a="http://schemas.openxmlformats.org/drawingml/2006/main" xmlns:r="http://schemas.openxmlformats.org/officeDocument/2006/relationships" name="Simple Light">
-  <a:themeElements>
-    <a:clrScheme name="Simple Light">
-      <a:dk1>
-        <a:srgbClr val="000000"/>
-      </a:dk1>
-      <a:lt1>
-        <a:srgbClr val="FFFFFF"/>
-      </a:lt1>
-      <a:dk2>
-        <a:srgbClr val="595959"/>
-      </a:dk2>
-      <a:lt2>
-        <a:srgbClr val="EEEEEE"/>
-      </a:lt2>
-      <a:accent1>
-        <a:srgbClr val="4285F4"/>
-      </a:accent1>
-      <a:accent2>
-        <a:srgbClr val="212121"/>
-      </a:accent2>
-      <a:accent3>
-        <a:srgbClr val="78909C"/>
-      </a:accent3>
-      <a:accent4>
-        <a:srgbClr val="FFAB40"/>
-      </a:accent4>
-      <a:accent5>
-        <a:srgbClr val="0097A7"/>
-      </a:accent5>
-      <a:accent6>
-        <a:srgbClr val="EEFF41"/>
-      </a:accent6>
-      <a:hlink>
-        <a:srgbClr val="0097A7"/>
-      </a:hlink>
-      <a:folHlink>
-        <a:srgbClr val="0097A7"/>
-      </a:folHlink>
-    </a:clrScheme>
-    <a:fontScheme name="Office">
-      <a:majorFont>
-        <a:latin typeface="Arial"/>
-        <a:ea typeface=""/>
-        <a:cs typeface=""/>
-        <a:font script="Jpan" typeface="ＭＳ Ｐゴシック"/>
-        <a:font script="Hang" typeface="맑은 고딕"/>
-        <a:font script="Hans" typeface="宋体"/>
-        <a:font script="Hant" typeface="新細明體"/>
-        <a:font script="Arab" typeface="Times New Roman"/>
-        <a:font script="Hebr" typeface="Times New Roman"/>
-        <a:font script="Thai" typeface="Angsana New"/>
-        <a:font script="Ethi" typeface="Nyala"/>
-        <a:font script="Beng" typeface="Vrinda"/>
-        <a:font script="Gujr" typeface="Shruti"/>
-        <a:font script="Khmr" typeface="MoolBoran"/>
-        <a:font script="Knda" typeface="Tunga"/>
-        <a:font script="Guru" typeface="Raavi"/>
-        <a:font script="Cans" typeface="Euphemia"/>
-        <a:font script="Cher" typeface="Plantagenet Cherokee"/>
-        <a:font script="Yiii" typeface="Microsoft Yi Baiti"/>
-        <a:font script="Tibt" typeface="Microsoft Himalaya"/>
-        <a:font script="Thaa" typeface="MV Boli"/>
-        <a:font script="Deva" typeface="Mangal"/>
-        <a:font script="Telu" typeface="Gautami"/>
-        <a:font script="Taml" typeface="Latha"/>
-        <a:font script="Syrc" typeface="Estrangelo Edessa"/>
-        <a:font script="Orya" typeface="Kalinga"/>
-        <a:font script="Mlym" typeface="Kartika"/>
-        <a:font script="Laoo" typeface="DokChampa"/>
-        <a:font script="Sinh" typeface="Iskoola Pota"/>
-        <a:font script="Mong" typeface="Mongolian Baiti"/>
-        <a:font script="Viet" typeface="Times New Roman"/>
-        <a:font script="Uigh" typeface="Microsoft Uighur"/>
-        <a:font script="Geor" typeface="Sylfaen"/>
-      </a:majorFont>
-      <a:minorFont>
-        <a:latin typeface="Arial"/>
-        <a:ea typeface=""/>
-        <a:cs typeface=""/>
-        <a:font script="Jpan" typeface="ＭＳ Ｐゴシック"/>
-        <a:font script="Hang" typeface="맑은 고딕"/>
-        <a:font script="Hans" typeface="宋体"/>
-        <a:font script="Hant" typeface="新細明體"/>
-        <a:font script="Arab" typeface="Arial"/>
-        <a:font script="Hebr" typeface="Arial"/>
-        <a:font script="Thai" typeface="Cordia New"/>
-        <a:font script="Ethi" typeface="Nyala"/>
-        <a:font script="Beng" typeface="Vrinda"/>
-        <a:font script="Gujr" typeface="Shruti"/>
-        <a:font script="Khmr" typeface="DaunPenh"/>
-        <a:font script="Knda" typeface="Tunga"/>
-        <a:font script="Guru" typeface="Raavi"/>
-        <a:font script="Cans" typeface="Euphemia"/>
-        <a:font script="Cher" typeface="Plantagenet Cherokee"/>
-        <a:font script="Yiii" typeface="Microsoft Yi Baiti"/>
-        <a:font script="Tibt" typeface="Microsoft Himalaya"/>
-        <a:font script="Thaa" typeface="MV Boli"/>
-        <a:font script="Deva" typeface="Mangal"/>
-        <a:font script="Telu" typeface="Gautami"/>
-        <a:font script="Taml" typeface="Latha"/>
-        <a:font script="Syrc" typeface="Estrangelo Edessa"/>
-        <a:font script="Orya" typeface="Kalinga"/>
-        <a:font script="Mlym" typeface="Kartika"/>
-        <a:font script="Laoo" typeface="DokChampa"/>
-        <a:font script="Sinh" typeface="Iskoola Pota"/>
-        <a:font script="Mong" typeface="Mongolian Baiti"/>
-        <a:font script="Viet" typeface="Arial"/>
-        <a:font script="Uigh" typeface="Microsoft Uighur"/>
-        <a:font script="Geor" typeface="Sylfaen"/>
-      </a:minorFont>
-    </a:fontScheme>
-    <a:fmtScheme name="Office">
-      <a:fillStyleLst>
-        <a:solidFill>
-          <a:schemeClr val="phClr"/>
-        </a:solidFill>
-        <a:gradFill rotWithShape="1">
-          <a:gsLst>
-            <a:gs pos="0">
-              <a:schemeClr val="phClr">
-                <a:tint val="50000"/>
-                <a:satMod val="300000"/>
-              </a:schemeClr>
-            </a:gs>
-            <a:gs pos="35000">
-              <a:schemeClr val="phClr">
-                <a:tint val="37000"/>
-                <a:satMod val="300000"/>
-              </a:schemeClr>
-            </a:gs>
-            <a:gs pos="100000">
-              <a:schemeClr val="phClr">
-                <a:tint val="15000"/>
-                <a:satMod val="350000"/>
-              </a:schemeClr>
-            </a:gs>
-          </a:gsLst>
-          <a:lin ang="16200000" scaled="1"/>
-        </a:gradFill>
-        <a:gradFill rotWithShape="1">
-          <a:gsLst>
-            <a:gs pos="0">
-              <a:schemeClr val="phClr">
-                <a:tint val="100000"/>
-                <a:shade val="100000"/>
-                <a:satMod val="130000"/>
-              </a:schemeClr>
-            </a:gs>
-            <a:gs pos="100000">
-              <a:schemeClr val="phClr">
-                <a:tint val="50000"/>
-                <a:shade val="100000"/>
-                <a:satMod val="350000"/>
-              </a:schemeClr>
-            </a:gs>
-          </a:gsLst>
-          <a:lin ang="16200000" scaled="0"/>
-        </a:gradFill>
-      </a:fillStyleLst>
-      <a:lnStyleLst>
-        <a:ln w="9525" cap="flat" cmpd="sng" algn="ctr">
-          <a:solidFill>
-            <a:schemeClr val="phClr">
-              <a:shade val="95000"/>
-              <a:satMod val="105000"/>
-            </a:schemeClr>
-          </a:solidFill>
-          <a:prstDash val="solid"/>
-        </a:ln>
-        <a:ln w="25400" cap="flat" cmpd="sng" algn="ctr">
-          <a:solidFill>
-            <a:schemeClr val="phClr"/>
-          </a:solidFill>
-          <a:prstDash val="solid"/>
-        </a:ln>
-        <a:ln w="38100" cap="flat" cmpd="sng" algn="ctr">
-          <a:solidFill>
-            <a:schemeClr val="phClr"/>
-          </a:solidFill>
-          <a:prstDash val="solid"/>
-        </a:ln>
-      </a:lnStyleLst>
-      <a:effectStyleLst>
-        <a:effectStyle>
-          <a:effectLst>
-            <a:outerShdw blurRad="40000" dist="20000" dir="5400000" rotWithShape="0">
-              <a:srgbClr val="000000">
-                <a:alpha val="38000"/>
-              </a:srgbClr>
-            </a:outerShdw>
-          </a:effectLst>
-        </a:effectStyle>
-        <a:effectStyle>
-          <a:effectLst>
-            <a:outerShdw blurRad="40000" dist="23000" dir="5400000" rotWithShape="0">
-              <a:srgbClr val="000000">
-                <a:alpha val="35000"/>
-              </a:srgbClr>
-            </a:outerShdw>
-          </a:effectLst>
-        </a:effectStyle>
-        <a:effectStyle>
-          <a:effectLst>
-            <a:outerShdw blurRad="40000" dist="23000" dir="5400000" rotWithShape="0">
-              <a:srgbClr val="000000">
-                <a:alpha val="35000"/>
-              </a:srgbClr>
-            </a:outerShdw>
-          </a:effectLst>
-          <a:scene3d>
-            <a:camera prst="orthographicFront">
-              <a:rot lat="0" lon="0" rev="0"/>
-            </a:camera>
-            <a:lightRig rig="threePt" dir="t">
-              <a:rot lat="0" lon="0" rev="1200000"/>
-            </a:lightRig>
-          </a:scene3d>
-          <a:sp3d>
-            <a:bevelT w="63500" h="25400"/>
-          </a:sp3d>
-        </a:effectStyle>
-      </a:effectStyleLst>
-      <a:bgFillStyleLst>
-        <a:solidFill>
-          <a:schemeClr val="phClr"/>
-        </a:solidFill>
-        <a:gradFill rotWithShape="1">
-          <a:gsLst>
-            <a:gs pos="0">
-              <a:schemeClr val="phClr">
-                <a:tint val="40000"/>
-                <a:satMod val="350000"/>
-              </a:schemeClr>
-            </a:gs>
-            <a:gs pos="40000">
-              <a:schemeClr val="phClr">
-                <a:tint val="45000"/>
-                <a:shade val="99000"/>
-                <a:satMod val="350000"/>
-              </a:schemeClr>
-            </a:gs>
-            <a:gs pos="100000">
-              <a:schemeClr val="phClr">
-                <a:shade val="20000"/>
-                <a:satMod val="255000"/>
-              </a:schemeClr>
-            </a:gs>
-          </a:gsLst>
-          <a:path path="circle">
-            <a:fillToRect l="50000" t="-80000" r="50000" b="180000"/>
-          </a:path>
-        </a:gradFill>
-        <a:gradFill rotWithShape="1">
-          <a:gsLst>
-            <a:gs pos="0">
-              <a:schemeClr val="phClr">
-                <a:tint val="80000"/>
-                <a:satMod val="300000"/>
-              </a:schemeClr>
-            </a:gs>
-            <a:gs pos="100000">
-              <a:schemeClr val="phClr">
-                <a:shade val="30000"/>
-                <a:satMod val="200000"/>
-              </a:schemeClr>
-            </a:gs>
-          </a:gsLst>
-          <a:path path="circle">
-            <a:fillToRect l="50000" t="50000" r="50000" b="50000"/>
-          </a:path>
-        </a:gradFill>
-      </a:bgFillStyleLst>
-    </a:fmtScheme>
-  </a:themeElements>
+  <a:objectDefaults/>
+  <a:extraClrSchemeLst/>
 </a:theme>
 </file>